--- a/model.pptx
+++ b/model.pptx
@@ -9,11 +9,16 @@
     <p:sldId id="257" r:id="rId3"/>
     <p:sldId id="260" r:id="rId4"/>
     <p:sldId id="261" r:id="rId5"/>
-    <p:sldId id="262" r:id="rId6"/>
-    <p:sldId id="258" r:id="rId7"/>
-    <p:sldId id="259" r:id="rId8"/>
-    <p:sldId id="263" r:id="rId9"/>
-    <p:sldId id="264" r:id="rId10"/>
+    <p:sldId id="265" r:id="rId6"/>
+    <p:sldId id="262" r:id="rId7"/>
+    <p:sldId id="258" r:id="rId8"/>
+    <p:sldId id="266" r:id="rId9"/>
+    <p:sldId id="267" r:id="rId10"/>
+    <p:sldId id="259" r:id="rId11"/>
+    <p:sldId id="263" r:id="rId12"/>
+    <p:sldId id="264" r:id="rId13"/>
+    <p:sldId id="268" r:id="rId14"/>
+    <p:sldId id="269" r:id="rId15"/>
   </p:sldIdLst>
   <p:sldSz cx="12192000" cy="6858000"/>
   <p:notesSz cx="6858000" cy="9144000"/>
@@ -112,6 +117,11 @@
       </a:defRPr>
     </a:lvl9pPr>
   </p:defaultTextStyle>
+  <p:extLst>
+    <p:ext uri="{EFAFB233-063F-42B5-8137-9DF3F51BA10A}">
+      <p15:sldGuideLst xmlns:p15="http://schemas.microsoft.com/office/powerpoint/2012/main"/>
+    </p:ext>
+  </p:extLst>
 </p:presentation>
 </file>
 
@@ -162,10 +172,10 @@
           </a:lstStyle>
           <a:p>
             <a:r>
-              <a:rPr lang="en-US" smtClean="0"/>
+              <a:rPr lang="en-US" dirty="0" smtClean="0"/>
               <a:t>Click to edit Master title style</a:t>
             </a:r>
-            <a:endParaRPr lang="en-US"/>
+            <a:endParaRPr lang="en-US" dirty="0"/>
           </a:p>
         </p:txBody>
       </p:sp>
@@ -251,7 +261,7 @@
           <a:p>
             <a:fld id="{1C0F36EC-0BD3-4812-B67E-307019A2FA8D}" type="datetimeFigureOut">
               <a:rPr lang="en-US" smtClean="0"/>
-              <a:t>5/28/2019</a:t>
+              <a:t>5/29/2019</a:t>
             </a:fld>
             <a:endParaRPr lang="en-US"/>
           </a:p>
@@ -428,7 +438,7 @@
           <a:p>
             <a:fld id="{1C0F36EC-0BD3-4812-B67E-307019A2FA8D}" type="datetimeFigureOut">
               <a:rPr lang="en-US" smtClean="0"/>
-              <a:t>5/28/2019</a:t>
+              <a:t>5/29/2019</a:t>
             </a:fld>
             <a:endParaRPr lang="en-US"/>
           </a:p>
@@ -608,7 +618,7 @@
           <a:p>
             <a:fld id="{1C0F36EC-0BD3-4812-B67E-307019A2FA8D}" type="datetimeFigureOut">
               <a:rPr lang="en-US" smtClean="0"/>
-              <a:t>5/28/2019</a:t>
+              <a:t>5/29/2019</a:t>
             </a:fld>
             <a:endParaRPr lang="en-US"/>
           </a:p>
@@ -701,16 +711,27 @@
             <p:ph type="title"/>
           </p:nvPr>
         </p:nvSpPr>
-        <p:spPr/>
-        <p:txBody>
-          <a:bodyPr/>
-          <a:lstStyle/>
-          <a:p>
-            <a:r>
-              <a:rPr lang="en-US" smtClean="0"/>
+        <p:spPr>
+          <a:xfrm>
+            <a:off x="201202" y="149368"/>
+            <a:ext cx="10515600" cy="672565"/>
+          </a:xfrm>
+        </p:spPr>
+        <p:txBody>
+          <a:bodyPr>
+            <a:normAutofit/>
+          </a:bodyPr>
+          <a:lstStyle>
+            <a:lvl1pPr>
+              <a:defRPr sz="3200"/>
+            </a:lvl1pPr>
+          </a:lstStyle>
+          <a:p>
+            <a:r>
+              <a:rPr lang="en-US" dirty="0" smtClean="0"/>
               <a:t>Click to edit Master title style</a:t>
             </a:r>
-            <a:endParaRPr lang="en-US"/>
+            <a:endParaRPr lang="en-US" dirty="0"/>
           </a:p>
         </p:txBody>
       </p:sp>
@@ -783,7 +804,7 @@
           <a:p>
             <a:fld id="{1C0F36EC-0BD3-4812-B67E-307019A2FA8D}" type="datetimeFigureOut">
               <a:rPr lang="en-US" smtClean="0"/>
-              <a:t>5/28/2019</a:t>
+              <a:t>5/29/2019</a:t>
             </a:fld>
             <a:endParaRPr lang="en-US"/>
           </a:p>
@@ -1041,7 +1062,7 @@
           <a:p>
             <a:fld id="{1C0F36EC-0BD3-4812-B67E-307019A2FA8D}" type="datetimeFigureOut">
               <a:rPr lang="en-US" smtClean="0"/>
-              <a:t>5/28/2019</a:t>
+              <a:t>5/29/2019</a:t>
             </a:fld>
             <a:endParaRPr lang="en-US"/>
           </a:p>
@@ -1280,7 +1301,7 @@
           <a:p>
             <a:fld id="{1C0F36EC-0BD3-4812-B67E-307019A2FA8D}" type="datetimeFigureOut">
               <a:rPr lang="en-US" smtClean="0"/>
-              <a:t>5/28/2019</a:t>
+              <a:t>5/29/2019</a:t>
             </a:fld>
             <a:endParaRPr lang="en-US"/>
           </a:p>
@@ -1647,7 +1668,7 @@
           <a:p>
             <a:fld id="{1C0F36EC-0BD3-4812-B67E-307019A2FA8D}" type="datetimeFigureOut">
               <a:rPr lang="en-US" smtClean="0"/>
-              <a:t>5/28/2019</a:t>
+              <a:t>5/29/2019</a:t>
             </a:fld>
             <a:endParaRPr lang="en-US"/>
           </a:p>
@@ -1765,7 +1786,7 @@
           <a:p>
             <a:fld id="{1C0F36EC-0BD3-4812-B67E-307019A2FA8D}" type="datetimeFigureOut">
               <a:rPr lang="en-US" smtClean="0"/>
-              <a:t>5/28/2019</a:t>
+              <a:t>5/29/2019</a:t>
             </a:fld>
             <a:endParaRPr lang="en-US"/>
           </a:p>
@@ -1860,7 +1881,7 @@
           <a:p>
             <a:fld id="{1C0F36EC-0BD3-4812-B67E-307019A2FA8D}" type="datetimeFigureOut">
               <a:rPr lang="en-US" smtClean="0"/>
-              <a:t>5/28/2019</a:t>
+              <a:t>5/29/2019</a:t>
             </a:fld>
             <a:endParaRPr lang="en-US"/>
           </a:p>
@@ -2137,7 +2158,7 @@
           <a:p>
             <a:fld id="{1C0F36EC-0BD3-4812-B67E-307019A2FA8D}" type="datetimeFigureOut">
               <a:rPr lang="en-US" smtClean="0"/>
-              <a:t>5/28/2019</a:t>
+              <a:t>5/29/2019</a:t>
             </a:fld>
             <a:endParaRPr lang="en-US"/>
           </a:p>
@@ -2390,7 +2411,7 @@
           <a:p>
             <a:fld id="{1C0F36EC-0BD3-4812-B67E-307019A2FA8D}" type="datetimeFigureOut">
               <a:rPr lang="en-US" smtClean="0"/>
-              <a:t>5/28/2019</a:t>
+              <a:t>5/29/2019</a:t>
             </a:fld>
             <a:endParaRPr lang="en-US"/>
           </a:p>
@@ -2603,7 +2624,7 @@
           <a:p>
             <a:fld id="{1C0F36EC-0BD3-4812-B67E-307019A2FA8D}" type="datetimeFigureOut">
               <a:rPr lang="en-US" smtClean="0"/>
-              <a:t>5/28/2019</a:t>
+              <a:t>5/29/2019</a:t>
             </a:fld>
             <a:endParaRPr lang="en-US"/>
           </a:p>
@@ -3168,6 +3189,1947 @@
 </p:sld>
 </file>
 
+<file path=ppt/slides/slide10.xml><?xml version="1.0" encoding="utf-8"?>
+<p:sld xmlns:a="http://schemas.openxmlformats.org/drawingml/2006/main" xmlns:r="http://schemas.openxmlformats.org/officeDocument/2006/relationships" xmlns:p="http://schemas.openxmlformats.org/presentationml/2006/main">
+  <p:cSld>
+    <p:spTree>
+      <p:nvGrpSpPr>
+        <p:cNvPr id="1" name=""/>
+        <p:cNvGrpSpPr/>
+        <p:nvPr/>
+      </p:nvGrpSpPr>
+      <p:grpSpPr>
+        <a:xfrm>
+          <a:off x="0" y="0"/>
+          <a:ext cx="0" cy="0"/>
+          <a:chOff x="0" y="0"/>
+          <a:chExt cx="0" cy="0"/>
+        </a:xfrm>
+      </p:grpSpPr>
+      <p:sp>
+        <p:nvSpPr>
+          <p:cNvPr id="2" name="Title 1"/>
+          <p:cNvSpPr>
+            <a:spLocks noGrp="1"/>
+          </p:cNvSpPr>
+          <p:nvPr>
+            <p:ph type="title"/>
+          </p:nvPr>
+        </p:nvSpPr>
+        <p:spPr/>
+        <p:txBody>
+          <a:bodyPr/>
+          <a:lstStyle/>
+          <a:p>
+            <a:r>
+              <a:rPr lang="en-US" dirty="0" err="1" smtClean="0">
+                <a:latin typeface="Consolas" panose="020B0609020204030204" pitchFamily="49" charset="0"/>
+              </a:rPr>
+              <a:t>Program.cs</a:t>
+            </a:r>
+            <a:r>
+              <a:rPr lang="en-US" dirty="0" smtClean="0">
+                <a:latin typeface="Consolas" panose="020B0609020204030204" pitchFamily="49" charset="0"/>
+              </a:rPr>
+              <a:t>: </a:t>
+            </a:r>
+            <a:r>
+              <a:rPr lang="en-US" dirty="0" err="1" smtClean="0">
+                <a:latin typeface="Consolas" panose="020B0609020204030204" pitchFamily="49" charset="0"/>
+              </a:rPr>
+              <a:t>generate_options</a:t>
+            </a:r>
+            <a:r>
+              <a:rPr lang="en-US" dirty="0" smtClean="0"/>
+              <a:t>()</a:t>
+            </a:r>
+            <a:endParaRPr lang="en-US" dirty="0"/>
+          </a:p>
+        </p:txBody>
+      </p:sp>
+      <p:sp>
+        <p:nvSpPr>
+          <p:cNvPr id="3" name="Content Placeholder 2"/>
+          <p:cNvSpPr>
+            <a:spLocks noGrp="1"/>
+          </p:cNvSpPr>
+          <p:nvPr>
+            <p:ph idx="1"/>
+          </p:nvPr>
+        </p:nvSpPr>
+        <p:spPr>
+          <a:xfrm>
+            <a:off x="672947" y="1098512"/>
+            <a:ext cx="10515600" cy="4351338"/>
+          </a:xfrm>
+        </p:spPr>
+        <p:txBody>
+          <a:bodyPr>
+            <a:normAutofit/>
+          </a:bodyPr>
+          <a:lstStyle/>
+          <a:p>
+            <a:r>
+              <a:rPr lang="en-US" sz="1800" dirty="0" smtClean="0"/>
+              <a:t>Given player and associated contextual attributes, determines what actions a player may take</a:t>
+            </a:r>
+          </a:p>
+          <a:p>
+            <a:r>
+              <a:rPr lang="en-US" sz="1800" dirty="0" smtClean="0"/>
+              <a:t>Returns potential actions as a string array of constant literals</a:t>
+            </a:r>
+          </a:p>
+          <a:p>
+            <a:r>
+              <a:rPr lang="en-US" sz="1800" dirty="0" smtClean="0"/>
+              <a:t>User selects action from list; then, </a:t>
+            </a:r>
+            <a:r>
+              <a:rPr lang="en-US" sz="1800" dirty="0" err="1" smtClean="0">
+                <a:latin typeface="Consolas" panose="020B0609020204030204" pitchFamily="49" charset="0"/>
+              </a:rPr>
+              <a:t>take_action</a:t>
+            </a:r>
+            <a:r>
+              <a:rPr lang="en-US" sz="1800" dirty="0" smtClean="0">
+                <a:latin typeface="Consolas" panose="020B0609020204030204" pitchFamily="49" charset="0"/>
+              </a:rPr>
+              <a:t>() </a:t>
+            </a:r>
+            <a:r>
+              <a:rPr lang="en-US" sz="1800" dirty="0" smtClean="0"/>
+              <a:t>is called</a:t>
+            </a:r>
+          </a:p>
+          <a:p>
+            <a:r>
+              <a:rPr lang="en-US" sz="1800" dirty="0" smtClean="0"/>
+              <a:t>Input parameters:</a:t>
+            </a:r>
+          </a:p>
+          <a:p>
+            <a:pPr lvl="1"/>
+            <a:r>
+              <a:rPr lang="en-US" sz="1400" dirty="0" smtClean="0">
+                <a:latin typeface="Consolas" panose="020B0609020204030204" pitchFamily="49" charset="0"/>
+              </a:rPr>
+              <a:t>Player p</a:t>
+            </a:r>
+          </a:p>
+          <a:p>
+            <a:pPr lvl="1"/>
+            <a:r>
+              <a:rPr lang="en-US" sz="1400" dirty="0" smtClean="0">
+                <a:latin typeface="Consolas" panose="020B0609020204030204" pitchFamily="49" charset="0"/>
+              </a:rPr>
+              <a:t>bool </a:t>
+            </a:r>
+            <a:r>
+              <a:rPr lang="en-US" sz="1400" dirty="0" err="1" smtClean="0">
+                <a:latin typeface="Consolas" panose="020B0609020204030204" pitchFamily="49" charset="0"/>
+              </a:rPr>
+              <a:t>turn_is_over</a:t>
+            </a:r>
+            <a:endParaRPr lang="en-US" sz="1400" dirty="0" smtClean="0">
+              <a:latin typeface="Consolas" panose="020B0609020204030204" pitchFamily="49" charset="0"/>
+            </a:endParaRPr>
+          </a:p>
+          <a:p>
+            <a:pPr lvl="1"/>
+            <a:r>
+              <a:rPr lang="en-US" sz="1400" dirty="0" smtClean="0">
+                <a:latin typeface="Consolas" panose="020B0609020204030204" pitchFamily="49" charset="0"/>
+              </a:rPr>
+              <a:t>bool </a:t>
+            </a:r>
+            <a:r>
+              <a:rPr lang="en-US" sz="1400" dirty="0" err="1" smtClean="0">
+                <a:latin typeface="Consolas" panose="020B0609020204030204" pitchFamily="49" charset="0"/>
+              </a:rPr>
+              <a:t>has_rolled</a:t>
+            </a:r>
+            <a:endParaRPr lang="en-US" sz="1400" dirty="0" smtClean="0">
+              <a:latin typeface="Consolas" panose="020B0609020204030204" pitchFamily="49" charset="0"/>
+            </a:endParaRPr>
+          </a:p>
+          <a:p>
+            <a:pPr lvl="1"/>
+            <a:r>
+              <a:rPr lang="en-US" sz="1400" dirty="0" smtClean="0">
+                <a:latin typeface="Consolas" panose="020B0609020204030204" pitchFamily="49" charset="0"/>
+              </a:rPr>
+              <a:t>bool </a:t>
+            </a:r>
+            <a:r>
+              <a:rPr lang="en-US" sz="1400" dirty="0" err="1" smtClean="0">
+                <a:latin typeface="Consolas" panose="020B0609020204030204" pitchFamily="49" charset="0"/>
+              </a:rPr>
+              <a:t>rent_paid</a:t>
+            </a:r>
+            <a:endParaRPr lang="en-US" sz="1400" dirty="0" smtClean="0">
+              <a:latin typeface="Consolas" panose="020B0609020204030204" pitchFamily="49" charset="0"/>
+            </a:endParaRPr>
+          </a:p>
+          <a:p>
+            <a:r>
+              <a:rPr lang="en-US" sz="1800" dirty="0" smtClean="0">
+                <a:latin typeface="+mj-lt"/>
+              </a:rPr>
+              <a:t>Output</a:t>
+            </a:r>
+          </a:p>
+          <a:p>
+            <a:pPr lvl="1"/>
+            <a:r>
+              <a:rPr lang="en-US" sz="1400" dirty="0" smtClean="0">
+                <a:latin typeface="Consolas" panose="020B0609020204030204" pitchFamily="49" charset="0"/>
+              </a:rPr>
+              <a:t>List&lt;string&gt; options</a:t>
+            </a:r>
+          </a:p>
+        </p:txBody>
+      </p:sp>
+      <p:pic>
+        <p:nvPicPr>
+          <p:cNvPr id="4" name="Picture 3"/>
+          <p:cNvPicPr>
+            <a:picLocks noChangeAspect="1"/>
+          </p:cNvPicPr>
+          <p:nvPr/>
+        </p:nvPicPr>
+        <p:blipFill>
+          <a:blip r:embed="rId2"/>
+          <a:stretch>
+            <a:fillRect/>
+          </a:stretch>
+        </p:blipFill>
+        <p:spPr>
+          <a:xfrm>
+            <a:off x="5111827" y="3248261"/>
+            <a:ext cx="5490760" cy="2979482"/>
+          </a:xfrm>
+          <a:prstGeom prst="rect">
+            <a:avLst/>
+          </a:prstGeom>
+        </p:spPr>
+      </p:pic>
+    </p:spTree>
+    <p:extLst>
+      <p:ext uri="{BB962C8B-B14F-4D97-AF65-F5344CB8AC3E}">
+        <p14:creationId xmlns:p14="http://schemas.microsoft.com/office/powerpoint/2010/main" val="188299604"/>
+      </p:ext>
+    </p:extLst>
+  </p:cSld>
+  <p:clrMapOvr>
+    <a:masterClrMapping/>
+  </p:clrMapOvr>
+  <p:timing>
+    <p:tnLst>
+      <p:par>
+        <p:cTn id="1" dur="indefinite" restart="never" nodeType="tmRoot"/>
+      </p:par>
+    </p:tnLst>
+  </p:timing>
+</p:sld>
+</file>
+
+<file path=ppt/slides/slide11.xml><?xml version="1.0" encoding="utf-8"?>
+<p:sld xmlns:a="http://schemas.openxmlformats.org/drawingml/2006/main" xmlns:r="http://schemas.openxmlformats.org/officeDocument/2006/relationships" xmlns:p="http://schemas.openxmlformats.org/presentationml/2006/main">
+  <p:cSld>
+    <p:spTree>
+      <p:nvGrpSpPr>
+        <p:cNvPr id="1" name=""/>
+        <p:cNvGrpSpPr/>
+        <p:nvPr/>
+      </p:nvGrpSpPr>
+      <p:grpSpPr>
+        <a:xfrm>
+          <a:off x="0" y="0"/>
+          <a:ext cx="0" cy="0"/>
+          <a:chOff x="0" y="0"/>
+          <a:chExt cx="0" cy="0"/>
+        </a:xfrm>
+      </p:grpSpPr>
+      <p:sp>
+        <p:nvSpPr>
+          <p:cNvPr id="2" name="Title 1"/>
+          <p:cNvSpPr>
+            <a:spLocks noGrp="1"/>
+          </p:cNvSpPr>
+          <p:nvPr>
+            <p:ph type="title"/>
+          </p:nvPr>
+        </p:nvSpPr>
+        <p:spPr/>
+        <p:txBody>
+          <a:bodyPr/>
+          <a:lstStyle/>
+          <a:p>
+            <a:r>
+              <a:rPr lang="en-US" dirty="0" err="1" smtClean="0">
+                <a:latin typeface="Consolas" panose="020B0609020204030204" pitchFamily="49" charset="0"/>
+              </a:rPr>
+              <a:t>Program.cs</a:t>
+            </a:r>
+            <a:r>
+              <a:rPr lang="en-US" dirty="0" smtClean="0">
+                <a:latin typeface="Consolas" panose="020B0609020204030204" pitchFamily="49" charset="0"/>
+              </a:rPr>
+              <a:t>: </a:t>
+            </a:r>
+            <a:r>
+              <a:rPr lang="en-US" dirty="0" err="1" smtClean="0">
+                <a:latin typeface="Consolas" panose="020B0609020204030204" pitchFamily="49" charset="0"/>
+              </a:rPr>
+              <a:t>take_action</a:t>
+            </a:r>
+            <a:r>
+              <a:rPr lang="en-US" dirty="0" smtClean="0">
+                <a:latin typeface="Consolas" panose="020B0609020204030204" pitchFamily="49" charset="0"/>
+              </a:rPr>
+              <a:t>()</a:t>
+            </a:r>
+            <a:endParaRPr lang="en-US" dirty="0">
+              <a:latin typeface="Consolas" panose="020B0609020204030204" pitchFamily="49" charset="0"/>
+            </a:endParaRPr>
+          </a:p>
+        </p:txBody>
+      </p:sp>
+      <p:sp>
+        <p:nvSpPr>
+          <p:cNvPr id="3" name="Content Placeholder 2"/>
+          <p:cNvSpPr>
+            <a:spLocks noGrp="1"/>
+          </p:cNvSpPr>
+          <p:nvPr>
+            <p:ph idx="1"/>
+          </p:nvPr>
+        </p:nvSpPr>
+        <p:spPr>
+          <a:xfrm>
+            <a:off x="683964" y="1076478"/>
+            <a:ext cx="10515600" cy="4351338"/>
+          </a:xfrm>
+        </p:spPr>
+        <p:txBody>
+          <a:bodyPr>
+            <a:normAutofit/>
+          </a:bodyPr>
+          <a:lstStyle/>
+          <a:p>
+            <a:r>
+              <a:rPr lang="en-US" sz="1800" dirty="0" smtClean="0"/>
+              <a:t>Given constant string literal action chosen from list of possibilities returned by </a:t>
+            </a:r>
+            <a:r>
+              <a:rPr lang="en-US" sz="1800" dirty="0" err="1" smtClean="0"/>
+              <a:t>generate_options</a:t>
+            </a:r>
+            <a:r>
+              <a:rPr lang="en-US" sz="1800" dirty="0" smtClean="0"/>
+              <a:t>, appropriate objects are updated to reflect the action</a:t>
+            </a:r>
+          </a:p>
+          <a:p>
+            <a:r>
+              <a:rPr lang="en-US" sz="1800" dirty="0" smtClean="0"/>
+              <a:t>Cases handled individually, with helper methods called where applicable</a:t>
+            </a:r>
+          </a:p>
+          <a:p>
+            <a:r>
+              <a:rPr lang="en-US" sz="1800" dirty="0" smtClean="0"/>
+              <a:t>Input parameters</a:t>
+            </a:r>
+          </a:p>
+          <a:p>
+            <a:pPr lvl="1"/>
+            <a:r>
+              <a:rPr lang="en-US" sz="1400" dirty="0" smtClean="0">
+                <a:latin typeface="Consolas" panose="020B0609020204030204" pitchFamily="49" charset="0"/>
+              </a:rPr>
+              <a:t>Player p</a:t>
+            </a:r>
+          </a:p>
+          <a:p>
+            <a:pPr lvl="1"/>
+            <a:r>
+              <a:rPr lang="en-US" sz="1400" dirty="0" smtClean="0">
+                <a:latin typeface="Consolas" panose="020B0609020204030204" pitchFamily="49" charset="0"/>
+              </a:rPr>
+              <a:t>List&lt;string&gt; options</a:t>
+            </a:r>
+          </a:p>
+          <a:p>
+            <a:pPr lvl="1"/>
+            <a:r>
+              <a:rPr lang="en-US" sz="1400" dirty="0" err="1" smtClean="0">
+                <a:latin typeface="Consolas" panose="020B0609020204030204" pitchFamily="49" charset="0"/>
+              </a:rPr>
+              <a:t>int</a:t>
+            </a:r>
+            <a:r>
+              <a:rPr lang="en-US" sz="1400" dirty="0" smtClean="0">
+                <a:latin typeface="Consolas" panose="020B0609020204030204" pitchFamily="49" charset="0"/>
+              </a:rPr>
+              <a:t> choice</a:t>
+            </a:r>
+          </a:p>
+          <a:p>
+            <a:pPr lvl="1"/>
+            <a:r>
+              <a:rPr lang="en-US" sz="1400" dirty="0" smtClean="0">
+                <a:latin typeface="Consolas" panose="020B0609020204030204" pitchFamily="49" charset="0"/>
+              </a:rPr>
+              <a:t>ref bool </a:t>
+            </a:r>
+            <a:r>
+              <a:rPr lang="en-US" sz="1400" dirty="0" err="1" smtClean="0">
+                <a:latin typeface="Consolas" panose="020B0609020204030204" pitchFamily="49" charset="0"/>
+              </a:rPr>
+              <a:t>turn_is_over</a:t>
+            </a:r>
+            <a:endParaRPr lang="en-US" sz="1400" dirty="0" smtClean="0">
+              <a:latin typeface="Consolas" panose="020B0609020204030204" pitchFamily="49" charset="0"/>
+            </a:endParaRPr>
+          </a:p>
+          <a:p>
+            <a:pPr lvl="1"/>
+            <a:r>
+              <a:rPr lang="en-US" sz="1400" dirty="0" smtClean="0">
+                <a:latin typeface="Consolas" panose="020B0609020204030204" pitchFamily="49" charset="0"/>
+              </a:rPr>
+              <a:t>ref bool </a:t>
+            </a:r>
+            <a:r>
+              <a:rPr lang="en-US" sz="1400" dirty="0" err="1" smtClean="0">
+                <a:latin typeface="Consolas" panose="020B0609020204030204" pitchFamily="49" charset="0"/>
+              </a:rPr>
+              <a:t>has_rolled</a:t>
+            </a:r>
+            <a:endParaRPr lang="en-US" sz="1400" dirty="0" smtClean="0">
+              <a:latin typeface="Consolas" panose="020B0609020204030204" pitchFamily="49" charset="0"/>
+            </a:endParaRPr>
+          </a:p>
+          <a:p>
+            <a:pPr lvl="1"/>
+            <a:r>
+              <a:rPr lang="en-US" sz="1400" dirty="0" smtClean="0">
+                <a:latin typeface="Consolas" panose="020B0609020204030204" pitchFamily="49" charset="0"/>
+              </a:rPr>
+              <a:t>ref bool  </a:t>
+            </a:r>
+            <a:r>
+              <a:rPr lang="en-US" sz="1400" dirty="0" err="1" smtClean="0">
+                <a:latin typeface="Consolas" panose="020B0609020204030204" pitchFamily="49" charset="0"/>
+              </a:rPr>
+              <a:t>turn_ended</a:t>
+            </a:r>
+            <a:endParaRPr lang="en-US" sz="1400" dirty="0" smtClean="0">
+              <a:latin typeface="Consolas" panose="020B0609020204030204" pitchFamily="49" charset="0"/>
+            </a:endParaRPr>
+          </a:p>
+          <a:p>
+            <a:pPr lvl="1"/>
+            <a:r>
+              <a:rPr lang="en-US" sz="1400" dirty="0" smtClean="0">
+                <a:latin typeface="Consolas" panose="020B0609020204030204" pitchFamily="49" charset="0"/>
+              </a:rPr>
+              <a:t>ref bool </a:t>
+            </a:r>
+            <a:r>
+              <a:rPr lang="en-US" sz="1400" dirty="0" err="1" smtClean="0">
+                <a:latin typeface="Consolas" panose="020B0609020204030204" pitchFamily="49" charset="0"/>
+              </a:rPr>
+              <a:t>rent_paid</a:t>
+            </a:r>
+            <a:endParaRPr lang="en-US" sz="1400" dirty="0" smtClean="0">
+              <a:latin typeface="Consolas" panose="020B0609020204030204" pitchFamily="49" charset="0"/>
+            </a:endParaRPr>
+          </a:p>
+          <a:p>
+            <a:pPr lvl="1"/>
+            <a:r>
+              <a:rPr lang="en-US" sz="1400" dirty="0" smtClean="0">
+                <a:latin typeface="Consolas" panose="020B0609020204030204" pitchFamily="49" charset="0"/>
+              </a:rPr>
+              <a:t>ref </a:t>
+            </a:r>
+            <a:r>
+              <a:rPr lang="en-US" sz="1400" dirty="0" err="1" smtClean="0">
+                <a:latin typeface="Consolas" panose="020B0609020204030204" pitchFamily="49" charset="0"/>
+              </a:rPr>
+              <a:t>int</a:t>
+            </a:r>
+            <a:r>
+              <a:rPr lang="en-US" sz="1400" dirty="0" smtClean="0">
+                <a:latin typeface="Consolas" panose="020B0609020204030204" pitchFamily="49" charset="0"/>
+              </a:rPr>
+              <a:t> </a:t>
+            </a:r>
+            <a:r>
+              <a:rPr lang="en-US" sz="1400" dirty="0" err="1" smtClean="0">
+                <a:latin typeface="Consolas" panose="020B0609020204030204" pitchFamily="49" charset="0"/>
+              </a:rPr>
+              <a:t>dice_roll</a:t>
+            </a:r>
+            <a:endParaRPr lang="en-US" sz="1400" dirty="0" smtClean="0">
+              <a:latin typeface="Consolas" panose="020B0609020204030204" pitchFamily="49" charset="0"/>
+            </a:endParaRPr>
+          </a:p>
+          <a:p>
+            <a:r>
+              <a:rPr lang="en-US" sz="1800" dirty="0" smtClean="0"/>
+              <a:t>Output: void (but note reference variables and objects may change)</a:t>
+            </a:r>
+            <a:endParaRPr lang="en-US" sz="1800" dirty="0"/>
+          </a:p>
+        </p:txBody>
+      </p:sp>
+    </p:spTree>
+    <p:extLst>
+      <p:ext uri="{BB962C8B-B14F-4D97-AF65-F5344CB8AC3E}">
+        <p14:creationId xmlns:p14="http://schemas.microsoft.com/office/powerpoint/2010/main" val="2724638532"/>
+      </p:ext>
+    </p:extLst>
+  </p:cSld>
+  <p:clrMapOvr>
+    <a:masterClrMapping/>
+  </p:clrMapOvr>
+  <p:timing>
+    <p:tnLst>
+      <p:par>
+        <p:cTn id="1" dur="indefinite" restart="never" nodeType="tmRoot"/>
+      </p:par>
+    </p:tnLst>
+  </p:timing>
+</p:sld>
+</file>
+
+<file path=ppt/slides/slide12.xml><?xml version="1.0" encoding="utf-8"?>
+<p:sld xmlns:a="http://schemas.openxmlformats.org/drawingml/2006/main" xmlns:r="http://schemas.openxmlformats.org/officeDocument/2006/relationships" xmlns:p="http://schemas.openxmlformats.org/presentationml/2006/main">
+  <p:cSld>
+    <p:spTree>
+      <p:nvGrpSpPr>
+        <p:cNvPr id="1" name=""/>
+        <p:cNvGrpSpPr/>
+        <p:nvPr/>
+      </p:nvGrpSpPr>
+      <p:grpSpPr>
+        <a:xfrm>
+          <a:off x="0" y="0"/>
+          <a:ext cx="0" cy="0"/>
+          <a:chOff x="0" y="0"/>
+          <a:chExt cx="0" cy="0"/>
+        </a:xfrm>
+      </p:grpSpPr>
+      <p:sp>
+        <p:nvSpPr>
+          <p:cNvPr id="2" name="Title 1"/>
+          <p:cNvSpPr>
+            <a:spLocks noGrp="1"/>
+          </p:cNvSpPr>
+          <p:nvPr>
+            <p:ph type="title"/>
+          </p:nvPr>
+        </p:nvSpPr>
+        <p:spPr/>
+        <p:txBody>
+          <a:bodyPr/>
+          <a:lstStyle/>
+          <a:p>
+            <a:r>
+              <a:rPr lang="en-US" dirty="0" err="1" smtClean="0">
+                <a:latin typeface="Consolas" panose="020B0609020204030204" pitchFamily="49" charset="0"/>
+              </a:rPr>
+              <a:t>Program.cs</a:t>
+            </a:r>
+            <a:r>
+              <a:rPr lang="en-US" dirty="0" smtClean="0">
+                <a:latin typeface="Consolas" panose="020B0609020204030204" pitchFamily="49" charset="0"/>
+              </a:rPr>
+              <a:t>: Helper Methods</a:t>
+            </a:r>
+            <a:endParaRPr lang="en-US" dirty="0"/>
+          </a:p>
+        </p:txBody>
+      </p:sp>
+      <p:sp>
+        <p:nvSpPr>
+          <p:cNvPr id="3" name="Content Placeholder 2"/>
+          <p:cNvSpPr>
+            <a:spLocks noGrp="1"/>
+          </p:cNvSpPr>
+          <p:nvPr>
+            <p:ph idx="1"/>
+          </p:nvPr>
+        </p:nvSpPr>
+        <p:spPr>
+          <a:xfrm>
+            <a:off x="617863" y="1076478"/>
+            <a:ext cx="10515600" cy="4351338"/>
+          </a:xfrm>
+        </p:spPr>
+        <p:txBody>
+          <a:bodyPr>
+            <a:normAutofit/>
+          </a:bodyPr>
+          <a:lstStyle/>
+          <a:p>
+            <a:r>
+              <a:rPr lang="en-US" sz="1800" dirty="0" err="1" smtClean="0">
+                <a:latin typeface="Consolas" panose="020B0609020204030204" pitchFamily="49" charset="0"/>
+              </a:rPr>
+              <a:t>int</a:t>
+            </a:r>
+            <a:r>
+              <a:rPr lang="en-US" sz="1800" dirty="0" smtClean="0">
+                <a:latin typeface="Consolas" panose="020B0609020204030204" pitchFamily="49" charset="0"/>
+              </a:rPr>
+              <a:t> </a:t>
+            </a:r>
+            <a:r>
+              <a:rPr lang="en-US" sz="1800" dirty="0" err="1" smtClean="0">
+                <a:latin typeface="Consolas" panose="020B0609020204030204" pitchFamily="49" charset="0"/>
+              </a:rPr>
+              <a:t>roll_dice</a:t>
+            </a:r>
+            <a:r>
+              <a:rPr lang="en-US" sz="1800" dirty="0" smtClean="0">
+                <a:latin typeface="Consolas" panose="020B0609020204030204" pitchFamily="49" charset="0"/>
+              </a:rPr>
+              <a:t>(Random random) 			// for game setup</a:t>
+            </a:r>
+          </a:p>
+          <a:p>
+            <a:r>
+              <a:rPr lang="en-US" sz="1800" dirty="0" err="1" smtClean="0">
+                <a:latin typeface="Consolas" panose="020B0609020204030204" pitchFamily="49" charset="0"/>
+              </a:rPr>
+              <a:t>int</a:t>
+            </a:r>
+            <a:r>
+              <a:rPr lang="en-US" sz="1800" dirty="0" smtClean="0">
+                <a:latin typeface="Consolas" panose="020B0609020204030204" pitchFamily="49" charset="0"/>
+              </a:rPr>
+              <a:t> </a:t>
+            </a:r>
+            <a:r>
+              <a:rPr lang="en-US" sz="1800" dirty="0" err="1" smtClean="0">
+                <a:latin typeface="Consolas" panose="020B0609020204030204" pitchFamily="49" charset="0"/>
+              </a:rPr>
+              <a:t>roll_dice</a:t>
+            </a:r>
+            <a:r>
+              <a:rPr lang="en-US" sz="1800" dirty="0" smtClean="0">
+                <a:latin typeface="Consolas" panose="020B0609020204030204" pitchFamily="49" charset="0"/>
+              </a:rPr>
+              <a:t>(Random </a:t>
+            </a:r>
+            <a:r>
+              <a:rPr lang="en-US" sz="1800" dirty="0" err="1" smtClean="0">
+                <a:latin typeface="Consolas" panose="020B0609020204030204" pitchFamily="49" charset="0"/>
+              </a:rPr>
+              <a:t>random</a:t>
+            </a:r>
+            <a:r>
+              <a:rPr lang="en-US" sz="1800" dirty="0" smtClean="0">
+                <a:latin typeface="Consolas" panose="020B0609020204030204" pitchFamily="49" charset="0"/>
+              </a:rPr>
+              <a:t>, ref bool doubles) 	// for actual rolls</a:t>
+            </a:r>
+          </a:p>
+          <a:p>
+            <a:r>
+              <a:rPr lang="en-US" sz="1800" dirty="0" smtClean="0">
+                <a:latin typeface="Consolas" panose="020B0609020204030204" pitchFamily="49" charset="0"/>
+              </a:rPr>
+              <a:t>void </a:t>
+            </a:r>
+            <a:r>
+              <a:rPr lang="en-US" sz="1800" dirty="0" err="1" smtClean="0">
+                <a:latin typeface="Consolas" panose="020B0609020204030204" pitchFamily="49" charset="0"/>
+              </a:rPr>
+              <a:t>reset_free_parking</a:t>
+            </a:r>
+            <a:r>
+              <a:rPr lang="en-US" sz="1800" dirty="0" smtClean="0">
+                <a:latin typeface="Consolas" panose="020B0609020204030204" pitchFamily="49" charset="0"/>
+              </a:rPr>
+              <a:t>()</a:t>
+            </a:r>
+          </a:p>
+          <a:p>
+            <a:r>
+              <a:rPr lang="en-US" sz="1800" dirty="0" smtClean="0">
+                <a:latin typeface="Consolas" panose="020B0609020204030204" pitchFamily="49" charset="0"/>
+              </a:rPr>
+              <a:t>void </a:t>
+            </a:r>
+            <a:r>
+              <a:rPr lang="en-US" sz="1800" dirty="0" err="1" smtClean="0">
+                <a:latin typeface="Consolas" panose="020B0609020204030204" pitchFamily="49" charset="0"/>
+              </a:rPr>
+              <a:t>add_free_parking</a:t>
+            </a:r>
+            <a:r>
+              <a:rPr lang="en-US" sz="1800" dirty="0" smtClean="0">
+                <a:latin typeface="Consolas" panose="020B0609020204030204" pitchFamily="49" charset="0"/>
+              </a:rPr>
+              <a:t>(</a:t>
+            </a:r>
+            <a:r>
+              <a:rPr lang="en-US" sz="1800" dirty="0" err="1" smtClean="0">
+                <a:latin typeface="Consolas" panose="020B0609020204030204" pitchFamily="49" charset="0"/>
+              </a:rPr>
+              <a:t>int</a:t>
+            </a:r>
+            <a:r>
+              <a:rPr lang="en-US" sz="1800" dirty="0" smtClean="0">
+                <a:latin typeface="Consolas" panose="020B0609020204030204" pitchFamily="49" charset="0"/>
+              </a:rPr>
+              <a:t> amount)</a:t>
+            </a:r>
+          </a:p>
+          <a:p>
+            <a:r>
+              <a:rPr lang="en-US" sz="1800" dirty="0" err="1" smtClean="0">
+                <a:latin typeface="Consolas" panose="020B0609020204030204" pitchFamily="49" charset="0"/>
+              </a:rPr>
+              <a:t>int</a:t>
+            </a:r>
+            <a:r>
+              <a:rPr lang="en-US" sz="1800" dirty="0" smtClean="0">
+                <a:latin typeface="Consolas" panose="020B0609020204030204" pitchFamily="49" charset="0"/>
+              </a:rPr>
+              <a:t> </a:t>
+            </a:r>
+            <a:r>
+              <a:rPr lang="en-US" sz="1800" dirty="0" err="1" smtClean="0">
+                <a:latin typeface="Consolas" panose="020B0609020204030204" pitchFamily="49" charset="0"/>
+              </a:rPr>
+              <a:t>input_int</a:t>
+            </a:r>
+            <a:r>
+              <a:rPr lang="en-US" sz="1800" dirty="0" smtClean="0">
+                <a:latin typeface="Consolas" panose="020B0609020204030204" pitchFamily="49" charset="0"/>
+              </a:rPr>
+              <a:t>(string message, </a:t>
+            </a:r>
+            <a:r>
+              <a:rPr lang="en-US" sz="1800" dirty="0" err="1" smtClean="0">
+                <a:latin typeface="Consolas" panose="020B0609020204030204" pitchFamily="49" charset="0"/>
+              </a:rPr>
+              <a:t>int</a:t>
+            </a:r>
+            <a:r>
+              <a:rPr lang="en-US" sz="1800" dirty="0" smtClean="0">
+                <a:latin typeface="Consolas" panose="020B0609020204030204" pitchFamily="49" charset="0"/>
+              </a:rPr>
+              <a:t> min, </a:t>
+            </a:r>
+            <a:r>
+              <a:rPr lang="en-US" sz="1800" dirty="0" err="1" smtClean="0">
+                <a:latin typeface="Consolas" panose="020B0609020204030204" pitchFamily="49" charset="0"/>
+              </a:rPr>
+              <a:t>int</a:t>
+            </a:r>
+            <a:r>
+              <a:rPr lang="en-US" sz="1800" dirty="0" smtClean="0">
+                <a:latin typeface="Consolas" panose="020B0609020204030204" pitchFamily="49" charset="0"/>
+              </a:rPr>
+              <a:t> max)</a:t>
+            </a:r>
+          </a:p>
+          <a:p>
+            <a:r>
+              <a:rPr lang="en-US" sz="1800" dirty="0" smtClean="0">
+                <a:latin typeface="Consolas" panose="020B0609020204030204" pitchFamily="49" charset="0"/>
+              </a:rPr>
+              <a:t>string </a:t>
+            </a:r>
+            <a:r>
+              <a:rPr lang="en-US" sz="1800" dirty="0" err="1" smtClean="0">
+                <a:latin typeface="Consolas" panose="020B0609020204030204" pitchFamily="49" charset="0"/>
+              </a:rPr>
+              <a:t>input_string</a:t>
+            </a:r>
+            <a:r>
+              <a:rPr lang="en-US" sz="1800" dirty="0" smtClean="0">
+                <a:latin typeface="Consolas" panose="020B0609020204030204" pitchFamily="49" charset="0"/>
+              </a:rPr>
+              <a:t>(string message, </a:t>
+            </a:r>
+            <a:r>
+              <a:rPr lang="en-US" sz="1800" dirty="0" err="1" smtClean="0">
+                <a:latin typeface="Consolas" panose="020B0609020204030204" pitchFamily="49" charset="0"/>
+              </a:rPr>
+              <a:t>int</a:t>
+            </a:r>
+            <a:r>
+              <a:rPr lang="en-US" sz="1800" dirty="0" smtClean="0">
+                <a:latin typeface="Consolas" panose="020B0609020204030204" pitchFamily="49" charset="0"/>
+              </a:rPr>
+              <a:t> </a:t>
+            </a:r>
+            <a:r>
+              <a:rPr lang="en-US" sz="1800" dirty="0" err="1" smtClean="0">
+                <a:latin typeface="Consolas" panose="020B0609020204030204" pitchFamily="49" charset="0"/>
+              </a:rPr>
+              <a:t>min_len</a:t>
+            </a:r>
+            <a:r>
+              <a:rPr lang="en-US" sz="1800" dirty="0" smtClean="0">
+                <a:latin typeface="Consolas" panose="020B0609020204030204" pitchFamily="49" charset="0"/>
+              </a:rPr>
+              <a:t>, </a:t>
+            </a:r>
+            <a:r>
+              <a:rPr lang="en-US" sz="1800" dirty="0" err="1" smtClean="0">
+                <a:latin typeface="Consolas" panose="020B0609020204030204" pitchFamily="49" charset="0"/>
+              </a:rPr>
+              <a:t>int</a:t>
+            </a:r>
+            <a:r>
+              <a:rPr lang="en-US" sz="1800" dirty="0" smtClean="0">
+                <a:latin typeface="Consolas" panose="020B0609020204030204" pitchFamily="49" charset="0"/>
+              </a:rPr>
+              <a:t> </a:t>
+            </a:r>
+            <a:r>
+              <a:rPr lang="en-US" sz="1800" dirty="0" err="1" smtClean="0">
+                <a:latin typeface="Consolas" panose="020B0609020204030204" pitchFamily="49" charset="0"/>
+              </a:rPr>
+              <a:t>max_len</a:t>
+            </a:r>
+            <a:r>
+              <a:rPr lang="en-US" sz="1800" dirty="0" smtClean="0">
+                <a:latin typeface="Consolas" panose="020B0609020204030204" pitchFamily="49" charset="0"/>
+              </a:rPr>
+              <a:t>)</a:t>
+            </a:r>
+          </a:p>
+          <a:p>
+            <a:r>
+              <a:rPr lang="en-US" sz="1800" dirty="0" smtClean="0">
+                <a:latin typeface="Consolas" panose="020B0609020204030204" pitchFamily="49" charset="0"/>
+              </a:rPr>
+              <a:t>void </a:t>
+            </a:r>
+            <a:r>
+              <a:rPr lang="en-US" sz="1800" dirty="0" err="1" smtClean="0">
+                <a:latin typeface="Consolas" panose="020B0609020204030204" pitchFamily="49" charset="0"/>
+              </a:rPr>
+              <a:t>shuffle_cards</a:t>
+            </a:r>
+            <a:r>
+              <a:rPr lang="en-US" sz="1800" dirty="0" smtClean="0">
+                <a:latin typeface="Consolas" panose="020B0609020204030204" pitchFamily="49" charset="0"/>
+              </a:rPr>
+              <a:t>(ref List&lt;Card&gt; cards)</a:t>
+            </a:r>
+          </a:p>
+          <a:p>
+            <a:endParaRPr lang="en-US" sz="1800" dirty="0">
+              <a:latin typeface="Consolas" panose="020B0609020204030204" pitchFamily="49" charset="0"/>
+            </a:endParaRPr>
+          </a:p>
+        </p:txBody>
+      </p:sp>
+      <p:sp>
+        <p:nvSpPr>
+          <p:cNvPr id="4" name="Rectangle 3"/>
+          <p:cNvSpPr/>
+          <p:nvPr/>
+        </p:nvSpPr>
+        <p:spPr>
+          <a:xfrm>
+            <a:off x="617863" y="1076478"/>
+            <a:ext cx="9212991" cy="714222"/>
+          </a:xfrm>
+          <a:prstGeom prst="rect">
+            <a:avLst/>
+          </a:prstGeom>
+          <a:noFill/>
+          <a:ln>
+            <a:solidFill>
+              <a:srgbClr val="008080"/>
+            </a:solidFill>
+          </a:ln>
+        </p:spPr>
+        <p:style>
+          <a:lnRef idx="2">
+            <a:schemeClr val="accent1">
+              <a:shade val="50000"/>
+            </a:schemeClr>
+          </a:lnRef>
+          <a:fillRef idx="1">
+            <a:schemeClr val="accent1"/>
+          </a:fillRef>
+          <a:effectRef idx="0">
+            <a:schemeClr val="accent1"/>
+          </a:effectRef>
+          <a:fontRef idx="minor">
+            <a:schemeClr val="lt1"/>
+          </a:fontRef>
+        </p:style>
+        <p:txBody>
+          <a:bodyPr rtlCol="0" anchor="ctr"/>
+          <a:lstStyle/>
+          <a:p>
+            <a:pPr algn="ctr"/>
+            <a:endParaRPr lang="en-US"/>
+          </a:p>
+        </p:txBody>
+      </p:sp>
+      <p:sp>
+        <p:nvSpPr>
+          <p:cNvPr id="5" name="TextBox 4"/>
+          <p:cNvSpPr txBox="1"/>
+          <p:nvPr/>
+        </p:nvSpPr>
+        <p:spPr>
+          <a:xfrm>
+            <a:off x="9887468" y="1276039"/>
+            <a:ext cx="2304532" cy="276999"/>
+          </a:xfrm>
+          <a:prstGeom prst="rect">
+            <a:avLst/>
+          </a:prstGeom>
+          <a:noFill/>
+        </p:spPr>
+        <p:txBody>
+          <a:bodyPr wrap="square" rtlCol="0">
+            <a:spAutoFit/>
+          </a:bodyPr>
+          <a:lstStyle/>
+          <a:p>
+            <a:r>
+              <a:rPr lang="en-US" sz="1200" dirty="0" smtClean="0">
+                <a:solidFill>
+                  <a:srgbClr val="008080"/>
+                </a:solidFill>
+              </a:rPr>
+              <a:t>Dice Management</a:t>
+            </a:r>
+            <a:endParaRPr lang="en-US" sz="1200" dirty="0">
+              <a:solidFill>
+                <a:srgbClr val="008080"/>
+              </a:solidFill>
+            </a:endParaRPr>
+          </a:p>
+        </p:txBody>
+      </p:sp>
+      <p:sp>
+        <p:nvSpPr>
+          <p:cNvPr id="6" name="Rectangle 5"/>
+          <p:cNvSpPr/>
+          <p:nvPr/>
+        </p:nvSpPr>
+        <p:spPr>
+          <a:xfrm>
+            <a:off x="617863" y="1800225"/>
+            <a:ext cx="9212991" cy="714222"/>
+          </a:xfrm>
+          <a:prstGeom prst="rect">
+            <a:avLst/>
+          </a:prstGeom>
+          <a:noFill/>
+          <a:ln>
+            <a:solidFill>
+              <a:srgbClr val="92D050"/>
+            </a:solidFill>
+          </a:ln>
+        </p:spPr>
+        <p:style>
+          <a:lnRef idx="2">
+            <a:schemeClr val="accent1">
+              <a:shade val="50000"/>
+            </a:schemeClr>
+          </a:lnRef>
+          <a:fillRef idx="1">
+            <a:schemeClr val="accent1"/>
+          </a:fillRef>
+          <a:effectRef idx="0">
+            <a:schemeClr val="accent1"/>
+          </a:effectRef>
+          <a:fontRef idx="minor">
+            <a:schemeClr val="lt1"/>
+          </a:fontRef>
+        </p:style>
+        <p:txBody>
+          <a:bodyPr rtlCol="0" anchor="ctr"/>
+          <a:lstStyle/>
+          <a:p>
+            <a:pPr algn="ctr"/>
+            <a:endParaRPr lang="en-US"/>
+          </a:p>
+        </p:txBody>
+      </p:sp>
+      <p:sp>
+        <p:nvSpPr>
+          <p:cNvPr id="9" name="Rectangle 8"/>
+          <p:cNvSpPr/>
+          <p:nvPr/>
+        </p:nvSpPr>
+        <p:spPr>
+          <a:xfrm>
+            <a:off x="617863" y="2520491"/>
+            <a:ext cx="9212991" cy="794209"/>
+          </a:xfrm>
+          <a:prstGeom prst="rect">
+            <a:avLst/>
+          </a:prstGeom>
+          <a:noFill/>
+          <a:ln>
+            <a:solidFill>
+              <a:srgbClr val="008080"/>
+            </a:solidFill>
+          </a:ln>
+        </p:spPr>
+        <p:style>
+          <a:lnRef idx="2">
+            <a:schemeClr val="accent1">
+              <a:shade val="50000"/>
+            </a:schemeClr>
+          </a:lnRef>
+          <a:fillRef idx="1">
+            <a:schemeClr val="accent1"/>
+          </a:fillRef>
+          <a:effectRef idx="0">
+            <a:schemeClr val="accent1"/>
+          </a:effectRef>
+          <a:fontRef idx="minor">
+            <a:schemeClr val="lt1"/>
+          </a:fontRef>
+        </p:style>
+        <p:txBody>
+          <a:bodyPr rtlCol="0" anchor="ctr"/>
+          <a:lstStyle/>
+          <a:p>
+            <a:pPr algn="ctr"/>
+            <a:endParaRPr lang="en-US"/>
+          </a:p>
+        </p:txBody>
+      </p:sp>
+      <p:sp>
+        <p:nvSpPr>
+          <p:cNvPr id="10" name="Rectangle 9"/>
+          <p:cNvSpPr/>
+          <p:nvPr/>
+        </p:nvSpPr>
+        <p:spPr>
+          <a:xfrm>
+            <a:off x="617863" y="3320744"/>
+            <a:ext cx="9212991" cy="327331"/>
+          </a:xfrm>
+          <a:prstGeom prst="rect">
+            <a:avLst/>
+          </a:prstGeom>
+          <a:noFill/>
+          <a:ln>
+            <a:solidFill>
+              <a:srgbClr val="92D050"/>
+            </a:solidFill>
+          </a:ln>
+        </p:spPr>
+        <p:style>
+          <a:lnRef idx="2">
+            <a:schemeClr val="accent1">
+              <a:shade val="50000"/>
+            </a:schemeClr>
+          </a:lnRef>
+          <a:fillRef idx="1">
+            <a:schemeClr val="accent1"/>
+          </a:fillRef>
+          <a:effectRef idx="0">
+            <a:schemeClr val="accent1"/>
+          </a:effectRef>
+          <a:fontRef idx="minor">
+            <a:schemeClr val="lt1"/>
+          </a:fontRef>
+        </p:style>
+        <p:txBody>
+          <a:bodyPr rtlCol="0" anchor="ctr"/>
+          <a:lstStyle/>
+          <a:p>
+            <a:pPr algn="ctr"/>
+            <a:endParaRPr lang="en-US"/>
+          </a:p>
+        </p:txBody>
+      </p:sp>
+      <p:sp>
+        <p:nvSpPr>
+          <p:cNvPr id="11" name="TextBox 10"/>
+          <p:cNvSpPr txBox="1"/>
+          <p:nvPr/>
+        </p:nvSpPr>
+        <p:spPr>
+          <a:xfrm>
+            <a:off x="9887468" y="2018836"/>
+            <a:ext cx="2304532" cy="276999"/>
+          </a:xfrm>
+          <a:prstGeom prst="rect">
+            <a:avLst/>
+          </a:prstGeom>
+          <a:noFill/>
+        </p:spPr>
+        <p:txBody>
+          <a:bodyPr wrap="square" rtlCol="0">
+            <a:spAutoFit/>
+          </a:bodyPr>
+          <a:lstStyle/>
+          <a:p>
+            <a:r>
+              <a:rPr lang="en-US" sz="1200" dirty="0" smtClean="0">
+                <a:solidFill>
+                  <a:srgbClr val="92D050"/>
+                </a:solidFill>
+              </a:rPr>
+              <a:t>Free Parking Management</a:t>
+            </a:r>
+            <a:endParaRPr lang="en-US" sz="1200" dirty="0">
+              <a:solidFill>
+                <a:srgbClr val="92D050"/>
+              </a:solidFill>
+            </a:endParaRPr>
+          </a:p>
+        </p:txBody>
+      </p:sp>
+      <p:sp>
+        <p:nvSpPr>
+          <p:cNvPr id="12" name="TextBox 11"/>
+          <p:cNvSpPr txBox="1"/>
+          <p:nvPr/>
+        </p:nvSpPr>
+        <p:spPr>
+          <a:xfrm>
+            <a:off x="9887468" y="2779095"/>
+            <a:ext cx="2304532" cy="276999"/>
+          </a:xfrm>
+          <a:prstGeom prst="rect">
+            <a:avLst/>
+          </a:prstGeom>
+          <a:noFill/>
+        </p:spPr>
+        <p:txBody>
+          <a:bodyPr wrap="square" rtlCol="0">
+            <a:spAutoFit/>
+          </a:bodyPr>
+          <a:lstStyle/>
+          <a:p>
+            <a:r>
+              <a:rPr lang="en-US" sz="1200" dirty="0" smtClean="0">
+                <a:solidFill>
+                  <a:srgbClr val="008080"/>
+                </a:solidFill>
+              </a:rPr>
+              <a:t>User I / O</a:t>
+            </a:r>
+            <a:endParaRPr lang="en-US" sz="1200" dirty="0">
+              <a:solidFill>
+                <a:srgbClr val="008080"/>
+              </a:solidFill>
+            </a:endParaRPr>
+          </a:p>
+        </p:txBody>
+      </p:sp>
+      <p:sp>
+        <p:nvSpPr>
+          <p:cNvPr id="13" name="TextBox 12"/>
+          <p:cNvSpPr txBox="1"/>
+          <p:nvPr/>
+        </p:nvSpPr>
+        <p:spPr>
+          <a:xfrm>
+            <a:off x="9887468" y="3352026"/>
+            <a:ext cx="2304532" cy="276999"/>
+          </a:xfrm>
+          <a:prstGeom prst="rect">
+            <a:avLst/>
+          </a:prstGeom>
+          <a:noFill/>
+        </p:spPr>
+        <p:txBody>
+          <a:bodyPr wrap="square" rtlCol="0">
+            <a:spAutoFit/>
+          </a:bodyPr>
+          <a:lstStyle/>
+          <a:p>
+            <a:r>
+              <a:rPr lang="en-US" sz="1200" dirty="0" smtClean="0">
+                <a:solidFill>
+                  <a:srgbClr val="92D050"/>
+                </a:solidFill>
+              </a:rPr>
+              <a:t>Card Management</a:t>
+            </a:r>
+            <a:endParaRPr lang="en-US" sz="1200" dirty="0">
+              <a:solidFill>
+                <a:srgbClr val="92D050"/>
+              </a:solidFill>
+            </a:endParaRPr>
+          </a:p>
+        </p:txBody>
+      </p:sp>
+    </p:spTree>
+    <p:extLst>
+      <p:ext uri="{BB962C8B-B14F-4D97-AF65-F5344CB8AC3E}">
+        <p14:creationId xmlns:p14="http://schemas.microsoft.com/office/powerpoint/2010/main" val="873525041"/>
+      </p:ext>
+    </p:extLst>
+  </p:cSld>
+  <p:clrMapOvr>
+    <a:masterClrMapping/>
+  </p:clrMapOvr>
+  <p:timing>
+    <p:tnLst>
+      <p:par>
+        <p:cTn id="1" dur="indefinite" restart="never" nodeType="tmRoot"/>
+      </p:par>
+    </p:tnLst>
+  </p:timing>
+</p:sld>
+</file>
+
+<file path=ppt/slides/slide13.xml><?xml version="1.0" encoding="utf-8"?>
+<p:sld xmlns:a="http://schemas.openxmlformats.org/drawingml/2006/main" xmlns:r="http://schemas.openxmlformats.org/officeDocument/2006/relationships" xmlns:p="http://schemas.openxmlformats.org/presentationml/2006/main">
+  <p:cSld>
+    <p:spTree>
+      <p:nvGrpSpPr>
+        <p:cNvPr id="1" name=""/>
+        <p:cNvGrpSpPr/>
+        <p:nvPr/>
+      </p:nvGrpSpPr>
+      <p:grpSpPr>
+        <a:xfrm>
+          <a:off x="0" y="0"/>
+          <a:ext cx="0" cy="0"/>
+          <a:chOff x="0" y="0"/>
+          <a:chExt cx="0" cy="0"/>
+        </a:xfrm>
+      </p:grpSpPr>
+      <p:sp>
+        <p:nvSpPr>
+          <p:cNvPr id="2" name="Title 1"/>
+          <p:cNvSpPr>
+            <a:spLocks noGrp="1"/>
+          </p:cNvSpPr>
+          <p:nvPr>
+            <p:ph type="title"/>
+          </p:nvPr>
+        </p:nvSpPr>
+        <p:spPr/>
+        <p:txBody>
+          <a:bodyPr/>
+          <a:lstStyle/>
+          <a:p>
+            <a:r>
+              <a:rPr lang="en-US" dirty="0" err="1" smtClean="0">
+                <a:latin typeface="Consolas" panose="020B0609020204030204" pitchFamily="49" charset="0"/>
+              </a:rPr>
+              <a:t>Graphics.cs</a:t>
+            </a:r>
+            <a:endParaRPr lang="en-US" dirty="0">
+              <a:latin typeface="Consolas" panose="020B0609020204030204" pitchFamily="49" charset="0"/>
+            </a:endParaRPr>
+          </a:p>
+        </p:txBody>
+      </p:sp>
+      <p:sp>
+        <p:nvSpPr>
+          <p:cNvPr id="3" name="Content Placeholder 2"/>
+          <p:cNvSpPr>
+            <a:spLocks noGrp="1"/>
+          </p:cNvSpPr>
+          <p:nvPr>
+            <p:ph idx="1"/>
+          </p:nvPr>
+        </p:nvSpPr>
+        <p:spPr>
+          <a:xfrm>
+            <a:off x="838200" y="991518"/>
+            <a:ext cx="10515600" cy="5563518"/>
+          </a:xfrm>
+        </p:spPr>
+        <p:txBody>
+          <a:bodyPr>
+            <a:normAutofit/>
+          </a:bodyPr>
+          <a:lstStyle/>
+          <a:p>
+            <a:r>
+              <a:rPr lang="en-US" sz="1800" dirty="0" smtClean="0"/>
+              <a:t>Static support class approach</a:t>
+            </a:r>
+          </a:p>
+          <a:p>
+            <a:r>
+              <a:rPr lang="en-US" sz="1800" dirty="0"/>
+              <a:t>G</a:t>
+            </a:r>
+            <a:r>
+              <a:rPr lang="en-US" sz="1800" dirty="0" smtClean="0"/>
+              <a:t>enerates and returns current board upon call from menu</a:t>
+            </a:r>
+          </a:p>
+          <a:p>
+            <a:endParaRPr lang="en-US" sz="1800" dirty="0"/>
+          </a:p>
+          <a:p>
+            <a:pPr marL="0" indent="0">
+              <a:buNone/>
+            </a:pPr>
+            <a:r>
+              <a:rPr lang="en-US" sz="1800" i="1" dirty="0" smtClean="0">
+                <a:solidFill>
+                  <a:srgbClr val="92D050"/>
+                </a:solidFill>
+              </a:rPr>
+              <a:t>Public Methods</a:t>
+            </a:r>
+            <a:endParaRPr lang="en-US" sz="1800" dirty="0" smtClean="0">
+              <a:solidFill>
+                <a:srgbClr val="92D050"/>
+              </a:solidFill>
+            </a:endParaRPr>
+          </a:p>
+          <a:p>
+            <a:r>
+              <a:rPr lang="en-US" sz="1400" dirty="0">
+                <a:latin typeface="Consolas" panose="020B0609020204030204" pitchFamily="49" charset="0"/>
+              </a:rPr>
+              <a:t>public static string[] render(List&lt;Player&gt; players, List&lt;Property&gt; board, List&lt;</a:t>
+            </a:r>
+            <a:r>
+              <a:rPr lang="en-US" sz="1400" dirty="0" err="1">
+                <a:latin typeface="Consolas" panose="020B0609020204030204" pitchFamily="49" charset="0"/>
+              </a:rPr>
+              <a:t>int</a:t>
+            </a:r>
+            <a:r>
+              <a:rPr lang="en-US" sz="1400" dirty="0">
+                <a:latin typeface="Consolas" panose="020B0609020204030204" pitchFamily="49" charset="0"/>
+              </a:rPr>
+              <a:t>[]&gt; </a:t>
+            </a:r>
+            <a:r>
+              <a:rPr lang="en-US" sz="1400" dirty="0" err="1">
+                <a:latin typeface="Consolas" panose="020B0609020204030204" pitchFamily="49" charset="0"/>
+              </a:rPr>
+              <a:t>spaces_player</a:t>
+            </a:r>
+            <a:r>
+              <a:rPr lang="en-US" sz="1400" dirty="0">
+                <a:latin typeface="Consolas" panose="020B0609020204030204" pitchFamily="49" charset="0"/>
+              </a:rPr>
+              <a:t>, </a:t>
+            </a:r>
+            <a:r>
+              <a:rPr lang="en-US" sz="1400" dirty="0" smtClean="0">
+                <a:latin typeface="Consolas" panose="020B0609020204030204" pitchFamily="49" charset="0"/>
+              </a:rPr>
+              <a:t>	List&lt;</a:t>
+            </a:r>
+            <a:r>
+              <a:rPr lang="en-US" sz="1400" dirty="0" err="1" smtClean="0">
+                <a:latin typeface="Consolas" panose="020B0609020204030204" pitchFamily="49" charset="0"/>
+              </a:rPr>
+              <a:t>int</a:t>
+            </a:r>
+            <a:r>
+              <a:rPr lang="en-US" sz="1400" dirty="0">
+                <a:latin typeface="Consolas" panose="020B0609020204030204" pitchFamily="49" charset="0"/>
+              </a:rPr>
+              <a:t>[]&gt; </a:t>
+            </a:r>
+            <a:r>
+              <a:rPr lang="en-US" sz="1400" dirty="0" err="1" smtClean="0">
+                <a:latin typeface="Consolas" panose="020B0609020204030204" pitchFamily="49" charset="0"/>
+              </a:rPr>
+              <a:t>spaces_houses</a:t>
+            </a:r>
+            <a:r>
+              <a:rPr lang="en-US" sz="1400" dirty="0" smtClean="0">
+                <a:latin typeface="Consolas" panose="020B0609020204030204" pitchFamily="49" charset="0"/>
+              </a:rPr>
+              <a:t>, string</a:t>
+            </a:r>
+            <a:r>
+              <a:rPr lang="en-US" sz="1400" dirty="0">
+                <a:latin typeface="Consolas" panose="020B0609020204030204" pitchFamily="49" charset="0"/>
+              </a:rPr>
+              <a:t>[] </a:t>
+            </a:r>
+            <a:r>
+              <a:rPr lang="en-US" sz="1400" dirty="0" err="1">
+                <a:latin typeface="Consolas" panose="020B0609020204030204" pitchFamily="49" charset="0"/>
+              </a:rPr>
+              <a:t>original_board_art</a:t>
+            </a:r>
+            <a:r>
+              <a:rPr lang="en-US" sz="1400" dirty="0">
+                <a:latin typeface="Consolas" panose="020B0609020204030204" pitchFamily="49" charset="0"/>
+              </a:rPr>
+              <a:t>, </a:t>
+            </a:r>
+            <a:r>
+              <a:rPr lang="en-US" sz="1400" dirty="0" err="1">
+                <a:latin typeface="Consolas" panose="020B0609020204030204" pitchFamily="49" charset="0"/>
+              </a:rPr>
+              <a:t>int</a:t>
+            </a:r>
+            <a:r>
+              <a:rPr lang="en-US" sz="1400" dirty="0">
+                <a:latin typeface="Consolas" panose="020B0609020204030204" pitchFamily="49" charset="0"/>
+              </a:rPr>
+              <a:t> </a:t>
+            </a:r>
+            <a:r>
+              <a:rPr lang="en-US" sz="1400" dirty="0" err="1">
+                <a:latin typeface="Consolas" panose="020B0609020204030204" pitchFamily="49" charset="0"/>
+              </a:rPr>
+              <a:t>free_parking</a:t>
+            </a:r>
+            <a:r>
+              <a:rPr lang="en-US" sz="1400" dirty="0" smtClean="0">
+                <a:latin typeface="Consolas" panose="020B0609020204030204" pitchFamily="49" charset="0"/>
+              </a:rPr>
+              <a:t>)</a:t>
+            </a:r>
+          </a:p>
+          <a:p>
+            <a:pPr lvl="1"/>
+            <a:r>
+              <a:rPr lang="en-US" sz="1600" dirty="0" smtClean="0"/>
+              <a:t>Declares </a:t>
+            </a:r>
+            <a:r>
+              <a:rPr lang="en-US" sz="1600" dirty="0" err="1" smtClean="0">
+                <a:latin typeface="Consolas" panose="020B0609020204030204" pitchFamily="49" charset="0"/>
+              </a:rPr>
+              <a:t>board_art</a:t>
+            </a:r>
+            <a:r>
+              <a:rPr lang="en-US" sz="1600" dirty="0" smtClean="0">
+                <a:latin typeface="Consolas" panose="020B0609020204030204" pitchFamily="49" charset="0"/>
+              </a:rPr>
+              <a:t> = </a:t>
+            </a:r>
+            <a:r>
+              <a:rPr lang="en-US" sz="1600" dirty="0" err="1" smtClean="0">
+                <a:latin typeface="Consolas" panose="020B0609020204030204" pitchFamily="49" charset="0"/>
+              </a:rPr>
+              <a:t>original_board_art</a:t>
+            </a:r>
+            <a:endParaRPr lang="en-US" sz="1600" dirty="0" smtClean="0">
+              <a:latin typeface="Consolas" panose="020B0609020204030204" pitchFamily="49" charset="0"/>
+            </a:endParaRPr>
+          </a:p>
+          <a:p>
+            <a:pPr lvl="1"/>
+            <a:r>
+              <a:rPr lang="en-US" sz="1600" dirty="0" smtClean="0"/>
+              <a:t>Iterates through properties on board, calling </a:t>
+            </a:r>
+            <a:r>
+              <a:rPr lang="en-US" sz="1600" dirty="0" err="1" smtClean="0">
+                <a:latin typeface="Consolas" panose="020B0609020204030204" pitchFamily="49" charset="0"/>
+              </a:rPr>
+              <a:t>place_player</a:t>
+            </a:r>
+            <a:r>
+              <a:rPr lang="en-US" sz="1600" dirty="0" smtClean="0"/>
+              <a:t> and </a:t>
+            </a:r>
+            <a:r>
+              <a:rPr lang="en-US" sz="1600" dirty="0" err="1" smtClean="0">
+                <a:latin typeface="Consolas" panose="020B0609020204030204" pitchFamily="49" charset="0"/>
+              </a:rPr>
+              <a:t>place_house</a:t>
+            </a:r>
+            <a:r>
+              <a:rPr lang="en-US" sz="1600" dirty="0" smtClean="0"/>
+              <a:t> to alter strings in </a:t>
+            </a:r>
+            <a:r>
+              <a:rPr lang="en-US" sz="1600" dirty="0" err="1" smtClean="0">
+                <a:latin typeface="Consolas" panose="020B0609020204030204" pitchFamily="49" charset="0"/>
+              </a:rPr>
+              <a:t>board_art</a:t>
+            </a:r>
+            <a:endParaRPr lang="en-US" sz="1600" dirty="0" smtClean="0">
+              <a:latin typeface="Consolas" panose="020B0609020204030204" pitchFamily="49" charset="0"/>
+            </a:endParaRPr>
+          </a:p>
+          <a:p>
+            <a:pPr lvl="1"/>
+            <a:r>
+              <a:rPr lang="en-US" sz="1600" dirty="0" smtClean="0"/>
+              <a:t>Returns </a:t>
+            </a:r>
+            <a:r>
+              <a:rPr lang="en-US" sz="1600" dirty="0" err="1" smtClean="0">
+                <a:latin typeface="Consolas" panose="020B0609020204030204" pitchFamily="49" charset="0"/>
+              </a:rPr>
+              <a:t>board_art</a:t>
+            </a:r>
+            <a:r>
+              <a:rPr lang="en-US" sz="1600" dirty="0" smtClean="0"/>
+              <a:t> to be printed to console</a:t>
+            </a:r>
+          </a:p>
+          <a:p>
+            <a:pPr marL="0" indent="0">
+              <a:buNone/>
+            </a:pPr>
+            <a:endParaRPr lang="en-US" sz="1800" i="1" dirty="0"/>
+          </a:p>
+          <a:p>
+            <a:pPr marL="0" indent="0">
+              <a:buNone/>
+            </a:pPr>
+            <a:r>
+              <a:rPr lang="en-US" sz="1800" i="1" dirty="0" smtClean="0">
+                <a:solidFill>
+                  <a:srgbClr val="92D050"/>
+                </a:solidFill>
+              </a:rPr>
+              <a:t>Private (Helper) Methods</a:t>
+            </a:r>
+          </a:p>
+          <a:p>
+            <a:r>
+              <a:rPr lang="en-US" sz="1400" dirty="0">
+                <a:latin typeface="Consolas" panose="020B0609020204030204" pitchFamily="49" charset="0"/>
+              </a:rPr>
+              <a:t>private static void </a:t>
+            </a:r>
+            <a:r>
+              <a:rPr lang="en-US" sz="1400" dirty="0" err="1">
+                <a:latin typeface="Consolas" panose="020B0609020204030204" pitchFamily="49" charset="0"/>
+              </a:rPr>
+              <a:t>place_player</a:t>
+            </a:r>
+            <a:r>
+              <a:rPr lang="en-US" sz="1400" dirty="0">
+                <a:latin typeface="Consolas" panose="020B0609020204030204" pitchFamily="49" charset="0"/>
+              </a:rPr>
+              <a:t>(Player p, ref string[] </a:t>
+            </a:r>
+            <a:r>
+              <a:rPr lang="en-US" sz="1400" dirty="0" err="1">
+                <a:latin typeface="Consolas" panose="020B0609020204030204" pitchFamily="49" charset="0"/>
+              </a:rPr>
+              <a:t>board_art</a:t>
+            </a:r>
+            <a:r>
+              <a:rPr lang="en-US" sz="1400" dirty="0">
+                <a:latin typeface="Consolas" panose="020B0609020204030204" pitchFamily="49" charset="0"/>
+              </a:rPr>
+              <a:t>, </a:t>
+            </a:r>
+            <a:r>
+              <a:rPr lang="en-US" sz="1400" dirty="0" err="1">
+                <a:latin typeface="Consolas" panose="020B0609020204030204" pitchFamily="49" charset="0"/>
+              </a:rPr>
+              <a:t>int</a:t>
+            </a:r>
+            <a:r>
+              <a:rPr lang="en-US" sz="1400" dirty="0">
+                <a:latin typeface="Consolas" panose="020B0609020204030204" pitchFamily="49" charset="0"/>
+              </a:rPr>
+              <a:t> row, </a:t>
+            </a:r>
+            <a:r>
+              <a:rPr lang="en-US" sz="1400" dirty="0" err="1">
+                <a:latin typeface="Consolas" panose="020B0609020204030204" pitchFamily="49" charset="0"/>
+              </a:rPr>
+              <a:t>int</a:t>
+            </a:r>
+            <a:r>
+              <a:rPr lang="en-US" sz="1400" dirty="0">
+                <a:latin typeface="Consolas" panose="020B0609020204030204" pitchFamily="49" charset="0"/>
+              </a:rPr>
+              <a:t> col</a:t>
+            </a:r>
+            <a:r>
+              <a:rPr lang="en-US" sz="1400" dirty="0" smtClean="0">
+                <a:latin typeface="Consolas" panose="020B0609020204030204" pitchFamily="49" charset="0"/>
+              </a:rPr>
+              <a:t>)</a:t>
+            </a:r>
+          </a:p>
+          <a:p>
+            <a:pPr lvl="1"/>
+            <a:r>
+              <a:rPr lang="en-US" sz="1600" dirty="0" smtClean="0"/>
+              <a:t>Given </a:t>
+            </a:r>
+            <a:r>
+              <a:rPr lang="en-US" sz="1600" dirty="0" smtClean="0">
+                <a:latin typeface="Consolas" panose="020B0609020204030204" pitchFamily="49" charset="0"/>
+              </a:rPr>
+              <a:t>row</a:t>
+            </a:r>
+            <a:r>
+              <a:rPr lang="en-US" sz="1600" dirty="0" smtClean="0"/>
+              <a:t> (index of string in </a:t>
+            </a:r>
+            <a:r>
+              <a:rPr lang="en-US" sz="1600" dirty="0" err="1" smtClean="0">
+                <a:latin typeface="Consolas" panose="020B0609020204030204" pitchFamily="49" charset="0"/>
+              </a:rPr>
+              <a:t>board_art</a:t>
+            </a:r>
+            <a:r>
+              <a:rPr lang="en-US" sz="1600" dirty="0" smtClean="0"/>
+              <a:t>) and </a:t>
+            </a:r>
+            <a:r>
+              <a:rPr lang="en-US" sz="1600" dirty="0" smtClean="0">
+                <a:latin typeface="Consolas" panose="020B0609020204030204" pitchFamily="49" charset="0"/>
+              </a:rPr>
+              <a:t>col</a:t>
+            </a:r>
+            <a:r>
+              <a:rPr lang="en-US" sz="1600" dirty="0" smtClean="0"/>
+              <a:t> (index of char in </a:t>
+            </a:r>
+            <a:r>
+              <a:rPr lang="en-US" sz="1600" dirty="0" err="1" smtClean="0">
+                <a:latin typeface="Consolas" panose="020B0609020204030204" pitchFamily="49" charset="0"/>
+              </a:rPr>
+              <a:t>board_art</a:t>
+            </a:r>
+            <a:r>
+              <a:rPr lang="en-US" sz="1600" dirty="0" smtClean="0">
+                <a:latin typeface="Consolas" panose="020B0609020204030204" pitchFamily="49" charset="0"/>
+              </a:rPr>
+              <a:t>[row]</a:t>
+            </a:r>
+            <a:r>
+              <a:rPr lang="en-US" sz="1600" dirty="0" smtClean="0"/>
+              <a:t>), replace a substring in </a:t>
+            </a:r>
+            <a:r>
+              <a:rPr lang="en-US" sz="1600" dirty="0" err="1" smtClean="0">
+                <a:latin typeface="Consolas" panose="020B0609020204030204" pitchFamily="49" charset="0"/>
+              </a:rPr>
+              <a:t>board_art</a:t>
+            </a:r>
+            <a:r>
+              <a:rPr lang="en-US" sz="1600" dirty="0" smtClean="0"/>
+              <a:t> with a character’s initial</a:t>
+            </a:r>
+          </a:p>
+          <a:p>
+            <a:r>
+              <a:rPr lang="en-US" sz="1400" dirty="0">
+                <a:latin typeface="Consolas" panose="020B0609020204030204" pitchFamily="49" charset="0"/>
+              </a:rPr>
+              <a:t>private static void </a:t>
+            </a:r>
+            <a:r>
+              <a:rPr lang="en-US" sz="1400" dirty="0" err="1" smtClean="0">
+                <a:latin typeface="Consolas" panose="020B0609020204030204" pitchFamily="49" charset="0"/>
+              </a:rPr>
+              <a:t>place_house</a:t>
+            </a:r>
+            <a:r>
+              <a:rPr lang="en-US" sz="1400" dirty="0" smtClean="0">
+                <a:latin typeface="Consolas" panose="020B0609020204030204" pitchFamily="49" charset="0"/>
+              </a:rPr>
+              <a:t>(Property </a:t>
+            </a:r>
+            <a:r>
+              <a:rPr lang="en-US" sz="1400" dirty="0" err="1" smtClean="0">
+                <a:latin typeface="Consolas" panose="020B0609020204030204" pitchFamily="49" charset="0"/>
+              </a:rPr>
+              <a:t>property</a:t>
+            </a:r>
+            <a:r>
+              <a:rPr lang="en-US" sz="1400" dirty="0" smtClean="0">
+                <a:latin typeface="Consolas" panose="020B0609020204030204" pitchFamily="49" charset="0"/>
+              </a:rPr>
+              <a:t>, ref string[] </a:t>
+            </a:r>
+            <a:r>
+              <a:rPr lang="en-US" sz="1400" dirty="0" err="1" smtClean="0">
+                <a:latin typeface="Consolas" panose="020B0609020204030204" pitchFamily="49" charset="0"/>
+              </a:rPr>
+              <a:t>board_art</a:t>
+            </a:r>
+            <a:r>
+              <a:rPr lang="en-US" sz="1400" dirty="0" smtClean="0">
+                <a:latin typeface="Consolas" panose="020B0609020204030204" pitchFamily="49" charset="0"/>
+              </a:rPr>
+              <a:t>, </a:t>
+            </a:r>
+            <a:r>
+              <a:rPr lang="en-US" sz="1400" dirty="0" err="1" smtClean="0">
+                <a:latin typeface="Consolas" panose="020B0609020204030204" pitchFamily="49" charset="0"/>
+              </a:rPr>
+              <a:t>int</a:t>
+            </a:r>
+            <a:r>
+              <a:rPr lang="en-US" sz="1400" dirty="0" smtClean="0">
+                <a:latin typeface="Consolas" panose="020B0609020204030204" pitchFamily="49" charset="0"/>
+              </a:rPr>
+              <a:t> row, </a:t>
+            </a:r>
+            <a:r>
+              <a:rPr lang="en-US" sz="1400" dirty="0" err="1" smtClean="0">
+                <a:latin typeface="Consolas" panose="020B0609020204030204" pitchFamily="49" charset="0"/>
+              </a:rPr>
+              <a:t>int</a:t>
+            </a:r>
+            <a:r>
+              <a:rPr lang="en-US" sz="1400" dirty="0" smtClean="0">
+                <a:latin typeface="Consolas" panose="020B0609020204030204" pitchFamily="49" charset="0"/>
+              </a:rPr>
+              <a:t> col)</a:t>
+            </a:r>
+          </a:p>
+          <a:p>
+            <a:pPr lvl="1"/>
+            <a:r>
+              <a:rPr lang="en-US" sz="1600" dirty="0"/>
+              <a:t>Given </a:t>
+            </a:r>
+            <a:r>
+              <a:rPr lang="en-US" sz="1600" dirty="0">
+                <a:latin typeface="Consolas" panose="020B0609020204030204" pitchFamily="49" charset="0"/>
+              </a:rPr>
+              <a:t>row</a:t>
+            </a:r>
+            <a:r>
+              <a:rPr lang="en-US" sz="1600" dirty="0"/>
+              <a:t> (index of string in </a:t>
+            </a:r>
+            <a:r>
+              <a:rPr lang="en-US" sz="1600" dirty="0" err="1">
+                <a:latin typeface="Consolas" panose="020B0609020204030204" pitchFamily="49" charset="0"/>
+              </a:rPr>
+              <a:t>board_art</a:t>
+            </a:r>
+            <a:r>
+              <a:rPr lang="en-US" sz="1600" dirty="0"/>
+              <a:t>) and </a:t>
+            </a:r>
+            <a:r>
+              <a:rPr lang="en-US" sz="1600" dirty="0">
+                <a:latin typeface="Consolas" panose="020B0609020204030204" pitchFamily="49" charset="0"/>
+              </a:rPr>
+              <a:t>col</a:t>
+            </a:r>
+            <a:r>
+              <a:rPr lang="en-US" sz="1600" dirty="0"/>
+              <a:t> (index of char in </a:t>
+            </a:r>
+            <a:r>
+              <a:rPr lang="en-US" sz="1600" dirty="0" err="1">
+                <a:latin typeface="Consolas" panose="020B0609020204030204" pitchFamily="49" charset="0"/>
+              </a:rPr>
+              <a:t>board_art</a:t>
+            </a:r>
+            <a:r>
+              <a:rPr lang="en-US" sz="1600" dirty="0">
+                <a:latin typeface="Consolas" panose="020B0609020204030204" pitchFamily="49" charset="0"/>
+              </a:rPr>
+              <a:t>[row]</a:t>
+            </a:r>
+            <a:r>
+              <a:rPr lang="en-US" sz="1600" dirty="0"/>
+              <a:t>), replace a substring in </a:t>
+            </a:r>
+            <a:r>
+              <a:rPr lang="en-US" sz="1600" dirty="0" err="1">
+                <a:latin typeface="Consolas" panose="020B0609020204030204" pitchFamily="49" charset="0"/>
+              </a:rPr>
+              <a:t>board_art</a:t>
+            </a:r>
+            <a:r>
+              <a:rPr lang="en-US" sz="1600" dirty="0"/>
+              <a:t> with a character’s initial</a:t>
+            </a:r>
+          </a:p>
+          <a:p>
+            <a:endParaRPr lang="en-US" sz="1400" dirty="0">
+              <a:latin typeface="Consolas" panose="020B0609020204030204" pitchFamily="49" charset="0"/>
+            </a:endParaRPr>
+          </a:p>
+        </p:txBody>
+      </p:sp>
+    </p:spTree>
+    <p:extLst>
+      <p:ext uri="{BB962C8B-B14F-4D97-AF65-F5344CB8AC3E}">
+        <p14:creationId xmlns:p14="http://schemas.microsoft.com/office/powerpoint/2010/main" val="619089857"/>
+      </p:ext>
+    </p:extLst>
+  </p:cSld>
+  <p:clrMapOvr>
+    <a:masterClrMapping/>
+  </p:clrMapOvr>
+  <p:timing>
+    <p:tnLst>
+      <p:par>
+        <p:cTn id="1" dur="indefinite" restart="never" nodeType="tmRoot"/>
+      </p:par>
+    </p:tnLst>
+  </p:timing>
+</p:sld>
+</file>
+
+<file path=ppt/slides/slide14.xml><?xml version="1.0" encoding="utf-8"?>
+<p:sld xmlns:a="http://schemas.openxmlformats.org/drawingml/2006/main" xmlns:r="http://schemas.openxmlformats.org/officeDocument/2006/relationships" xmlns:p="http://schemas.openxmlformats.org/presentationml/2006/main">
+  <p:cSld>
+    <p:spTree>
+      <p:nvGrpSpPr>
+        <p:cNvPr id="1" name=""/>
+        <p:cNvGrpSpPr/>
+        <p:nvPr/>
+      </p:nvGrpSpPr>
+      <p:grpSpPr>
+        <a:xfrm>
+          <a:off x="0" y="0"/>
+          <a:ext cx="0" cy="0"/>
+          <a:chOff x="0" y="0"/>
+          <a:chExt cx="0" cy="0"/>
+        </a:xfrm>
+      </p:grpSpPr>
+      <p:sp>
+        <p:nvSpPr>
+          <p:cNvPr id="2" name="Title 1"/>
+          <p:cNvSpPr>
+            <a:spLocks noGrp="1"/>
+          </p:cNvSpPr>
+          <p:nvPr>
+            <p:ph type="title"/>
+          </p:nvPr>
+        </p:nvSpPr>
+        <p:spPr/>
+        <p:txBody>
+          <a:bodyPr/>
+          <a:lstStyle/>
+          <a:p>
+            <a:r>
+              <a:rPr lang="en-US" dirty="0" err="1" smtClean="0">
+                <a:latin typeface="Consolas" panose="020B0609020204030204" pitchFamily="49" charset="0"/>
+              </a:rPr>
+              <a:t>Graphics.cs</a:t>
+            </a:r>
+            <a:endParaRPr lang="en-US" dirty="0">
+              <a:latin typeface="Consolas" panose="020B0609020204030204" pitchFamily="49" charset="0"/>
+            </a:endParaRPr>
+          </a:p>
+        </p:txBody>
+      </p:sp>
+      <p:pic>
+        <p:nvPicPr>
+          <p:cNvPr id="4" name="Picture 3"/>
+          <p:cNvPicPr>
+            <a:picLocks noChangeAspect="1"/>
+          </p:cNvPicPr>
+          <p:nvPr/>
+        </p:nvPicPr>
+        <p:blipFill>
+          <a:blip r:embed="rId2"/>
+          <a:stretch>
+            <a:fillRect/>
+          </a:stretch>
+        </p:blipFill>
+        <p:spPr>
+          <a:xfrm>
+            <a:off x="370796" y="1387926"/>
+            <a:ext cx="5064860" cy="4375940"/>
+          </a:xfrm>
+          <a:prstGeom prst="rect">
+            <a:avLst/>
+          </a:prstGeom>
+        </p:spPr>
+      </p:pic>
+      <p:cxnSp>
+        <p:nvCxnSpPr>
+          <p:cNvPr id="6" name="Straight Arrow Connector 5"/>
+          <p:cNvCxnSpPr/>
+          <p:nvPr/>
+        </p:nvCxnSpPr>
+        <p:spPr>
+          <a:xfrm>
+            <a:off x="5560261" y="3575896"/>
+            <a:ext cx="837282" cy="0"/>
+          </a:xfrm>
+          <a:prstGeom prst="straightConnector1">
+            <a:avLst/>
+          </a:prstGeom>
+          <a:ln w="38100">
+            <a:solidFill>
+              <a:schemeClr val="tx1"/>
+            </a:solidFill>
+            <a:tailEnd type="triangle"/>
+          </a:ln>
+        </p:spPr>
+        <p:style>
+          <a:lnRef idx="1">
+            <a:schemeClr val="accent1"/>
+          </a:lnRef>
+          <a:fillRef idx="0">
+            <a:schemeClr val="accent1"/>
+          </a:fillRef>
+          <a:effectRef idx="0">
+            <a:schemeClr val="accent1"/>
+          </a:effectRef>
+          <a:fontRef idx="minor">
+            <a:schemeClr val="tx1"/>
+          </a:fontRef>
+        </p:style>
+      </p:cxnSp>
+      <p:pic>
+        <p:nvPicPr>
+          <p:cNvPr id="7" name="Picture 6"/>
+          <p:cNvPicPr>
+            <a:picLocks noChangeAspect="1"/>
+          </p:cNvPicPr>
+          <p:nvPr/>
+        </p:nvPicPr>
+        <p:blipFill>
+          <a:blip r:embed="rId3"/>
+          <a:stretch>
+            <a:fillRect/>
+          </a:stretch>
+        </p:blipFill>
+        <p:spPr>
+          <a:xfrm>
+            <a:off x="6563785" y="1387926"/>
+            <a:ext cx="5351870" cy="4375940"/>
+          </a:xfrm>
+          <a:prstGeom prst="rect">
+            <a:avLst/>
+          </a:prstGeom>
+        </p:spPr>
+      </p:pic>
+    </p:spTree>
+    <p:extLst>
+      <p:ext uri="{BB962C8B-B14F-4D97-AF65-F5344CB8AC3E}">
+        <p14:creationId xmlns:p14="http://schemas.microsoft.com/office/powerpoint/2010/main" val="1797364765"/>
+      </p:ext>
+    </p:extLst>
+  </p:cSld>
+  <p:clrMapOvr>
+    <a:masterClrMapping/>
+  </p:clrMapOvr>
+  <p:timing>
+    <p:tnLst>
+      <p:par>
+        <p:cTn id="1" dur="indefinite" restart="never" nodeType="tmRoot"/>
+      </p:par>
+    </p:tnLst>
+  </p:timing>
+</p:sld>
+</file>
+
 <file path=ppt/slides/slide2.xml><?xml version="1.0" encoding="utf-8"?>
 <p:sld xmlns:a="http://schemas.openxmlformats.org/drawingml/2006/main" xmlns:r="http://schemas.openxmlformats.org/officeDocument/2006/relationships" xmlns:p="http://schemas.openxmlformats.org/presentationml/2006/main">
   <p:cSld>
@@ -3185,34 +5147,6 @@
           <a:chExt cx="0" cy="0"/>
         </a:xfrm>
       </p:grpSpPr>
-      <p:sp>
-        <p:nvSpPr>
-          <p:cNvPr id="2" name="Title 1"/>
-          <p:cNvSpPr>
-            <a:spLocks noGrp="1"/>
-          </p:cNvSpPr>
-          <p:nvPr>
-            <p:ph type="title"/>
-          </p:nvPr>
-        </p:nvSpPr>
-        <p:spPr>
-          <a:xfrm>
-            <a:off x="281095" y="101288"/>
-            <a:ext cx="10515600" cy="1325563"/>
-          </a:xfrm>
-        </p:spPr>
-        <p:txBody>
-          <a:bodyPr/>
-          <a:lstStyle/>
-          <a:p>
-            <a:r>
-              <a:rPr lang="en-US" dirty="0" smtClean="0"/>
-              <a:t>Design Overview</a:t>
-            </a:r>
-            <a:endParaRPr lang="en-US" dirty="0"/>
-          </a:p>
-        </p:txBody>
-      </p:sp>
       <p:sp>
         <p:nvSpPr>
           <p:cNvPr id="5" name="TextBox 4"/>
@@ -4695,6 +6629,29 @@
           </a:fontRef>
         </p:style>
       </p:cxnSp>
+      <p:sp>
+        <p:nvSpPr>
+          <p:cNvPr id="4" name="Title 3"/>
+          <p:cNvSpPr>
+            <a:spLocks noGrp="1"/>
+          </p:cNvSpPr>
+          <p:nvPr>
+            <p:ph type="title"/>
+          </p:nvPr>
+        </p:nvSpPr>
+        <p:spPr/>
+        <p:txBody>
+          <a:bodyPr/>
+          <a:lstStyle/>
+          <a:p>
+            <a:r>
+              <a:rPr lang="en-US" dirty="0" smtClean="0"/>
+              <a:t>Design Overview</a:t>
+            </a:r>
+            <a:endParaRPr lang="en-US" dirty="0"/>
+          </a:p>
+        </p:txBody>
+      </p:sp>
     </p:spTree>
     <p:extLst>
       <p:ext uri="{BB962C8B-B14F-4D97-AF65-F5344CB8AC3E}">
@@ -4771,8 +6728,8 @@
         </p:nvSpPr>
         <p:spPr>
           <a:xfrm>
-            <a:off x="838201" y="1825625"/>
-            <a:ext cx="4857520" cy="4351338"/>
+            <a:off x="838201" y="991518"/>
+            <a:ext cx="4857520" cy="5185445"/>
           </a:xfrm>
         </p:spPr>
         <p:txBody>
@@ -4797,230 +6754,234 @@
               <a:buNone/>
             </a:pPr>
             <a:r>
-              <a:rPr lang="en-US" sz="1900" i="1" dirty="0" smtClean="0"/>
+              <a:rPr lang="en-US" sz="1900" i="1" dirty="0" smtClean="0">
+                <a:solidFill>
+                  <a:srgbClr val="92D050"/>
+                </a:solidFill>
+              </a:rPr>
               <a:t>Attributes</a:t>
             </a:r>
           </a:p>
           <a:p>
             <a:r>
-              <a:rPr lang="en-US" sz="1300" dirty="0" smtClean="0">
-                <a:latin typeface="Consolas" panose="020B0609020204030204" pitchFamily="49" charset="0"/>
-              </a:rPr>
-              <a:t>private string name</a:t>
-            </a:r>
-          </a:p>
-          <a:p>
-            <a:r>
-              <a:rPr lang="en-US" sz="1300" dirty="0" smtClean="0">
-                <a:latin typeface="Consolas" panose="020B0609020204030204" pitchFamily="49" charset="0"/>
-              </a:rPr>
-              <a:t>private string </a:t>
-            </a:r>
-            <a:r>
-              <a:rPr lang="en-US" sz="1300" dirty="0" err="1" smtClean="0">
+              <a:rPr lang="en-US" sz="1700" dirty="0" smtClean="0">
+                <a:latin typeface="Consolas" panose="020B0609020204030204" pitchFamily="49" charset="0"/>
+              </a:rPr>
+              <a:t>string </a:t>
+            </a:r>
+            <a:r>
+              <a:rPr lang="en-US" sz="1700" dirty="0" smtClean="0">
+                <a:latin typeface="Consolas" panose="020B0609020204030204" pitchFamily="49" charset="0"/>
+              </a:rPr>
+              <a:t>name</a:t>
+            </a:r>
+          </a:p>
+          <a:p>
+            <a:r>
+              <a:rPr lang="en-US" sz="1700" dirty="0" smtClean="0">
+                <a:latin typeface="Consolas" panose="020B0609020204030204" pitchFamily="49" charset="0"/>
+              </a:rPr>
+              <a:t>string </a:t>
+            </a:r>
+            <a:r>
+              <a:rPr lang="en-US" sz="1700" dirty="0" err="1" smtClean="0">
                 <a:latin typeface="Consolas" panose="020B0609020204030204" pitchFamily="49" charset="0"/>
               </a:rPr>
               <a:t>space_type</a:t>
             </a:r>
-            <a:endParaRPr lang="en-US" sz="1300" dirty="0" smtClean="0">
+            <a:endParaRPr lang="en-US" sz="1700" dirty="0" smtClean="0">
               <a:latin typeface="Consolas" panose="020B0609020204030204" pitchFamily="49" charset="0"/>
             </a:endParaRPr>
           </a:p>
           <a:p>
             <a:r>
-              <a:rPr lang="en-US" sz="1300" dirty="0" smtClean="0">
-                <a:latin typeface="Consolas" panose="020B0609020204030204" pitchFamily="49" charset="0"/>
-              </a:rPr>
-              <a:t>private string color</a:t>
-            </a:r>
-          </a:p>
-          <a:p>
-            <a:r>
-              <a:rPr lang="en-US" sz="1300" dirty="0" smtClean="0">
-                <a:latin typeface="Consolas" panose="020B0609020204030204" pitchFamily="49" charset="0"/>
-              </a:rPr>
-              <a:t>private </a:t>
-            </a:r>
-            <a:r>
-              <a:rPr lang="en-US" sz="1300" dirty="0" err="1" smtClean="0">
+              <a:rPr lang="en-US" sz="1700" dirty="0" smtClean="0">
+                <a:latin typeface="Consolas" panose="020B0609020204030204" pitchFamily="49" charset="0"/>
+              </a:rPr>
+              <a:t>string </a:t>
+            </a:r>
+            <a:r>
+              <a:rPr lang="en-US" sz="1700" dirty="0" smtClean="0">
+                <a:latin typeface="Consolas" panose="020B0609020204030204" pitchFamily="49" charset="0"/>
+              </a:rPr>
+              <a:t>color</a:t>
+            </a:r>
+          </a:p>
+          <a:p>
+            <a:r>
+              <a:rPr lang="en-US" sz="1700" dirty="0" err="1" smtClean="0">
                 <a:latin typeface="Consolas" panose="020B0609020204030204" pitchFamily="49" charset="0"/>
               </a:rPr>
               <a:t>int</a:t>
             </a:r>
             <a:r>
-              <a:rPr lang="en-US" sz="1300" dirty="0" smtClean="0">
-                <a:latin typeface="Consolas" panose="020B0609020204030204" pitchFamily="49" charset="0"/>
-              </a:rPr>
-              <a:t> position</a:t>
-            </a:r>
-          </a:p>
-          <a:p>
-            <a:r>
-              <a:rPr lang="en-US" sz="1300" dirty="0" smtClean="0">
-                <a:latin typeface="Consolas" panose="020B0609020204030204" pitchFamily="49" charset="0"/>
-              </a:rPr>
-              <a:t>private </a:t>
-            </a:r>
-            <a:r>
-              <a:rPr lang="en-US" sz="1300" dirty="0" err="1" smtClean="0">
+              <a:rPr lang="en-US" sz="1700" dirty="0" smtClean="0">
+                <a:latin typeface="Consolas" panose="020B0609020204030204" pitchFamily="49" charset="0"/>
+              </a:rPr>
+              <a:t> </a:t>
+            </a:r>
+            <a:r>
+              <a:rPr lang="en-US" sz="1700" dirty="0" smtClean="0">
+                <a:latin typeface="Consolas" panose="020B0609020204030204" pitchFamily="49" charset="0"/>
+              </a:rPr>
+              <a:t>position</a:t>
+            </a:r>
+          </a:p>
+          <a:p>
+            <a:r>
+              <a:rPr lang="en-US" sz="1700" dirty="0" err="1" smtClean="0">
                 <a:latin typeface="Consolas" panose="020B0609020204030204" pitchFamily="49" charset="0"/>
               </a:rPr>
               <a:t>int</a:t>
             </a:r>
             <a:r>
-              <a:rPr lang="en-US" sz="1300" dirty="0" smtClean="0">
-                <a:latin typeface="Consolas" panose="020B0609020204030204" pitchFamily="49" charset="0"/>
-              </a:rPr>
-              <a:t> price</a:t>
-            </a:r>
-          </a:p>
-          <a:p>
-            <a:r>
-              <a:rPr lang="en-US" sz="1300" dirty="0" smtClean="0">
-                <a:latin typeface="Consolas" panose="020B0609020204030204" pitchFamily="49" charset="0"/>
-              </a:rPr>
-              <a:t>private </a:t>
-            </a:r>
-            <a:r>
-              <a:rPr lang="en-US" sz="1300" dirty="0" err="1" smtClean="0">
+              <a:rPr lang="en-US" sz="1700" dirty="0" smtClean="0">
+                <a:latin typeface="Consolas" panose="020B0609020204030204" pitchFamily="49" charset="0"/>
+              </a:rPr>
+              <a:t> </a:t>
+            </a:r>
+            <a:r>
+              <a:rPr lang="en-US" sz="1700" dirty="0" smtClean="0">
+                <a:latin typeface="Consolas" panose="020B0609020204030204" pitchFamily="49" charset="0"/>
+              </a:rPr>
+              <a:t>price</a:t>
+            </a:r>
+          </a:p>
+          <a:p>
+            <a:r>
+              <a:rPr lang="en-US" sz="1700" dirty="0" err="1" smtClean="0">
                 <a:latin typeface="Consolas" panose="020B0609020204030204" pitchFamily="49" charset="0"/>
               </a:rPr>
               <a:t>int</a:t>
             </a:r>
             <a:r>
-              <a:rPr lang="en-US" sz="1300" dirty="0" smtClean="0">
+              <a:rPr lang="en-US" sz="1700" dirty="0" smtClean="0">
                 <a:latin typeface="Consolas" panose="020B0609020204030204" pitchFamily="49" charset="0"/>
               </a:rPr>
               <a:t> </a:t>
             </a:r>
             <a:r>
-              <a:rPr lang="en-US" sz="1300" dirty="0" err="1" smtClean="0">
+              <a:rPr lang="en-US" sz="1700" dirty="0" err="1" smtClean="0">
                 <a:latin typeface="Consolas" panose="020B0609020204030204" pitchFamily="49" charset="0"/>
               </a:rPr>
               <a:t>mortgage_price</a:t>
             </a:r>
-            <a:endParaRPr lang="en-US" sz="1300" dirty="0" smtClean="0">
+            <a:endParaRPr lang="en-US" sz="1700" dirty="0" smtClean="0">
               <a:latin typeface="Consolas" panose="020B0609020204030204" pitchFamily="49" charset="0"/>
             </a:endParaRPr>
           </a:p>
           <a:p>
             <a:r>
-              <a:rPr lang="en-US" sz="1300" dirty="0" smtClean="0">
-                <a:latin typeface="Consolas" panose="020B0609020204030204" pitchFamily="49" charset="0"/>
-              </a:rPr>
-              <a:t>private </a:t>
-            </a:r>
-            <a:r>
-              <a:rPr lang="en-US" sz="1300" dirty="0" err="1" smtClean="0">
+              <a:rPr lang="en-US" sz="1700" dirty="0" err="1" smtClean="0">
                 <a:latin typeface="Consolas" panose="020B0609020204030204" pitchFamily="49" charset="0"/>
               </a:rPr>
               <a:t>int</a:t>
             </a:r>
             <a:r>
-              <a:rPr lang="en-US" sz="1300" dirty="0" smtClean="0">
+              <a:rPr lang="en-US" sz="1700" dirty="0" smtClean="0">
                 <a:latin typeface="Consolas" panose="020B0609020204030204" pitchFamily="49" charset="0"/>
               </a:rPr>
               <a:t> </a:t>
             </a:r>
             <a:r>
-              <a:rPr lang="en-US" sz="1300" dirty="0" err="1" smtClean="0">
+              <a:rPr lang="en-US" sz="1700" dirty="0" err="1" smtClean="0">
                 <a:latin typeface="Consolas" panose="020B0609020204030204" pitchFamily="49" charset="0"/>
               </a:rPr>
               <a:t>price_build</a:t>
             </a:r>
-            <a:endParaRPr lang="en-US" sz="1300" dirty="0" smtClean="0">
+            <a:endParaRPr lang="en-US" sz="1700" dirty="0" smtClean="0">
               <a:latin typeface="Consolas" panose="020B0609020204030204" pitchFamily="49" charset="0"/>
             </a:endParaRPr>
           </a:p>
           <a:p>
             <a:r>
-              <a:rPr lang="en-US" sz="1300" dirty="0" smtClean="0">
-                <a:latin typeface="Consolas" panose="020B0609020204030204" pitchFamily="49" charset="0"/>
-              </a:rPr>
-              <a:t>private </a:t>
-            </a:r>
-            <a:r>
-              <a:rPr lang="en-US" sz="1300" dirty="0" err="1" smtClean="0">
+              <a:rPr lang="en-US" sz="1700" dirty="0" err="1" smtClean="0">
                 <a:latin typeface="Consolas" panose="020B0609020204030204" pitchFamily="49" charset="0"/>
               </a:rPr>
               <a:t>int</a:t>
             </a:r>
             <a:r>
-              <a:rPr lang="en-US" sz="1300" dirty="0" smtClean="0">
-                <a:latin typeface="Consolas" panose="020B0609020204030204" pitchFamily="49" charset="0"/>
-              </a:rPr>
-              <a:t>[6] rent</a:t>
-            </a:r>
-          </a:p>
-          <a:p>
-            <a:r>
-              <a:rPr lang="en-US" sz="1300" dirty="0" smtClean="0">
-                <a:latin typeface="Consolas" panose="020B0609020204030204" pitchFamily="49" charset="0"/>
-              </a:rPr>
-              <a:t>private </a:t>
-            </a:r>
-            <a:r>
-              <a:rPr lang="en-US" sz="1300" dirty="0" err="1" smtClean="0">
+              <a:rPr lang="en-US" sz="1700" dirty="0" smtClean="0">
+                <a:latin typeface="Consolas" panose="020B0609020204030204" pitchFamily="49" charset="0"/>
+              </a:rPr>
+              <a:t>[6</a:t>
+            </a:r>
+            <a:r>
+              <a:rPr lang="en-US" sz="1700" dirty="0" smtClean="0">
+                <a:latin typeface="Consolas" panose="020B0609020204030204" pitchFamily="49" charset="0"/>
+              </a:rPr>
+              <a:t>] rent</a:t>
+            </a:r>
+          </a:p>
+          <a:p>
+            <a:r>
+              <a:rPr lang="en-US" sz="1700" dirty="0" err="1" smtClean="0">
                 <a:latin typeface="Consolas" panose="020B0609020204030204" pitchFamily="49" charset="0"/>
               </a:rPr>
               <a:t>int</a:t>
             </a:r>
             <a:r>
-              <a:rPr lang="en-US" sz="1300" dirty="0" smtClean="0">
+              <a:rPr lang="en-US" sz="1700" dirty="0" smtClean="0">
                 <a:latin typeface="Consolas" panose="020B0609020204030204" pitchFamily="49" charset="0"/>
               </a:rPr>
               <a:t> </a:t>
             </a:r>
             <a:r>
-              <a:rPr lang="en-US" sz="1300" dirty="0" err="1" smtClean="0">
+              <a:rPr lang="en-US" sz="1700" dirty="0" err="1" smtClean="0">
                 <a:latin typeface="Consolas" panose="020B0609020204030204" pitchFamily="49" charset="0"/>
               </a:rPr>
               <a:t>num_houses</a:t>
             </a:r>
-            <a:endParaRPr lang="en-US" sz="1300" dirty="0">
+            <a:endParaRPr lang="en-US" sz="1700" dirty="0">
               <a:latin typeface="Consolas" panose="020B0609020204030204" pitchFamily="49" charset="0"/>
             </a:endParaRPr>
           </a:p>
           <a:p>
             <a:r>
-              <a:rPr lang="en-US" sz="1300" dirty="0" smtClean="0">
-                <a:latin typeface="Consolas" panose="020B0609020204030204" pitchFamily="49" charset="0"/>
-              </a:rPr>
-              <a:t>private bool </a:t>
-            </a:r>
-            <a:r>
-              <a:rPr lang="en-US" sz="1300" dirty="0" err="1" smtClean="0">
+              <a:rPr lang="en-US" sz="1700" dirty="0" smtClean="0">
+                <a:latin typeface="Consolas" panose="020B0609020204030204" pitchFamily="49" charset="0"/>
+              </a:rPr>
+              <a:t>bool </a:t>
+            </a:r>
+            <a:r>
+              <a:rPr lang="en-US" sz="1700" dirty="0" err="1" smtClean="0">
                 <a:latin typeface="Consolas" panose="020B0609020204030204" pitchFamily="49" charset="0"/>
               </a:rPr>
               <a:t>is_owned</a:t>
             </a:r>
-            <a:endParaRPr lang="en-US" sz="1300" dirty="0" smtClean="0">
+            <a:endParaRPr lang="en-US" sz="1700" dirty="0" smtClean="0">
               <a:latin typeface="Consolas" panose="020B0609020204030204" pitchFamily="49" charset="0"/>
             </a:endParaRPr>
           </a:p>
           <a:p>
             <a:r>
-              <a:rPr lang="en-US" sz="1300" dirty="0" smtClean="0">
-                <a:latin typeface="Consolas" panose="020B0609020204030204" pitchFamily="49" charset="0"/>
-              </a:rPr>
-              <a:t>private bool </a:t>
-            </a:r>
-            <a:r>
-              <a:rPr lang="en-US" sz="1300" dirty="0" err="1" smtClean="0">
+              <a:rPr lang="en-US" sz="1700" dirty="0" smtClean="0">
+                <a:latin typeface="Consolas" panose="020B0609020204030204" pitchFamily="49" charset="0"/>
+              </a:rPr>
+              <a:t>bool </a:t>
+            </a:r>
+            <a:r>
+              <a:rPr lang="en-US" sz="1700" dirty="0" err="1" smtClean="0">
                 <a:latin typeface="Consolas" panose="020B0609020204030204" pitchFamily="49" charset="0"/>
               </a:rPr>
               <a:t>is_mortgaged</a:t>
             </a:r>
-            <a:endParaRPr lang="en-US" sz="1300" dirty="0" smtClean="0">
+            <a:endParaRPr lang="en-US" sz="1700" dirty="0" smtClean="0">
               <a:latin typeface="Consolas" panose="020B0609020204030204" pitchFamily="49" charset="0"/>
             </a:endParaRPr>
           </a:p>
           <a:p>
             <a:r>
-              <a:rPr lang="en-US" sz="1300" dirty="0" smtClean="0">
-                <a:latin typeface="Consolas" panose="020B0609020204030204" pitchFamily="49" charset="0"/>
-              </a:rPr>
-              <a:t>private Player owner</a:t>
+              <a:rPr lang="en-US" sz="1700" dirty="0" smtClean="0">
+                <a:latin typeface="Consolas" panose="020B0609020204030204" pitchFamily="49" charset="0"/>
+              </a:rPr>
+              <a:t>Player </a:t>
+            </a:r>
+            <a:r>
+              <a:rPr lang="en-US" sz="1700" dirty="0" smtClean="0">
+                <a:latin typeface="Consolas" panose="020B0609020204030204" pitchFamily="49" charset="0"/>
+              </a:rPr>
+              <a:t>owner</a:t>
             </a:r>
           </a:p>
         </p:txBody>
@@ -5035,8 +6996,8 @@
         </p:nvSpPr>
         <p:spPr>
           <a:xfrm>
-            <a:off x="6496280" y="1825625"/>
-            <a:ext cx="4857520" cy="4351338"/>
+            <a:off x="5199503" y="365125"/>
+            <a:ext cx="6026226" cy="6200928"/>
           </a:xfrm>
           <a:prstGeom prst="rect">
             <a:avLst/>
@@ -5227,31 +7188,685 @@
               <a:buNone/>
             </a:pPr>
             <a:r>
-              <a:rPr lang="en-US" sz="1800" i="1" dirty="0" smtClean="0"/>
+              <a:rPr lang="en-US" sz="1800" i="1" dirty="0" smtClean="0">
+                <a:solidFill>
+                  <a:srgbClr val="92D050"/>
+                </a:solidFill>
+              </a:rPr>
               <a:t>Methods</a:t>
             </a:r>
           </a:p>
           <a:p>
             <a:r>
-              <a:rPr lang="en-US" sz="1200" dirty="0" smtClean="0">
-                <a:latin typeface="Consolas" panose="020B0609020204030204" pitchFamily="49" charset="0"/>
-              </a:rPr>
-              <a:t>sets()</a:t>
-            </a:r>
-          </a:p>
-          <a:p>
-            <a:r>
-              <a:rPr lang="en-US" sz="1200" dirty="0" smtClean="0">
-                <a:latin typeface="Consolas" panose="020B0609020204030204" pitchFamily="49" charset="0"/>
-              </a:rPr>
-              <a:t>gets()</a:t>
+              <a:rPr lang="en-US" sz="1600" dirty="0" smtClean="0">
+                <a:latin typeface="Consolas" panose="020B0609020204030204" pitchFamily="49" charset="0"/>
+              </a:rPr>
+              <a:t>Property(string[] </a:t>
+            </a:r>
+            <a:r>
+              <a:rPr lang="en-US" sz="1600" dirty="0" err="1" smtClean="0">
+                <a:latin typeface="Consolas" panose="020B0609020204030204" pitchFamily="49" charset="0"/>
+              </a:rPr>
+              <a:t>params</a:t>
+            </a:r>
+            <a:r>
+              <a:rPr lang="en-US" sz="1600" dirty="0" smtClean="0">
+                <a:latin typeface="Consolas" panose="020B0609020204030204" pitchFamily="49" charset="0"/>
+              </a:rPr>
+              <a:t>)</a:t>
+            </a:r>
+          </a:p>
+          <a:p>
+            <a:r>
+              <a:rPr lang="en-US" sz="1600" dirty="0" smtClean="0">
+                <a:latin typeface="Consolas" panose="020B0609020204030204" pitchFamily="49" charset="0"/>
+              </a:rPr>
+              <a:t>sets</a:t>
+            </a:r>
+            <a:r>
+              <a:rPr lang="en-US" sz="1600" dirty="0" smtClean="0">
+                <a:latin typeface="Consolas" panose="020B0609020204030204" pitchFamily="49" charset="0"/>
+              </a:rPr>
+              <a:t>()</a:t>
+            </a:r>
+          </a:p>
+          <a:p>
+            <a:r>
+              <a:rPr lang="en-US" sz="1600" dirty="0" smtClean="0">
+                <a:latin typeface="Consolas" panose="020B0609020204030204" pitchFamily="49" charset="0"/>
+              </a:rPr>
+              <a:t>gets</a:t>
+            </a:r>
+            <a:r>
+              <a:rPr lang="en-US" sz="1600" dirty="0" smtClean="0">
+                <a:latin typeface="Consolas" panose="020B0609020204030204" pitchFamily="49" charset="0"/>
+              </a:rPr>
+              <a:t>()</a:t>
+            </a:r>
+          </a:p>
+          <a:p>
+            <a:r>
+              <a:rPr lang="en-US" sz="1600" dirty="0" smtClean="0">
+                <a:latin typeface="Consolas" panose="020B0609020204030204" pitchFamily="49" charset="0"/>
+              </a:rPr>
+              <a:t>void buy(Player p)</a:t>
+            </a:r>
+          </a:p>
+          <a:p>
+            <a:r>
+              <a:rPr lang="en-US" sz="1600" dirty="0">
+                <a:latin typeface="Consolas" panose="020B0609020204030204" pitchFamily="49" charset="0"/>
+              </a:rPr>
+              <a:t>bool owned()</a:t>
+            </a:r>
+          </a:p>
+          <a:p>
+            <a:r>
+              <a:rPr lang="en-US" sz="1600" dirty="0" smtClean="0">
+                <a:latin typeface="Consolas" panose="020B0609020204030204" pitchFamily="49" charset="0"/>
+              </a:rPr>
+              <a:t>bool </a:t>
+            </a:r>
+            <a:r>
+              <a:rPr lang="en-US" sz="1600" dirty="0" err="1" smtClean="0">
+                <a:latin typeface="Consolas" panose="020B0609020204030204" pitchFamily="49" charset="0"/>
+              </a:rPr>
+              <a:t>is_buildable</a:t>
+            </a:r>
+            <a:r>
+              <a:rPr lang="en-US" sz="1600" dirty="0" smtClean="0">
+                <a:latin typeface="Consolas" panose="020B0609020204030204" pitchFamily="49" charset="0"/>
+              </a:rPr>
+              <a:t>(List&lt;Property&gt; monopolies)</a:t>
+            </a:r>
+          </a:p>
+          <a:p>
+            <a:r>
+              <a:rPr lang="en-US" sz="1600" dirty="0" smtClean="0">
+                <a:latin typeface="Consolas" panose="020B0609020204030204" pitchFamily="49" charset="0"/>
+              </a:rPr>
+              <a:t>void build()</a:t>
+            </a:r>
+          </a:p>
+          <a:p>
+            <a:r>
+              <a:rPr lang="en-US" sz="1600" dirty="0" smtClean="0">
+                <a:latin typeface="Consolas" panose="020B0609020204030204" pitchFamily="49" charset="0"/>
+              </a:rPr>
+              <a:t>void </a:t>
+            </a:r>
+            <a:r>
+              <a:rPr lang="en-US" sz="1600" dirty="0" err="1" smtClean="0">
+                <a:latin typeface="Consolas" panose="020B0609020204030204" pitchFamily="49" charset="0"/>
+              </a:rPr>
+              <a:t>sell_house</a:t>
+            </a:r>
+            <a:r>
+              <a:rPr lang="en-US" sz="1600" dirty="0" smtClean="0">
+                <a:latin typeface="Consolas" panose="020B0609020204030204" pitchFamily="49" charset="0"/>
+              </a:rPr>
+              <a:t>()</a:t>
+            </a:r>
+          </a:p>
+          <a:p>
+            <a:r>
+              <a:rPr lang="en-US" sz="1600" dirty="0" smtClean="0">
+                <a:latin typeface="Consolas" panose="020B0609020204030204" pitchFamily="49" charset="0"/>
+              </a:rPr>
+              <a:t>bool mortgaged()</a:t>
+            </a:r>
+          </a:p>
+          <a:p>
+            <a:r>
+              <a:rPr lang="en-US" sz="1600" dirty="0" err="1" smtClean="0">
+                <a:latin typeface="Consolas" panose="020B0609020204030204" pitchFamily="49" charset="0"/>
+              </a:rPr>
+              <a:t>int</a:t>
+            </a:r>
+            <a:r>
+              <a:rPr lang="en-US" sz="1600" dirty="0" smtClean="0">
+                <a:latin typeface="Consolas" panose="020B0609020204030204" pitchFamily="49" charset="0"/>
+              </a:rPr>
+              <a:t> mortgage()</a:t>
+            </a:r>
+          </a:p>
+          <a:p>
+            <a:r>
+              <a:rPr lang="en-US" sz="1600" dirty="0" smtClean="0">
+                <a:latin typeface="Consolas" panose="020B0609020204030204" pitchFamily="49" charset="0"/>
+              </a:rPr>
+              <a:t>void </a:t>
+            </a:r>
+            <a:r>
+              <a:rPr lang="en-US" sz="1600" dirty="0" err="1" smtClean="0">
+                <a:latin typeface="Consolas" panose="020B0609020204030204" pitchFamily="49" charset="0"/>
+              </a:rPr>
+              <a:t>unmortgage</a:t>
+            </a:r>
+            <a:r>
+              <a:rPr lang="en-US" sz="1600" dirty="0" smtClean="0">
+                <a:latin typeface="Consolas" panose="020B0609020204030204" pitchFamily="49" charset="0"/>
+              </a:rPr>
+              <a:t>()</a:t>
+            </a:r>
+          </a:p>
+          <a:p>
+            <a:r>
+              <a:rPr lang="en-US" sz="1600" dirty="0" smtClean="0">
+                <a:latin typeface="Consolas" panose="020B0609020204030204" pitchFamily="49" charset="0"/>
+              </a:rPr>
+              <a:t>void </a:t>
+            </a:r>
+            <a:r>
+              <a:rPr lang="en-US" sz="1600" dirty="0" err="1" smtClean="0">
+                <a:latin typeface="Consolas" panose="020B0609020204030204" pitchFamily="49" charset="0"/>
+              </a:rPr>
+              <a:t>return_to_bank</a:t>
+            </a:r>
+            <a:r>
+              <a:rPr lang="en-US" sz="1600" dirty="0" smtClean="0">
+                <a:latin typeface="Consolas" panose="020B0609020204030204" pitchFamily="49" charset="0"/>
+              </a:rPr>
+              <a:t>()</a:t>
+            </a:r>
+          </a:p>
+          <a:p>
+            <a:r>
+              <a:rPr lang="en-US" sz="1600" dirty="0" err="1" smtClean="0">
+                <a:latin typeface="Consolas" panose="020B0609020204030204" pitchFamily="49" charset="0"/>
+              </a:rPr>
+              <a:t>int</a:t>
+            </a:r>
+            <a:r>
+              <a:rPr lang="en-US" sz="1600" dirty="0" smtClean="0">
+                <a:latin typeface="Consolas" panose="020B0609020204030204" pitchFamily="49" charset="0"/>
+              </a:rPr>
+              <a:t> </a:t>
+            </a:r>
+            <a:r>
+              <a:rPr lang="en-US" sz="1600" dirty="0" err="1" smtClean="0">
+                <a:latin typeface="Consolas" panose="020B0609020204030204" pitchFamily="49" charset="0"/>
+              </a:rPr>
+              <a:t>get_rent</a:t>
+            </a:r>
+            <a:r>
+              <a:rPr lang="en-US" sz="1600" dirty="0" smtClean="0">
+                <a:latin typeface="Consolas" panose="020B0609020204030204" pitchFamily="49" charset="0"/>
+              </a:rPr>
+              <a:t>(</a:t>
+            </a:r>
+            <a:r>
+              <a:rPr lang="en-US" sz="1600" dirty="0" err="1" smtClean="0">
+                <a:latin typeface="Consolas" panose="020B0609020204030204" pitchFamily="49" charset="0"/>
+              </a:rPr>
+              <a:t>int</a:t>
+            </a:r>
+            <a:r>
+              <a:rPr lang="en-US" sz="1600" dirty="0" smtClean="0">
+                <a:latin typeface="Consolas" panose="020B0609020204030204" pitchFamily="49" charset="0"/>
+              </a:rPr>
+              <a:t> </a:t>
+            </a:r>
+            <a:r>
+              <a:rPr lang="en-US" sz="1600" dirty="0" err="1" smtClean="0">
+                <a:latin typeface="Consolas" panose="020B0609020204030204" pitchFamily="49" charset="0"/>
+              </a:rPr>
+              <a:t>dice_roll</a:t>
+            </a:r>
+            <a:r>
+              <a:rPr lang="en-US" sz="1600" dirty="0" smtClean="0">
+                <a:latin typeface="Consolas" panose="020B0609020204030204" pitchFamily="49" charset="0"/>
+              </a:rPr>
+              <a:t> = 0)</a:t>
+            </a:r>
+          </a:p>
+          <a:p>
+            <a:r>
+              <a:rPr lang="en-US" sz="1600" dirty="0">
+                <a:latin typeface="Consolas" panose="020B0609020204030204" pitchFamily="49" charset="0"/>
+              </a:rPr>
+              <a:t>string override </a:t>
+            </a:r>
+            <a:r>
+              <a:rPr lang="en-US" sz="1600" dirty="0" err="1">
+                <a:latin typeface="Consolas" panose="020B0609020204030204" pitchFamily="49" charset="0"/>
+              </a:rPr>
+              <a:t>ToString</a:t>
+            </a:r>
+            <a:r>
+              <a:rPr lang="en-US" sz="1600" dirty="0">
+                <a:latin typeface="Consolas" panose="020B0609020204030204" pitchFamily="49" charset="0"/>
+              </a:rPr>
+              <a:t>()</a:t>
             </a:r>
           </a:p>
           <a:p>
             <a:pPr marL="0" indent="0">
               <a:buNone/>
             </a:pPr>
-            <a:endParaRPr lang="en-US" sz="1800" i="1" dirty="0"/>
+            <a:endParaRPr lang="en-US" sz="1600" dirty="0" smtClean="0">
+              <a:latin typeface="Consolas" panose="020B0609020204030204" pitchFamily="49" charset="0"/>
+            </a:endParaRPr>
+          </a:p>
+        </p:txBody>
+      </p:sp>
+      <p:sp>
+        <p:nvSpPr>
+          <p:cNvPr id="6" name="Rectangle 5"/>
+          <p:cNvSpPr/>
+          <p:nvPr/>
+        </p:nvSpPr>
+        <p:spPr>
+          <a:xfrm>
+            <a:off x="5199503" y="1469628"/>
+            <a:ext cx="5346577" cy="997348"/>
+          </a:xfrm>
+          <a:prstGeom prst="rect">
+            <a:avLst/>
+          </a:prstGeom>
+          <a:noFill/>
+          <a:ln>
+            <a:solidFill>
+              <a:srgbClr val="008080"/>
+            </a:solidFill>
+          </a:ln>
+        </p:spPr>
+        <p:style>
+          <a:lnRef idx="2">
+            <a:schemeClr val="accent1">
+              <a:shade val="50000"/>
+            </a:schemeClr>
+          </a:lnRef>
+          <a:fillRef idx="1">
+            <a:schemeClr val="accent1"/>
+          </a:fillRef>
+          <a:effectRef idx="0">
+            <a:schemeClr val="accent1"/>
+          </a:effectRef>
+          <a:fontRef idx="minor">
+            <a:schemeClr val="lt1"/>
+          </a:fontRef>
+        </p:style>
+        <p:txBody>
+          <a:bodyPr rtlCol="0" anchor="ctr"/>
+          <a:lstStyle/>
+          <a:p>
+            <a:pPr algn="ctr"/>
+            <a:endParaRPr lang="en-US"/>
+          </a:p>
+        </p:txBody>
+      </p:sp>
+      <p:sp>
+        <p:nvSpPr>
+          <p:cNvPr id="7" name="TextBox 6"/>
+          <p:cNvSpPr txBox="1"/>
+          <p:nvPr/>
+        </p:nvSpPr>
+        <p:spPr>
+          <a:xfrm>
+            <a:off x="10546080" y="1829802"/>
+            <a:ext cx="1136533" cy="276999"/>
+          </a:xfrm>
+          <a:prstGeom prst="rect">
+            <a:avLst/>
+          </a:prstGeom>
+          <a:noFill/>
+        </p:spPr>
+        <p:txBody>
+          <a:bodyPr wrap="square" rtlCol="0">
+            <a:spAutoFit/>
+          </a:bodyPr>
+          <a:lstStyle/>
+          <a:p>
+            <a:r>
+              <a:rPr lang="en-US" sz="1200" dirty="0" smtClean="0">
+                <a:solidFill>
+                  <a:srgbClr val="008080"/>
+                </a:solidFill>
+              </a:rPr>
+              <a:t>Configuration</a:t>
+            </a:r>
+            <a:endParaRPr lang="en-US" sz="1200" dirty="0">
+              <a:solidFill>
+                <a:srgbClr val="008080"/>
+              </a:solidFill>
+            </a:endParaRPr>
+          </a:p>
+        </p:txBody>
+      </p:sp>
+      <p:sp>
+        <p:nvSpPr>
+          <p:cNvPr id="8" name="Rectangle 7"/>
+          <p:cNvSpPr/>
+          <p:nvPr/>
+        </p:nvSpPr>
+        <p:spPr>
+          <a:xfrm>
+            <a:off x="5199503" y="2481260"/>
+            <a:ext cx="5346577" cy="704853"/>
+          </a:xfrm>
+          <a:prstGeom prst="rect">
+            <a:avLst/>
+          </a:prstGeom>
+          <a:noFill/>
+          <a:ln>
+            <a:solidFill>
+              <a:srgbClr val="92D050"/>
+            </a:solidFill>
+          </a:ln>
+        </p:spPr>
+        <p:style>
+          <a:lnRef idx="2">
+            <a:schemeClr val="accent1">
+              <a:shade val="50000"/>
+            </a:schemeClr>
+          </a:lnRef>
+          <a:fillRef idx="1">
+            <a:schemeClr val="accent1"/>
+          </a:fillRef>
+          <a:effectRef idx="0">
+            <a:schemeClr val="accent1"/>
+          </a:effectRef>
+          <a:fontRef idx="minor">
+            <a:schemeClr val="lt1"/>
+          </a:fontRef>
+        </p:style>
+        <p:txBody>
+          <a:bodyPr rtlCol="0" anchor="ctr"/>
+          <a:lstStyle/>
+          <a:p>
+            <a:pPr algn="ctr"/>
+            <a:endParaRPr lang="en-US"/>
+          </a:p>
+        </p:txBody>
+      </p:sp>
+      <p:sp>
+        <p:nvSpPr>
+          <p:cNvPr id="9" name="Rectangle 8"/>
+          <p:cNvSpPr/>
+          <p:nvPr/>
+        </p:nvSpPr>
+        <p:spPr>
+          <a:xfrm>
+            <a:off x="5199503" y="3200397"/>
+            <a:ext cx="5346577" cy="1043943"/>
+          </a:xfrm>
+          <a:prstGeom prst="rect">
+            <a:avLst/>
+          </a:prstGeom>
+          <a:noFill/>
+          <a:ln>
+            <a:solidFill>
+              <a:srgbClr val="008080"/>
+            </a:solidFill>
+          </a:ln>
+        </p:spPr>
+        <p:style>
+          <a:lnRef idx="2">
+            <a:schemeClr val="accent1">
+              <a:shade val="50000"/>
+            </a:schemeClr>
+          </a:lnRef>
+          <a:fillRef idx="1">
+            <a:schemeClr val="accent1"/>
+          </a:fillRef>
+          <a:effectRef idx="0">
+            <a:schemeClr val="accent1"/>
+          </a:effectRef>
+          <a:fontRef idx="minor">
+            <a:schemeClr val="lt1"/>
+          </a:fontRef>
+        </p:style>
+        <p:txBody>
+          <a:bodyPr rtlCol="0" anchor="ctr"/>
+          <a:lstStyle/>
+          <a:p>
+            <a:pPr algn="ctr"/>
+            <a:endParaRPr lang="en-US"/>
+          </a:p>
+        </p:txBody>
+      </p:sp>
+      <p:sp>
+        <p:nvSpPr>
+          <p:cNvPr id="10" name="TextBox 9"/>
+          <p:cNvSpPr txBox="1"/>
+          <p:nvPr/>
+        </p:nvSpPr>
+        <p:spPr>
+          <a:xfrm>
+            <a:off x="10546080" y="2657614"/>
+            <a:ext cx="1136533" cy="276999"/>
+          </a:xfrm>
+          <a:prstGeom prst="rect">
+            <a:avLst/>
+          </a:prstGeom>
+          <a:noFill/>
+        </p:spPr>
+        <p:txBody>
+          <a:bodyPr wrap="square" rtlCol="0">
+            <a:spAutoFit/>
+          </a:bodyPr>
+          <a:lstStyle/>
+          <a:p>
+            <a:r>
+              <a:rPr lang="en-US" sz="1200" dirty="0" smtClean="0">
+                <a:solidFill>
+                  <a:srgbClr val="92D050"/>
+                </a:solidFill>
+              </a:rPr>
+              <a:t>Purchasing</a:t>
+            </a:r>
+            <a:endParaRPr lang="en-US" sz="1200" dirty="0">
+              <a:solidFill>
+                <a:srgbClr val="92D050"/>
+              </a:solidFill>
+            </a:endParaRPr>
+          </a:p>
+        </p:txBody>
+      </p:sp>
+      <p:sp>
+        <p:nvSpPr>
+          <p:cNvPr id="11" name="TextBox 10"/>
+          <p:cNvSpPr txBox="1"/>
+          <p:nvPr/>
+        </p:nvSpPr>
+        <p:spPr>
+          <a:xfrm>
+            <a:off x="10546080" y="3571478"/>
+            <a:ext cx="1136533" cy="276999"/>
+          </a:xfrm>
+          <a:prstGeom prst="rect">
+            <a:avLst/>
+          </a:prstGeom>
+          <a:noFill/>
+        </p:spPr>
+        <p:txBody>
+          <a:bodyPr wrap="square" rtlCol="0">
+            <a:spAutoFit/>
+          </a:bodyPr>
+          <a:lstStyle/>
+          <a:p>
+            <a:r>
+              <a:rPr lang="en-US" sz="1200" dirty="0" smtClean="0">
+                <a:solidFill>
+                  <a:srgbClr val="008080"/>
+                </a:solidFill>
+              </a:rPr>
+              <a:t>Houses</a:t>
+            </a:r>
+            <a:endParaRPr lang="en-US" sz="1200" dirty="0">
+              <a:solidFill>
+                <a:srgbClr val="008080"/>
+              </a:solidFill>
+            </a:endParaRPr>
+          </a:p>
+        </p:txBody>
+      </p:sp>
+      <p:sp>
+        <p:nvSpPr>
+          <p:cNvPr id="12" name="Rectangle 11"/>
+          <p:cNvSpPr/>
+          <p:nvPr/>
+        </p:nvSpPr>
+        <p:spPr>
+          <a:xfrm>
+            <a:off x="5199503" y="4259580"/>
+            <a:ext cx="5346577" cy="1005840"/>
+          </a:xfrm>
+          <a:prstGeom prst="rect">
+            <a:avLst/>
+          </a:prstGeom>
+          <a:noFill/>
+          <a:ln>
+            <a:solidFill>
+              <a:srgbClr val="92D050"/>
+            </a:solidFill>
+          </a:ln>
+        </p:spPr>
+        <p:style>
+          <a:lnRef idx="2">
+            <a:schemeClr val="accent1">
+              <a:shade val="50000"/>
+            </a:schemeClr>
+          </a:lnRef>
+          <a:fillRef idx="1">
+            <a:schemeClr val="accent1"/>
+          </a:fillRef>
+          <a:effectRef idx="0">
+            <a:schemeClr val="accent1"/>
+          </a:effectRef>
+          <a:fontRef idx="minor">
+            <a:schemeClr val="lt1"/>
+          </a:fontRef>
+        </p:style>
+        <p:txBody>
+          <a:bodyPr rtlCol="0" anchor="ctr"/>
+          <a:lstStyle/>
+          <a:p>
+            <a:pPr algn="ctr"/>
+            <a:endParaRPr lang="en-US"/>
+          </a:p>
+        </p:txBody>
+      </p:sp>
+      <p:sp>
+        <p:nvSpPr>
+          <p:cNvPr id="13" name="TextBox 12"/>
+          <p:cNvSpPr txBox="1"/>
+          <p:nvPr/>
+        </p:nvSpPr>
+        <p:spPr>
+          <a:xfrm>
+            <a:off x="10546080" y="4672191"/>
+            <a:ext cx="1136533" cy="276999"/>
+          </a:xfrm>
+          <a:prstGeom prst="rect">
+            <a:avLst/>
+          </a:prstGeom>
+          <a:noFill/>
+        </p:spPr>
+        <p:txBody>
+          <a:bodyPr wrap="square" rtlCol="0">
+            <a:spAutoFit/>
+          </a:bodyPr>
+          <a:lstStyle/>
+          <a:p>
+            <a:r>
+              <a:rPr lang="en-US" sz="1200" dirty="0" smtClean="0">
+                <a:solidFill>
+                  <a:srgbClr val="92D050"/>
+                </a:solidFill>
+              </a:rPr>
+              <a:t>Mortgaging</a:t>
+            </a:r>
+            <a:endParaRPr lang="en-US" sz="1200" dirty="0">
+              <a:solidFill>
+                <a:srgbClr val="92D050"/>
+              </a:solidFill>
+            </a:endParaRPr>
+          </a:p>
+        </p:txBody>
+      </p:sp>
+      <p:sp>
+        <p:nvSpPr>
+          <p:cNvPr id="14" name="Rectangle 13"/>
+          <p:cNvSpPr/>
+          <p:nvPr/>
+        </p:nvSpPr>
+        <p:spPr>
+          <a:xfrm>
+            <a:off x="5199502" y="5280660"/>
+            <a:ext cx="5346577" cy="1065888"/>
+          </a:xfrm>
+          <a:prstGeom prst="rect">
+            <a:avLst/>
+          </a:prstGeom>
+          <a:noFill/>
+          <a:ln>
+            <a:solidFill>
+              <a:srgbClr val="008080"/>
+            </a:solidFill>
+          </a:ln>
+        </p:spPr>
+        <p:style>
+          <a:lnRef idx="2">
+            <a:schemeClr val="accent1">
+              <a:shade val="50000"/>
+            </a:schemeClr>
+          </a:lnRef>
+          <a:fillRef idx="1">
+            <a:schemeClr val="accent1"/>
+          </a:fillRef>
+          <a:effectRef idx="0">
+            <a:schemeClr val="accent1"/>
+          </a:effectRef>
+          <a:fontRef idx="minor">
+            <a:schemeClr val="lt1"/>
+          </a:fontRef>
+        </p:style>
+        <p:txBody>
+          <a:bodyPr rtlCol="0" anchor="ctr"/>
+          <a:lstStyle/>
+          <a:p>
+            <a:pPr algn="ctr"/>
+            <a:endParaRPr lang="en-US"/>
+          </a:p>
+        </p:txBody>
+      </p:sp>
+      <p:sp>
+        <p:nvSpPr>
+          <p:cNvPr id="15" name="TextBox 14"/>
+          <p:cNvSpPr txBox="1"/>
+          <p:nvPr/>
+        </p:nvSpPr>
+        <p:spPr>
+          <a:xfrm>
+            <a:off x="10546080" y="5672422"/>
+            <a:ext cx="1136533" cy="276999"/>
+          </a:xfrm>
+          <a:prstGeom prst="rect">
+            <a:avLst/>
+          </a:prstGeom>
+          <a:noFill/>
+        </p:spPr>
+        <p:txBody>
+          <a:bodyPr wrap="square" rtlCol="0">
+            <a:spAutoFit/>
+          </a:bodyPr>
+          <a:lstStyle/>
+          <a:p>
+            <a:r>
+              <a:rPr lang="en-US" sz="1200" dirty="0" smtClean="0">
+                <a:solidFill>
+                  <a:srgbClr val="008080"/>
+                </a:solidFill>
+              </a:rPr>
+              <a:t>Helpers</a:t>
+            </a:r>
+            <a:endParaRPr lang="en-US" sz="1200" dirty="0">
+              <a:solidFill>
+                <a:srgbClr val="008080"/>
+              </a:solidFill>
+            </a:endParaRPr>
           </a:p>
         </p:txBody>
       </p:sp>
@@ -5331,8 +7946,8 @@
         </p:nvSpPr>
         <p:spPr>
           <a:xfrm>
-            <a:off x="838201" y="1825625"/>
-            <a:ext cx="4857520" cy="4839580"/>
+            <a:off x="838201" y="969483"/>
+            <a:ext cx="5298194" cy="5695721"/>
           </a:xfrm>
         </p:spPr>
         <p:txBody>
@@ -5360,13 +7975,17 @@
               <a:buNone/>
             </a:pPr>
             <a:r>
-              <a:rPr lang="en-US" sz="1900" i="1" dirty="0" smtClean="0"/>
+              <a:rPr lang="en-US" sz="1900" i="1" dirty="0" smtClean="0">
+                <a:solidFill>
+                  <a:srgbClr val="92D050"/>
+                </a:solidFill>
+              </a:rPr>
               <a:t>Attributes</a:t>
             </a:r>
           </a:p>
           <a:p>
             <a:r>
-              <a:rPr lang="en-US" sz="1300" dirty="0" smtClean="0">
+              <a:rPr lang="en-US" sz="1700" dirty="0" smtClean="0">
                 <a:latin typeface="Consolas" panose="020B0609020204030204" pitchFamily="49" charset="0"/>
               </a:rPr>
               <a:t>private string character</a:t>
@@ -5374,7 +7993,7 @@
           </a:p>
           <a:p>
             <a:r>
-              <a:rPr lang="en-US" sz="1300" dirty="0" smtClean="0">
+              <a:rPr lang="en-US" sz="1700" dirty="0" smtClean="0">
                 <a:latin typeface="Consolas" panose="020B0609020204030204" pitchFamily="49" charset="0"/>
               </a:rPr>
               <a:t>private string name</a:t>
@@ -5382,19 +8001,19 @@
           </a:p>
           <a:p>
             <a:r>
-              <a:rPr lang="en-US" sz="1300" dirty="0" smtClean="0">
+              <a:rPr lang="en-US" sz="1700" dirty="0" smtClean="0">
                 <a:latin typeface="Consolas" panose="020B0609020204030204" pitchFamily="49" charset="0"/>
               </a:rPr>
               <a:t>private </a:t>
             </a:r>
             <a:r>
-              <a:rPr lang="en-US" sz="1300" dirty="0" err="1" smtClean="0">
+              <a:rPr lang="en-US" sz="1700" dirty="0" err="1" smtClean="0">
                 <a:latin typeface="Consolas" panose="020B0609020204030204" pitchFamily="49" charset="0"/>
               </a:rPr>
               <a:t>int</a:t>
             </a:r>
             <a:r>
-              <a:rPr lang="en-US" sz="1300" dirty="0" smtClean="0">
+              <a:rPr lang="en-US" sz="1700" dirty="0" smtClean="0">
                 <a:latin typeface="Consolas" panose="020B0609020204030204" pitchFamily="49" charset="0"/>
               </a:rPr>
               <a:t> money</a:t>
@@ -5402,77 +8021,77 @@
           </a:p>
           <a:p>
             <a:r>
-              <a:rPr lang="en-US" sz="1300" dirty="0" smtClean="0">
+              <a:rPr lang="en-US" sz="1700" dirty="0" smtClean="0">
                 <a:latin typeface="Consolas" panose="020B0609020204030204" pitchFamily="49" charset="0"/>
               </a:rPr>
               <a:t>private </a:t>
             </a:r>
             <a:r>
-              <a:rPr lang="en-US" sz="1300" dirty="0" err="1" smtClean="0">
+              <a:rPr lang="en-US" sz="1700" dirty="0" err="1" smtClean="0">
                 <a:latin typeface="Consolas" panose="020B0609020204030204" pitchFamily="49" charset="0"/>
               </a:rPr>
               <a:t>int</a:t>
             </a:r>
             <a:r>
-              <a:rPr lang="en-US" sz="1300" dirty="0" smtClean="0">
+              <a:rPr lang="en-US" sz="1700" dirty="0" smtClean="0">
                 <a:latin typeface="Consolas" panose="020B0609020204030204" pitchFamily="49" charset="0"/>
               </a:rPr>
               <a:t> </a:t>
             </a:r>
             <a:r>
-              <a:rPr lang="en-US" sz="1300" dirty="0" err="1" smtClean="0">
+              <a:rPr lang="en-US" sz="1700" dirty="0" err="1" smtClean="0">
                 <a:latin typeface="Consolas" panose="020B0609020204030204" pitchFamily="49" charset="0"/>
               </a:rPr>
               <a:t>go_value</a:t>
             </a:r>
-            <a:endParaRPr lang="en-US" sz="1300" dirty="0" smtClean="0">
+            <a:endParaRPr lang="en-US" sz="1700" dirty="0" smtClean="0">
               <a:latin typeface="Consolas" panose="020B0609020204030204" pitchFamily="49" charset="0"/>
             </a:endParaRPr>
           </a:p>
           <a:p>
             <a:r>
-              <a:rPr lang="en-US" sz="1300" dirty="0" smtClean="0">
+              <a:rPr lang="en-US" sz="1700" dirty="0" smtClean="0">
                 <a:latin typeface="Consolas" panose="020B0609020204030204" pitchFamily="49" charset="0"/>
               </a:rPr>
               <a:t>private </a:t>
             </a:r>
             <a:r>
-              <a:rPr lang="en-US" sz="1300" dirty="0" err="1" smtClean="0">
+              <a:rPr lang="en-US" sz="1700" dirty="0" err="1" smtClean="0">
                 <a:latin typeface="Consolas" panose="020B0609020204030204" pitchFamily="49" charset="0"/>
               </a:rPr>
               <a:t>int</a:t>
             </a:r>
             <a:r>
-              <a:rPr lang="en-US" sz="1300" dirty="0" smtClean="0">
+              <a:rPr lang="en-US" sz="1700" dirty="0" smtClean="0">
                 <a:latin typeface="Consolas" panose="020B0609020204030204" pitchFamily="49" charset="0"/>
               </a:rPr>
               <a:t> </a:t>
             </a:r>
             <a:r>
-              <a:rPr lang="en-US" sz="1300" dirty="0" err="1" smtClean="0">
+              <a:rPr lang="en-US" sz="1700" dirty="0" err="1" smtClean="0">
                 <a:latin typeface="Consolas" panose="020B0609020204030204" pitchFamily="49" charset="0"/>
               </a:rPr>
               <a:t>go_bonus</a:t>
             </a:r>
-            <a:endParaRPr lang="en-US" sz="1300" dirty="0" smtClean="0">
+            <a:endParaRPr lang="en-US" sz="1700" dirty="0" smtClean="0">
               <a:latin typeface="Consolas" panose="020B0609020204030204" pitchFamily="49" charset="0"/>
             </a:endParaRPr>
           </a:p>
           <a:p>
             <a:r>
-              <a:rPr lang="en-US" sz="1300" dirty="0" smtClean="0">
+              <a:rPr lang="en-US" sz="1700" dirty="0" smtClean="0">
                 <a:latin typeface="Consolas" panose="020B0609020204030204" pitchFamily="49" charset="0"/>
               </a:rPr>
               <a:t>private </a:t>
             </a:r>
             <a:r>
-              <a:rPr lang="en-US" sz="1300" dirty="0" err="1" smtClean="0">
+              <a:rPr lang="en-US" sz="1700" dirty="0" err="1" smtClean="0">
                 <a:latin typeface="Consolas" panose="020B0609020204030204" pitchFamily="49" charset="0"/>
               </a:rPr>
               <a:t>int</a:t>
             </a:r>
             <a:r>
-              <a:rPr lang="en-US" sz="1300" dirty="0" smtClean="0">
+              <a:rPr lang="en-US" sz="1700" dirty="0" smtClean="0">
                 <a:latin typeface="Consolas" panose="020B0609020204030204" pitchFamily="49" charset="0"/>
               </a:rPr>
               <a:t> position</a:t>
@@ -5480,151 +8099,151 @@
           </a:p>
           <a:p>
             <a:r>
-              <a:rPr lang="en-US" sz="1300" dirty="0" smtClean="0">
+              <a:rPr lang="en-US" sz="1700" dirty="0" smtClean="0">
                 <a:latin typeface="Consolas" panose="020B0609020204030204" pitchFamily="49" charset="0"/>
               </a:rPr>
               <a:t>private </a:t>
             </a:r>
             <a:r>
-              <a:rPr lang="en-US" sz="1300" dirty="0" err="1" smtClean="0">
+              <a:rPr lang="en-US" sz="1700" dirty="0" err="1" smtClean="0">
                 <a:latin typeface="Consolas" panose="020B0609020204030204" pitchFamily="49" charset="0"/>
               </a:rPr>
               <a:t>int</a:t>
             </a:r>
             <a:r>
-              <a:rPr lang="en-US" sz="1300" dirty="0" smtClean="0">
+              <a:rPr lang="en-US" sz="1700" dirty="0" smtClean="0">
                 <a:latin typeface="Consolas" panose="020B0609020204030204" pitchFamily="49" charset="0"/>
               </a:rPr>
               <a:t> </a:t>
             </a:r>
             <a:r>
-              <a:rPr lang="en-US" sz="1300" dirty="0" err="1" smtClean="0">
+              <a:rPr lang="en-US" sz="1700" dirty="0" err="1" smtClean="0">
                 <a:latin typeface="Consolas" panose="020B0609020204030204" pitchFamily="49" charset="0"/>
               </a:rPr>
               <a:t>start_roll</a:t>
             </a:r>
-            <a:endParaRPr lang="en-US" sz="1300" dirty="0" smtClean="0">
+            <a:endParaRPr lang="en-US" sz="1700" dirty="0" smtClean="0">
               <a:latin typeface="Consolas" panose="020B0609020204030204" pitchFamily="49" charset="0"/>
             </a:endParaRPr>
           </a:p>
           <a:p>
             <a:r>
-              <a:rPr lang="en-US" sz="1300" dirty="0" smtClean="0">
+              <a:rPr lang="en-US" sz="1700" dirty="0" smtClean="0">
                 <a:latin typeface="Consolas" panose="020B0609020204030204" pitchFamily="49" charset="0"/>
               </a:rPr>
               <a:t>private </a:t>
             </a:r>
             <a:r>
-              <a:rPr lang="en-US" sz="1300" dirty="0" err="1" smtClean="0">
+              <a:rPr lang="en-US" sz="1700" dirty="0" err="1" smtClean="0">
                 <a:latin typeface="Consolas" panose="020B0609020204030204" pitchFamily="49" charset="0"/>
               </a:rPr>
               <a:t>int</a:t>
             </a:r>
             <a:r>
-              <a:rPr lang="en-US" sz="1300" dirty="0" smtClean="0">
+              <a:rPr lang="en-US" sz="1700" dirty="0" smtClean="0">
                 <a:latin typeface="Consolas" panose="020B0609020204030204" pitchFamily="49" charset="0"/>
               </a:rPr>
               <a:t> </a:t>
             </a:r>
             <a:r>
-              <a:rPr lang="en-US" sz="1300" dirty="0" err="1" smtClean="0">
+              <a:rPr lang="en-US" sz="1700" dirty="0" err="1" smtClean="0">
                 <a:latin typeface="Consolas" panose="020B0609020204030204" pitchFamily="49" charset="0"/>
               </a:rPr>
               <a:t>turns_jailed</a:t>
             </a:r>
-            <a:endParaRPr lang="en-US" sz="1300" dirty="0" smtClean="0">
+            <a:endParaRPr lang="en-US" sz="1700" dirty="0" smtClean="0">
               <a:latin typeface="Consolas" panose="020B0609020204030204" pitchFamily="49" charset="0"/>
             </a:endParaRPr>
           </a:p>
           <a:p>
             <a:r>
-              <a:rPr lang="en-US" sz="1300" dirty="0" smtClean="0">
+              <a:rPr lang="en-US" sz="1700" dirty="0" smtClean="0">
                 <a:latin typeface="Consolas" panose="020B0609020204030204" pitchFamily="49" charset="0"/>
               </a:rPr>
               <a:t>private </a:t>
             </a:r>
             <a:r>
-              <a:rPr lang="en-US" sz="1300" dirty="0" err="1" smtClean="0">
+              <a:rPr lang="en-US" sz="1700" dirty="0" err="1" smtClean="0">
                 <a:latin typeface="Consolas" panose="020B0609020204030204" pitchFamily="49" charset="0"/>
               </a:rPr>
               <a:t>int</a:t>
             </a:r>
             <a:r>
-              <a:rPr lang="en-US" sz="1300" dirty="0" smtClean="0">
+              <a:rPr lang="en-US" sz="1700" dirty="0" smtClean="0">
                 <a:latin typeface="Consolas" panose="020B0609020204030204" pitchFamily="49" charset="0"/>
               </a:rPr>
               <a:t> </a:t>
             </a:r>
             <a:r>
-              <a:rPr lang="en-US" sz="1300" dirty="0" err="1" smtClean="0">
+              <a:rPr lang="en-US" sz="1700" dirty="0" err="1" smtClean="0">
                 <a:latin typeface="Consolas" panose="020B0609020204030204" pitchFamily="49" charset="0"/>
               </a:rPr>
               <a:t>double_count</a:t>
             </a:r>
-            <a:endParaRPr lang="en-US" sz="1300" dirty="0">
+            <a:endParaRPr lang="en-US" sz="1700" dirty="0">
               <a:latin typeface="Consolas" panose="020B0609020204030204" pitchFamily="49" charset="0"/>
             </a:endParaRPr>
           </a:p>
           <a:p>
             <a:r>
-              <a:rPr lang="en-US" sz="1300" dirty="0" smtClean="0">
+              <a:rPr lang="en-US" sz="1700" dirty="0" smtClean="0">
                 <a:latin typeface="Consolas" panose="020B0609020204030204" pitchFamily="49" charset="0"/>
               </a:rPr>
               <a:t>private Card </a:t>
             </a:r>
             <a:r>
-              <a:rPr lang="en-US" sz="1300" dirty="0" err="1" smtClean="0">
+              <a:rPr lang="en-US" sz="1700" dirty="0" err="1" smtClean="0">
                 <a:latin typeface="Consolas" panose="020B0609020204030204" pitchFamily="49" charset="0"/>
               </a:rPr>
               <a:t>get_out_of_jail_free</a:t>
             </a:r>
-            <a:endParaRPr lang="en-US" sz="1300" dirty="0" smtClean="0">
+            <a:endParaRPr lang="en-US" sz="1700" dirty="0" smtClean="0">
               <a:latin typeface="Consolas" panose="020B0609020204030204" pitchFamily="49" charset="0"/>
             </a:endParaRPr>
           </a:p>
           <a:p>
             <a:r>
-              <a:rPr lang="en-US" sz="1300" dirty="0" smtClean="0">
+              <a:rPr lang="en-US" sz="1700" dirty="0" smtClean="0">
                 <a:latin typeface="Consolas" panose="020B0609020204030204" pitchFamily="49" charset="0"/>
               </a:rPr>
               <a:t>private List&lt;Property&gt; </a:t>
             </a:r>
             <a:r>
-              <a:rPr lang="en-US" sz="1300" dirty="0" err="1" smtClean="0">
+              <a:rPr lang="en-US" sz="1700" dirty="0" err="1" smtClean="0">
                 <a:latin typeface="Consolas" panose="020B0609020204030204" pitchFamily="49" charset="0"/>
               </a:rPr>
               <a:t>properties_owned</a:t>
             </a:r>
-            <a:endParaRPr lang="en-US" sz="1300" dirty="0" smtClean="0">
+            <a:endParaRPr lang="en-US" sz="1700" dirty="0" smtClean="0">
               <a:latin typeface="Consolas" panose="020B0609020204030204" pitchFamily="49" charset="0"/>
             </a:endParaRPr>
           </a:p>
           <a:p>
             <a:r>
-              <a:rPr lang="en-US" sz="1300" dirty="0" smtClean="0">
+              <a:rPr lang="en-US" sz="1700" dirty="0" smtClean="0">
                 <a:latin typeface="Consolas" panose="020B0609020204030204" pitchFamily="49" charset="0"/>
               </a:rPr>
               <a:t>private List&lt;Property&gt;</a:t>
             </a:r>
             <a:r>
-              <a:rPr lang="en-US" sz="1300" dirty="0">
+              <a:rPr lang="en-US" sz="1700" dirty="0">
                 <a:latin typeface="Consolas" panose="020B0609020204030204" pitchFamily="49" charset="0"/>
               </a:rPr>
               <a:t> </a:t>
             </a:r>
             <a:r>
-              <a:rPr lang="en-US" sz="1300" dirty="0" err="1" smtClean="0">
+              <a:rPr lang="en-US" sz="1700" dirty="0" err="1" smtClean="0">
                 <a:latin typeface="Consolas" panose="020B0609020204030204" pitchFamily="49" charset="0"/>
               </a:rPr>
               <a:t>properties_mortgaged</a:t>
             </a:r>
-            <a:endParaRPr lang="en-US" sz="1300" dirty="0" smtClean="0">
+            <a:endParaRPr lang="en-US" sz="1700" dirty="0" smtClean="0">
               <a:latin typeface="Consolas" panose="020B0609020204030204" pitchFamily="49" charset="0"/>
             </a:endParaRPr>
           </a:p>
           <a:p>
             <a:r>
-              <a:rPr lang="en-US" sz="1300" dirty="0" smtClean="0">
+              <a:rPr lang="en-US" sz="1700" dirty="0" smtClean="0">
                 <a:latin typeface="Consolas" panose="020B0609020204030204" pitchFamily="49" charset="0"/>
               </a:rPr>
               <a:t>private List&lt;Property&gt; monopolies</a:t>
@@ -5632,7 +8251,7 @@
           </a:p>
           <a:p>
             <a:r>
-              <a:rPr lang="en-US" sz="1300" dirty="0" smtClean="0">
+              <a:rPr lang="en-US" sz="1700" dirty="0" smtClean="0">
                 <a:latin typeface="Consolas" panose="020B0609020204030204" pitchFamily="49" charset="0"/>
               </a:rPr>
               <a:t>private List&lt;Property&gt; railroads</a:t>
@@ -5640,7 +8259,7 @@
           </a:p>
           <a:p>
             <a:r>
-              <a:rPr lang="en-US" sz="1300" dirty="0" smtClean="0">
+              <a:rPr lang="en-US" sz="1700" dirty="0" smtClean="0">
                 <a:latin typeface="Consolas" panose="020B0609020204030204" pitchFamily="49" charset="0"/>
               </a:rPr>
               <a:t>private List&lt;Property&gt; utilities</a:t>
@@ -5658,8 +8277,8 @@
         </p:nvSpPr>
         <p:spPr>
           <a:xfrm>
-            <a:off x="6496280" y="1825625"/>
-            <a:ext cx="4857520" cy="4351338"/>
+            <a:off x="6136395" y="149368"/>
+            <a:ext cx="5525877" cy="6312664"/>
           </a:xfrm>
           <a:prstGeom prst="rect">
             <a:avLst/>
@@ -5667,7 +8286,7 @@
         </p:spPr>
         <p:txBody>
           <a:bodyPr vert="horz" lIns="91440" tIns="45720" rIns="91440" bIns="45720" rtlCol="0">
-            <a:normAutofit/>
+            <a:normAutofit fontScale="92500" lnSpcReduction="20000"/>
           </a:bodyPr>
           <a:lstStyle>
             <a:lvl1pPr marL="228600" indent="-228600" algn="l" defTabSz="914400" rtl="0" eaLnBrk="1" latinLnBrk="0" hangingPunct="1">
@@ -5837,44 +8456,730 @@
             <a:pPr marL="0" indent="0">
               <a:buNone/>
             </a:pPr>
-            <a:endParaRPr lang="en-US" sz="1800" dirty="0" smtClean="0"/>
-          </a:p>
-          <a:p>
-            <a:pPr marL="0" indent="0">
-              <a:buNone/>
-            </a:pPr>
-            <a:endParaRPr lang="en-US" sz="1800" dirty="0" smtClean="0"/>
-          </a:p>
-          <a:p>
-            <a:pPr marL="0" indent="0">
-              <a:buNone/>
-            </a:pPr>
-            <a:r>
-              <a:rPr lang="en-US" sz="1800" i="1" dirty="0" smtClean="0"/>
+            <a:r>
+              <a:rPr lang="en-US" sz="1900" i="1" dirty="0" smtClean="0">
+                <a:solidFill>
+                  <a:srgbClr val="92D050"/>
+                </a:solidFill>
+              </a:rPr>
               <a:t>Methods</a:t>
             </a:r>
-          </a:p>
+            <a:endParaRPr lang="en-US" sz="1800" i="1" dirty="0" smtClean="0">
+              <a:solidFill>
+                <a:srgbClr val="92D050"/>
+              </a:solidFill>
+            </a:endParaRPr>
+          </a:p>
+          <a:p>
+            <a:r>
+              <a:rPr lang="en-US" sz="1700" dirty="0" smtClean="0">
+                <a:latin typeface="Consolas" panose="020B0609020204030204" pitchFamily="49" charset="0"/>
+              </a:rPr>
+              <a:t>Player(string name, string character,               	</a:t>
+            </a:r>
+            <a:r>
+              <a:rPr lang="en-US" sz="1700" dirty="0" err="1" smtClean="0">
+                <a:latin typeface="Consolas" panose="020B0609020204030204" pitchFamily="49" charset="0"/>
+              </a:rPr>
+              <a:t>int</a:t>
+            </a:r>
+            <a:r>
+              <a:rPr lang="en-US" sz="1700" dirty="0" smtClean="0">
+                <a:latin typeface="Consolas" panose="020B0609020204030204" pitchFamily="49" charset="0"/>
+              </a:rPr>
+              <a:t> </a:t>
+            </a:r>
+            <a:r>
+              <a:rPr lang="en-US" sz="1700" dirty="0" err="1" smtClean="0">
+                <a:latin typeface="Consolas" panose="020B0609020204030204" pitchFamily="49" charset="0"/>
+              </a:rPr>
+              <a:t>start_money</a:t>
+            </a:r>
+            <a:r>
+              <a:rPr lang="en-US" sz="1700" dirty="0" smtClean="0">
+                <a:latin typeface="Consolas" panose="020B0609020204030204" pitchFamily="49" charset="0"/>
+              </a:rPr>
+              <a:t>, </a:t>
+            </a:r>
+            <a:r>
+              <a:rPr lang="en-US" sz="1700" dirty="0" err="1" smtClean="0">
+                <a:latin typeface="Consolas" panose="020B0609020204030204" pitchFamily="49" charset="0"/>
+              </a:rPr>
+              <a:t>int</a:t>
+            </a:r>
+            <a:r>
+              <a:rPr lang="en-US" sz="1700" dirty="0" smtClean="0">
+                <a:latin typeface="Consolas" panose="020B0609020204030204" pitchFamily="49" charset="0"/>
+              </a:rPr>
+              <a:t> </a:t>
+            </a:r>
+            <a:r>
+              <a:rPr lang="en-US" sz="1700" dirty="0" err="1" smtClean="0">
+                <a:latin typeface="Consolas" panose="020B0609020204030204" pitchFamily="49" charset="0"/>
+              </a:rPr>
+              <a:t>go_value</a:t>
+            </a:r>
+            <a:r>
+              <a:rPr lang="en-US" sz="1700" dirty="0" smtClean="0">
+                <a:latin typeface="Consolas" panose="020B0609020204030204" pitchFamily="49" charset="0"/>
+              </a:rPr>
+              <a:t>, </a:t>
+            </a:r>
+            <a:r>
+              <a:rPr lang="en-US" sz="1700" dirty="0" err="1" smtClean="0">
+                <a:latin typeface="Consolas" panose="020B0609020204030204" pitchFamily="49" charset="0"/>
+              </a:rPr>
+              <a:t>int</a:t>
+            </a:r>
+            <a:r>
+              <a:rPr lang="en-US" sz="1700" dirty="0" smtClean="0">
+                <a:latin typeface="Consolas" panose="020B0609020204030204" pitchFamily="49" charset="0"/>
+              </a:rPr>
+              <a:t> 	</a:t>
+            </a:r>
+            <a:r>
+              <a:rPr lang="en-US" sz="1700" dirty="0" err="1" smtClean="0">
+                <a:latin typeface="Consolas" panose="020B0609020204030204" pitchFamily="49" charset="0"/>
+              </a:rPr>
+              <a:t>go_bonus</a:t>
+            </a:r>
+            <a:r>
+              <a:rPr lang="en-US" sz="1700" dirty="0" smtClean="0">
+                <a:latin typeface="Consolas" panose="020B0609020204030204" pitchFamily="49" charset="0"/>
+              </a:rPr>
+              <a:t>)</a:t>
+            </a:r>
+          </a:p>
+          <a:p>
+            <a:r>
+              <a:rPr lang="en-US" sz="1700" dirty="0" smtClean="0">
+                <a:latin typeface="Consolas" panose="020B0609020204030204" pitchFamily="49" charset="0"/>
+              </a:rPr>
+              <a:t>sets()</a:t>
+            </a:r>
+          </a:p>
+          <a:p>
+            <a:r>
+              <a:rPr lang="en-US" sz="1700" dirty="0" smtClean="0">
+                <a:latin typeface="Consolas" panose="020B0609020204030204" pitchFamily="49" charset="0"/>
+              </a:rPr>
+              <a:t>gets()</a:t>
+            </a:r>
+          </a:p>
+          <a:p>
+            <a:r>
+              <a:rPr lang="en-US" sz="1700" dirty="0" smtClean="0">
+                <a:latin typeface="Consolas" panose="020B0609020204030204" pitchFamily="49" charset="0"/>
+              </a:rPr>
+              <a:t>void buy(Property p)</a:t>
+            </a:r>
+          </a:p>
+          <a:p>
+            <a:r>
+              <a:rPr lang="en-US" sz="1700" dirty="0" smtClean="0">
+                <a:latin typeface="Consolas" panose="020B0609020204030204" pitchFamily="49" charset="0"/>
+              </a:rPr>
+              <a:t>void pay(</a:t>
+            </a:r>
+            <a:r>
+              <a:rPr lang="en-US" sz="1700" dirty="0" err="1" smtClean="0">
+                <a:latin typeface="Consolas" panose="020B0609020204030204" pitchFamily="49" charset="0"/>
+              </a:rPr>
+              <a:t>int</a:t>
+            </a:r>
+            <a:r>
+              <a:rPr lang="en-US" sz="1700" dirty="0" smtClean="0">
+                <a:latin typeface="Consolas" panose="020B0609020204030204" pitchFamily="49" charset="0"/>
+              </a:rPr>
+              <a:t> amount)</a:t>
+            </a:r>
+          </a:p>
+          <a:p>
+            <a:r>
+              <a:rPr lang="en-US" sz="1700" dirty="0" smtClean="0">
+                <a:latin typeface="Consolas" panose="020B0609020204030204" pitchFamily="49" charset="0"/>
+              </a:rPr>
+              <a:t>void </a:t>
+            </a:r>
+            <a:r>
+              <a:rPr lang="en-US" sz="1700" dirty="0" err="1" smtClean="0">
+                <a:latin typeface="Consolas" panose="020B0609020204030204" pitchFamily="49" charset="0"/>
+              </a:rPr>
+              <a:t>pay_rent</a:t>
+            </a:r>
+            <a:r>
+              <a:rPr lang="en-US" sz="1700" dirty="0" smtClean="0">
+                <a:latin typeface="Consolas" panose="020B0609020204030204" pitchFamily="49" charset="0"/>
+              </a:rPr>
+              <a:t>(Player p, </a:t>
+            </a:r>
+            <a:r>
+              <a:rPr lang="en-US" sz="1700" dirty="0" err="1" smtClean="0">
+                <a:latin typeface="Consolas" panose="020B0609020204030204" pitchFamily="49" charset="0"/>
+              </a:rPr>
+              <a:t>int</a:t>
+            </a:r>
+            <a:r>
+              <a:rPr lang="en-US" sz="1700" dirty="0" smtClean="0">
+                <a:latin typeface="Consolas" panose="020B0609020204030204" pitchFamily="49" charset="0"/>
+              </a:rPr>
+              <a:t> amount)</a:t>
+            </a:r>
+          </a:p>
+          <a:p>
+            <a:r>
+              <a:rPr lang="en-US" sz="1700" dirty="0" smtClean="0">
+                <a:latin typeface="Consolas" panose="020B0609020204030204" pitchFamily="49" charset="0"/>
+              </a:rPr>
+              <a:t>void </a:t>
+            </a:r>
+            <a:r>
+              <a:rPr lang="en-US" sz="1700" dirty="0" err="1" smtClean="0">
+                <a:latin typeface="Consolas" panose="020B0609020204030204" pitchFamily="49" charset="0"/>
+              </a:rPr>
+              <a:t>receive_payment</a:t>
+            </a:r>
+            <a:r>
+              <a:rPr lang="en-US" sz="1700" dirty="0" smtClean="0">
+                <a:latin typeface="Consolas" panose="020B0609020204030204" pitchFamily="49" charset="0"/>
+              </a:rPr>
+              <a:t>(</a:t>
+            </a:r>
+            <a:r>
+              <a:rPr lang="en-US" sz="1700" dirty="0" err="1" smtClean="0">
+                <a:latin typeface="Consolas" panose="020B0609020204030204" pitchFamily="49" charset="0"/>
+              </a:rPr>
+              <a:t>int</a:t>
+            </a:r>
+            <a:r>
+              <a:rPr lang="en-US" sz="1700" dirty="0" smtClean="0">
+                <a:latin typeface="Consolas" panose="020B0609020204030204" pitchFamily="49" charset="0"/>
+              </a:rPr>
+              <a:t> amount)</a:t>
+            </a:r>
+            <a:endParaRPr lang="en-US" sz="1700" dirty="0">
+              <a:latin typeface="Consolas" panose="020B0609020204030204" pitchFamily="49" charset="0"/>
+            </a:endParaRPr>
+          </a:p>
+          <a:p>
+            <a:r>
+              <a:rPr lang="en-US" sz="1700" dirty="0" err="1" smtClean="0">
+                <a:latin typeface="Consolas" panose="020B0609020204030204" pitchFamily="49" charset="0"/>
+              </a:rPr>
+              <a:t>int</a:t>
+            </a:r>
+            <a:r>
+              <a:rPr lang="en-US" sz="1700" dirty="0" smtClean="0">
+                <a:latin typeface="Consolas" panose="020B0609020204030204" pitchFamily="49" charset="0"/>
+              </a:rPr>
+              <a:t> </a:t>
+            </a:r>
+            <a:r>
+              <a:rPr lang="en-US" sz="1700" dirty="0" err="1" smtClean="0">
+                <a:latin typeface="Consolas" panose="020B0609020204030204" pitchFamily="49" charset="0"/>
+              </a:rPr>
+              <a:t>get_net_worth</a:t>
+            </a:r>
+            <a:r>
+              <a:rPr lang="en-US" sz="1700" dirty="0" smtClean="0">
+                <a:latin typeface="Consolas" panose="020B0609020204030204" pitchFamily="49" charset="0"/>
+              </a:rPr>
+              <a:t>()</a:t>
+            </a:r>
+          </a:p>
+          <a:p>
+            <a:r>
+              <a:rPr lang="en-US" sz="1700" dirty="0" smtClean="0">
+                <a:latin typeface="Consolas" panose="020B0609020204030204" pitchFamily="49" charset="0"/>
+              </a:rPr>
+              <a:t>List&lt;Property&gt; </a:t>
+            </a:r>
+            <a:r>
+              <a:rPr lang="en-US" sz="1700" dirty="0" err="1" smtClean="0">
+                <a:latin typeface="Consolas" panose="020B0609020204030204" pitchFamily="49" charset="0"/>
+              </a:rPr>
+              <a:t>get_tradable_properties</a:t>
+            </a:r>
+            <a:r>
+              <a:rPr lang="en-US" sz="1700" dirty="0" smtClean="0">
+                <a:latin typeface="Consolas" panose="020B0609020204030204" pitchFamily="49" charset="0"/>
+              </a:rPr>
+              <a:t>()</a:t>
+            </a:r>
+          </a:p>
+          <a:p>
+            <a:r>
+              <a:rPr lang="en-US" sz="1700" dirty="0" err="1">
+                <a:latin typeface="Consolas" panose="020B0609020204030204" pitchFamily="49" charset="0"/>
+              </a:rPr>
+              <a:t>int</a:t>
+            </a:r>
+            <a:r>
+              <a:rPr lang="en-US" sz="1700" dirty="0">
+                <a:latin typeface="Consolas" panose="020B0609020204030204" pitchFamily="49" charset="0"/>
+              </a:rPr>
+              <a:t> </a:t>
+            </a:r>
+            <a:r>
+              <a:rPr lang="en-US" sz="1700" dirty="0" err="1">
+                <a:latin typeface="Consolas" panose="020B0609020204030204" pitchFamily="49" charset="0"/>
+              </a:rPr>
+              <a:t>get_double_count</a:t>
+            </a:r>
+            <a:r>
+              <a:rPr lang="en-US" sz="1700" dirty="0" smtClean="0">
+                <a:latin typeface="Consolas" panose="020B0609020204030204" pitchFamily="49" charset="0"/>
+              </a:rPr>
+              <a:t>()</a:t>
+            </a:r>
+          </a:p>
+          <a:p>
+            <a:r>
+              <a:rPr lang="en-US" sz="1700" dirty="0" smtClean="0">
+                <a:latin typeface="Consolas" panose="020B0609020204030204" pitchFamily="49" charset="0"/>
+              </a:rPr>
+              <a:t>void </a:t>
+            </a:r>
+            <a:r>
+              <a:rPr lang="en-US" sz="1700" dirty="0" err="1" smtClean="0">
+                <a:latin typeface="Consolas" panose="020B0609020204030204" pitchFamily="49" charset="0"/>
+              </a:rPr>
+              <a:t>increment_double_count</a:t>
+            </a:r>
+            <a:r>
+              <a:rPr lang="en-US" sz="1700" dirty="0" smtClean="0">
+                <a:latin typeface="Consolas" panose="020B0609020204030204" pitchFamily="49" charset="0"/>
+              </a:rPr>
+              <a:t>()</a:t>
+            </a:r>
+          </a:p>
+          <a:p>
+            <a:r>
+              <a:rPr lang="en-US" sz="1700" dirty="0" smtClean="0">
+                <a:latin typeface="Consolas" panose="020B0609020204030204" pitchFamily="49" charset="0"/>
+              </a:rPr>
+              <a:t>void </a:t>
+            </a:r>
+            <a:r>
+              <a:rPr lang="en-US" sz="1700" dirty="0" err="1" smtClean="0">
+                <a:latin typeface="Consolas" panose="020B0609020204030204" pitchFamily="49" charset="0"/>
+              </a:rPr>
+              <a:t>reset_double_count</a:t>
+            </a:r>
+            <a:r>
+              <a:rPr lang="en-US" sz="1700" dirty="0" smtClean="0">
+                <a:latin typeface="Consolas" panose="020B0609020204030204" pitchFamily="49" charset="0"/>
+              </a:rPr>
+              <a:t>()</a:t>
+            </a:r>
+            <a:endParaRPr lang="en-US" sz="1700" dirty="0">
+              <a:latin typeface="Consolas" panose="020B0609020204030204" pitchFamily="49" charset="0"/>
+            </a:endParaRPr>
+          </a:p>
+          <a:p>
+            <a:r>
+              <a:rPr lang="en-US" sz="1700" dirty="0" err="1" smtClean="0">
+                <a:latin typeface="Consolas" panose="020B0609020204030204" pitchFamily="49" charset="0"/>
+              </a:rPr>
+              <a:t>int</a:t>
+            </a:r>
+            <a:r>
+              <a:rPr lang="en-US" sz="1700" dirty="0" smtClean="0">
+                <a:latin typeface="Consolas" panose="020B0609020204030204" pitchFamily="49" charset="0"/>
+              </a:rPr>
+              <a:t> jailed()</a:t>
+            </a:r>
+          </a:p>
+          <a:p>
+            <a:r>
+              <a:rPr lang="en-US" sz="1700" dirty="0" smtClean="0">
+                <a:latin typeface="Consolas" panose="020B0609020204030204" pitchFamily="49" charset="0"/>
+              </a:rPr>
+              <a:t>void </a:t>
+            </a:r>
+            <a:r>
+              <a:rPr lang="en-US" sz="1700" dirty="0" err="1" smtClean="0">
+                <a:latin typeface="Consolas" panose="020B0609020204030204" pitchFamily="49" charset="0"/>
+              </a:rPr>
+              <a:t>go_to_jail</a:t>
+            </a:r>
+            <a:r>
+              <a:rPr lang="en-US" sz="1700" dirty="0" smtClean="0">
+                <a:latin typeface="Consolas" panose="020B0609020204030204" pitchFamily="49" charset="0"/>
+              </a:rPr>
+              <a:t>()</a:t>
+            </a:r>
+          </a:p>
+          <a:p>
+            <a:r>
+              <a:rPr lang="en-US" sz="1700" dirty="0" smtClean="0">
+                <a:latin typeface="Consolas" panose="020B0609020204030204" pitchFamily="49" charset="0"/>
+              </a:rPr>
+              <a:t>void </a:t>
+            </a:r>
+            <a:r>
+              <a:rPr lang="en-US" sz="1700" dirty="0" err="1" smtClean="0">
+                <a:latin typeface="Consolas" panose="020B0609020204030204" pitchFamily="49" charset="0"/>
+              </a:rPr>
+              <a:t>increment_jail</a:t>
+            </a:r>
+            <a:r>
+              <a:rPr lang="en-US" sz="1700" dirty="0" smtClean="0">
+                <a:latin typeface="Consolas" panose="020B0609020204030204" pitchFamily="49" charset="0"/>
+              </a:rPr>
+              <a:t>()</a:t>
+            </a:r>
+          </a:p>
+          <a:p>
+            <a:r>
+              <a:rPr lang="en-US" sz="1700" dirty="0" smtClean="0">
+                <a:latin typeface="Consolas" panose="020B0609020204030204" pitchFamily="49" charset="0"/>
+              </a:rPr>
+              <a:t>void </a:t>
+            </a:r>
+            <a:r>
+              <a:rPr lang="en-US" sz="1700" dirty="0" err="1" smtClean="0">
+                <a:latin typeface="Consolas" panose="020B0609020204030204" pitchFamily="49" charset="0"/>
+              </a:rPr>
+              <a:t>release_from_jail</a:t>
+            </a:r>
+            <a:endParaRPr lang="en-US" sz="1700" dirty="0" smtClean="0">
+              <a:latin typeface="Consolas" panose="020B0609020204030204" pitchFamily="49" charset="0"/>
+            </a:endParaRPr>
+          </a:p>
+          <a:p>
+            <a:r>
+              <a:rPr lang="en-US" sz="1700" dirty="0" smtClean="0">
+                <a:latin typeface="Consolas" panose="020B0609020204030204" pitchFamily="49" charset="0"/>
+              </a:rPr>
+              <a:t>void </a:t>
+            </a:r>
+            <a:r>
+              <a:rPr lang="en-US" sz="1700" dirty="0" err="1" smtClean="0">
+                <a:latin typeface="Consolas" panose="020B0609020204030204" pitchFamily="49" charset="0"/>
+              </a:rPr>
+              <a:t>pay_for_jail</a:t>
+            </a:r>
+            <a:r>
+              <a:rPr lang="en-US" sz="1700" dirty="0" smtClean="0">
+                <a:latin typeface="Consolas" panose="020B0609020204030204" pitchFamily="49" charset="0"/>
+              </a:rPr>
+              <a:t>(</a:t>
+            </a:r>
+            <a:r>
+              <a:rPr lang="en-US" sz="1700" dirty="0" err="1" smtClean="0">
+                <a:latin typeface="Consolas" panose="020B0609020204030204" pitchFamily="49" charset="0"/>
+              </a:rPr>
+              <a:t>int</a:t>
+            </a:r>
+            <a:r>
+              <a:rPr lang="en-US" sz="1700" dirty="0" smtClean="0">
+                <a:latin typeface="Consolas" panose="020B0609020204030204" pitchFamily="49" charset="0"/>
+              </a:rPr>
+              <a:t> amount)</a:t>
+            </a:r>
+          </a:p>
+          <a:p>
+            <a:r>
+              <a:rPr lang="en-US" sz="1700" dirty="0" smtClean="0">
+                <a:latin typeface="Consolas" panose="020B0609020204030204" pitchFamily="49" charset="0"/>
+              </a:rPr>
+              <a:t>bool </a:t>
+            </a:r>
+            <a:r>
+              <a:rPr lang="en-US" sz="1700" dirty="0" err="1" smtClean="0">
+                <a:latin typeface="Consolas" panose="020B0609020204030204" pitchFamily="49" charset="0"/>
+              </a:rPr>
+              <a:t>has_jail_free_card</a:t>
+            </a:r>
+            <a:r>
+              <a:rPr lang="en-US" sz="1700" dirty="0" smtClean="0">
+                <a:latin typeface="Consolas" panose="020B0609020204030204" pitchFamily="49" charset="0"/>
+              </a:rPr>
+              <a:t>()</a:t>
+            </a:r>
+          </a:p>
+          <a:p>
+            <a:r>
+              <a:rPr lang="en-US" sz="1700" dirty="0" smtClean="0">
+                <a:latin typeface="Consolas" panose="020B0609020204030204" pitchFamily="49" charset="0"/>
+              </a:rPr>
+              <a:t>void </a:t>
+            </a:r>
+            <a:r>
+              <a:rPr lang="en-US" sz="1700" dirty="0" err="1" smtClean="0">
+                <a:latin typeface="Consolas" panose="020B0609020204030204" pitchFamily="49" charset="0"/>
+              </a:rPr>
+              <a:t>use_jail_free_card</a:t>
+            </a:r>
+            <a:r>
+              <a:rPr lang="en-US" sz="1700" dirty="0" smtClean="0">
+                <a:latin typeface="Consolas" panose="020B0609020204030204" pitchFamily="49" charset="0"/>
+              </a:rPr>
+              <a:t>()</a:t>
+            </a:r>
+          </a:p>
+          <a:p>
+            <a:endParaRPr lang="en-US" sz="1700" dirty="0" smtClean="0">
+              <a:latin typeface="Consolas" panose="020B0609020204030204" pitchFamily="49" charset="0"/>
+            </a:endParaRPr>
+          </a:p>
+          <a:p>
+            <a:endParaRPr lang="en-US" sz="1200" dirty="0" smtClean="0">
+              <a:latin typeface="Consolas" panose="020B0609020204030204" pitchFamily="49" charset="0"/>
+            </a:endParaRPr>
+          </a:p>
+        </p:txBody>
+      </p:sp>
+      <p:sp>
+        <p:nvSpPr>
+          <p:cNvPr id="3" name="Rectangle 2"/>
+          <p:cNvSpPr/>
+          <p:nvPr/>
+        </p:nvSpPr>
+        <p:spPr>
+          <a:xfrm>
+            <a:off x="6136395" y="407624"/>
+            <a:ext cx="4891489" cy="1277957"/>
+          </a:xfrm>
+          <a:prstGeom prst="rect">
+            <a:avLst/>
+          </a:prstGeom>
+          <a:noFill/>
+          <a:ln>
+            <a:solidFill>
+              <a:srgbClr val="008080"/>
+            </a:solidFill>
+          </a:ln>
+        </p:spPr>
+        <p:style>
+          <a:lnRef idx="2">
+            <a:schemeClr val="accent1">
+              <a:shade val="50000"/>
+            </a:schemeClr>
+          </a:lnRef>
+          <a:fillRef idx="1">
+            <a:schemeClr val="accent1"/>
+          </a:fillRef>
+          <a:effectRef idx="0">
+            <a:schemeClr val="accent1"/>
+          </a:effectRef>
+          <a:fontRef idx="minor">
+            <a:schemeClr val="lt1"/>
+          </a:fontRef>
+        </p:style>
+        <p:txBody>
+          <a:bodyPr rtlCol="0" anchor="ctr"/>
+          <a:lstStyle/>
+          <a:p>
+            <a:pPr algn="ctr"/>
+            <a:endParaRPr lang="en-US"/>
+          </a:p>
+        </p:txBody>
+      </p:sp>
+      <p:sp>
+        <p:nvSpPr>
+          <p:cNvPr id="6" name="Rectangle 5"/>
+          <p:cNvSpPr/>
+          <p:nvPr/>
+        </p:nvSpPr>
+        <p:spPr>
+          <a:xfrm>
+            <a:off x="6136395" y="1696598"/>
+            <a:ext cx="4891489" cy="1751681"/>
+          </a:xfrm>
+          <a:prstGeom prst="rect">
+            <a:avLst/>
+          </a:prstGeom>
+          <a:noFill/>
+          <a:ln>
+            <a:solidFill>
+              <a:srgbClr val="92D050"/>
+            </a:solidFill>
+          </a:ln>
+        </p:spPr>
+        <p:style>
+          <a:lnRef idx="2">
+            <a:schemeClr val="accent1">
+              <a:shade val="50000"/>
+            </a:schemeClr>
+          </a:lnRef>
+          <a:fillRef idx="1">
+            <a:schemeClr val="accent1"/>
+          </a:fillRef>
+          <a:effectRef idx="0">
+            <a:schemeClr val="accent1"/>
+          </a:effectRef>
+          <a:fontRef idx="minor">
+            <a:schemeClr val="lt1"/>
+          </a:fontRef>
+        </p:style>
+        <p:txBody>
+          <a:bodyPr rtlCol="0" anchor="ctr"/>
+          <a:lstStyle/>
+          <a:p>
+            <a:pPr algn="ctr"/>
+            <a:endParaRPr lang="en-US"/>
+          </a:p>
+        </p:txBody>
+      </p:sp>
+      <p:sp>
+        <p:nvSpPr>
+          <p:cNvPr id="7" name="Rectangle 6"/>
+          <p:cNvSpPr/>
+          <p:nvPr/>
+        </p:nvSpPr>
+        <p:spPr>
+          <a:xfrm>
+            <a:off x="6136395" y="3459296"/>
+            <a:ext cx="4891489" cy="3002736"/>
+          </a:xfrm>
+          <a:prstGeom prst="rect">
+            <a:avLst/>
+          </a:prstGeom>
+          <a:noFill/>
+          <a:ln>
+            <a:solidFill>
+              <a:srgbClr val="008080"/>
+            </a:solidFill>
+          </a:ln>
+        </p:spPr>
+        <p:style>
+          <a:lnRef idx="2">
+            <a:schemeClr val="accent1">
+              <a:shade val="50000"/>
+            </a:schemeClr>
+          </a:lnRef>
+          <a:fillRef idx="1">
+            <a:schemeClr val="accent1"/>
+          </a:fillRef>
+          <a:effectRef idx="0">
+            <a:schemeClr val="accent1"/>
+          </a:effectRef>
+          <a:fontRef idx="minor">
+            <a:schemeClr val="lt1"/>
+          </a:fontRef>
+        </p:style>
+        <p:txBody>
+          <a:bodyPr rtlCol="0" anchor="ctr"/>
+          <a:lstStyle/>
+          <a:p>
+            <a:pPr algn="ctr"/>
+            <a:endParaRPr lang="en-US"/>
+          </a:p>
+        </p:txBody>
+      </p:sp>
+      <p:sp>
+        <p:nvSpPr>
+          <p:cNvPr id="9" name="TextBox 8"/>
+          <p:cNvSpPr txBox="1"/>
+          <p:nvPr/>
+        </p:nvSpPr>
+        <p:spPr>
+          <a:xfrm>
+            <a:off x="11034567" y="987385"/>
+            <a:ext cx="1443210" cy="276999"/>
+          </a:xfrm>
+          <a:prstGeom prst="rect">
+            <a:avLst/>
+          </a:prstGeom>
+          <a:noFill/>
+        </p:spPr>
+        <p:txBody>
+          <a:bodyPr wrap="square" rtlCol="0">
+            <a:spAutoFit/>
+          </a:bodyPr>
+          <a:lstStyle/>
           <a:p>
             <a:r>
               <a:rPr lang="en-US" sz="1200" dirty="0" smtClean="0">
-                <a:latin typeface="Consolas" panose="020B0609020204030204" pitchFamily="49" charset="0"/>
-              </a:rPr>
-              <a:t>sets()</a:t>
-            </a:r>
-          </a:p>
+                <a:solidFill>
+                  <a:srgbClr val="008080"/>
+                </a:solidFill>
+              </a:rPr>
+              <a:t>Configuration</a:t>
+            </a:r>
+            <a:endParaRPr lang="en-US" sz="1200" dirty="0">
+              <a:solidFill>
+                <a:srgbClr val="008080"/>
+              </a:solidFill>
+            </a:endParaRPr>
+          </a:p>
+        </p:txBody>
+      </p:sp>
+      <p:sp>
+        <p:nvSpPr>
+          <p:cNvPr id="10" name="TextBox 9"/>
+          <p:cNvSpPr txBox="1"/>
+          <p:nvPr/>
+        </p:nvSpPr>
+        <p:spPr>
+          <a:xfrm>
+            <a:off x="11065660" y="2362003"/>
+            <a:ext cx="1126340" cy="461665"/>
+          </a:xfrm>
+          <a:prstGeom prst="rect">
+            <a:avLst/>
+          </a:prstGeom>
+          <a:noFill/>
+        </p:spPr>
+        <p:txBody>
+          <a:bodyPr wrap="square" rtlCol="0">
+            <a:spAutoFit/>
+          </a:bodyPr>
+          <a:lstStyle/>
           <a:p>
             <a:r>
               <a:rPr lang="en-US" sz="1200" dirty="0" smtClean="0">
-                <a:latin typeface="Consolas" panose="020B0609020204030204" pitchFamily="49" charset="0"/>
-              </a:rPr>
-              <a:t>gets()</a:t>
-            </a:r>
-          </a:p>
-          <a:p>
-            <a:pPr marL="0" indent="0">
-              <a:buNone/>
-            </a:pPr>
-            <a:endParaRPr lang="en-US" sz="1800" i="1" dirty="0"/>
+                <a:solidFill>
+                  <a:srgbClr val="92D050"/>
+                </a:solidFill>
+              </a:rPr>
+              <a:t>Property Management</a:t>
+            </a:r>
+            <a:endParaRPr lang="en-US" sz="1200" dirty="0">
+              <a:solidFill>
+                <a:srgbClr val="92D050"/>
+              </a:solidFill>
+            </a:endParaRPr>
+          </a:p>
+        </p:txBody>
+      </p:sp>
+      <p:sp>
+        <p:nvSpPr>
+          <p:cNvPr id="11" name="TextBox 10"/>
+          <p:cNvSpPr txBox="1"/>
+          <p:nvPr/>
+        </p:nvSpPr>
+        <p:spPr>
+          <a:xfrm>
+            <a:off x="11065660" y="4822164"/>
+            <a:ext cx="530645" cy="276999"/>
+          </a:xfrm>
+          <a:prstGeom prst="rect">
+            <a:avLst/>
+          </a:prstGeom>
+          <a:noFill/>
+        </p:spPr>
+        <p:txBody>
+          <a:bodyPr wrap="square" rtlCol="0">
+            <a:spAutoFit/>
+          </a:bodyPr>
+          <a:lstStyle/>
+          <a:p>
+            <a:r>
+              <a:rPr lang="en-US" sz="1200" dirty="0" smtClean="0">
+                <a:solidFill>
+                  <a:srgbClr val="008080"/>
+                </a:solidFill>
+              </a:rPr>
+              <a:t>Jail</a:t>
+            </a:r>
+            <a:endParaRPr lang="en-US" sz="1200" dirty="0">
+              <a:solidFill>
+                <a:srgbClr val="008080"/>
+              </a:solidFill>
+            </a:endParaRPr>
           </a:p>
         </p:txBody>
       </p:sp>
@@ -5934,7 +9239,7 @@
               <a:rPr lang="en-US" dirty="0" err="1" smtClean="0">
                 <a:latin typeface="Consolas" panose="020B0609020204030204" pitchFamily="49" charset="0"/>
               </a:rPr>
-              <a:t>Card.cs</a:t>
+              <a:t>Player.cs</a:t>
             </a:r>
             <a:endParaRPr lang="en-US" dirty="0">
               <a:latin typeface="Consolas" panose="020B0609020204030204" pitchFamily="49" charset="0"/>
@@ -5954,8 +9259,8 @@
         </p:nvSpPr>
         <p:spPr>
           <a:xfrm>
-            <a:off x="838201" y="1825625"/>
-            <a:ext cx="4857520" cy="4839580"/>
+            <a:off x="680156" y="958194"/>
+            <a:ext cx="9212991" cy="5695721"/>
           </a:xfrm>
         </p:spPr>
         <p:txBody>
@@ -5963,18 +9268,6 @@
             <a:normAutofit/>
           </a:bodyPr>
           <a:lstStyle/>
-          <a:p>
-            <a:r>
-              <a:rPr lang="en-US" sz="1900" dirty="0" smtClean="0"/>
-              <a:t>Fully encapsulated OOP approach</a:t>
-            </a:r>
-          </a:p>
-          <a:p>
-            <a:pPr marL="0" indent="0">
-              <a:buNone/>
-            </a:pPr>
-            <a:endParaRPr lang="en-US" sz="1900" i="1" dirty="0" smtClean="0"/>
-          </a:p>
           <a:p>
             <a:pPr marL="0" indent="0">
               <a:lnSpc>
@@ -5983,307 +9276,651 @@
               <a:buNone/>
             </a:pPr>
             <a:r>
-              <a:rPr lang="en-US" sz="1900" i="1" dirty="0" smtClean="0"/>
-              <a:t>Attributes</a:t>
-            </a:r>
-          </a:p>
-          <a:p>
-            <a:r>
-              <a:rPr lang="en-US" sz="1200" dirty="0" smtClean="0">
-                <a:latin typeface="Consolas" panose="020B0609020204030204" pitchFamily="49" charset="0"/>
-              </a:rPr>
-              <a:t>private string tag</a:t>
-            </a:r>
-          </a:p>
-          <a:p>
-            <a:r>
-              <a:rPr lang="en-US" sz="1200" dirty="0" smtClean="0">
-                <a:latin typeface="Consolas" panose="020B0609020204030204" pitchFamily="49" charset="0"/>
-              </a:rPr>
-              <a:t>private string type</a:t>
-            </a:r>
-          </a:p>
-          <a:p>
-            <a:r>
-              <a:rPr lang="en-US" sz="1200" dirty="0" smtClean="0">
-                <a:latin typeface="Consolas" panose="020B0609020204030204" pitchFamily="49" charset="0"/>
-              </a:rPr>
-              <a:t>private string category</a:t>
-            </a:r>
-          </a:p>
-          <a:p>
-            <a:r>
-              <a:rPr lang="en-US" sz="1200" dirty="0" smtClean="0">
-                <a:latin typeface="Consolas" panose="020B0609020204030204" pitchFamily="49" charset="0"/>
-              </a:rPr>
-              <a:t>private string name</a:t>
-            </a:r>
-          </a:p>
-          <a:p>
-            <a:r>
-              <a:rPr lang="en-US" sz="1200" dirty="0" smtClean="0">
-                <a:latin typeface="Consolas" panose="020B0609020204030204" pitchFamily="49" charset="0"/>
-              </a:rPr>
-              <a:t>private string description</a:t>
-            </a:r>
-          </a:p>
-          <a:p>
-            <a:r>
-              <a:rPr lang="en-US" sz="1200" dirty="0" smtClean="0">
-                <a:latin typeface="Consolas" panose="020B0609020204030204" pitchFamily="49" charset="0"/>
-              </a:rPr>
-              <a:t>private </a:t>
-            </a:r>
-            <a:r>
-              <a:rPr lang="en-US" sz="1200" dirty="0" err="1" smtClean="0">
+              <a:rPr lang="en-US" sz="1900" i="1" dirty="0" smtClean="0">
+                <a:solidFill>
+                  <a:srgbClr val="92D050"/>
+                </a:solidFill>
+              </a:rPr>
+              <a:t>Methods (continued)</a:t>
+            </a:r>
+            <a:endParaRPr lang="en-US" sz="1900" i="1" dirty="0" smtClean="0">
+              <a:solidFill>
+                <a:srgbClr val="92D050"/>
+              </a:solidFill>
+            </a:endParaRPr>
+          </a:p>
+          <a:p>
+            <a:r>
+              <a:rPr lang="en-US" sz="1600" dirty="0">
+                <a:latin typeface="Consolas" panose="020B0609020204030204" pitchFamily="49" charset="0"/>
+              </a:rPr>
+              <a:t>void advance(</a:t>
+            </a:r>
+            <a:r>
+              <a:rPr lang="en-US" sz="1600" dirty="0" err="1">
                 <a:latin typeface="Consolas" panose="020B0609020204030204" pitchFamily="49" charset="0"/>
               </a:rPr>
               <a:t>int</a:t>
             </a:r>
             <a:r>
-              <a:rPr lang="en-US" sz="1200" dirty="0" smtClean="0">
-                <a:latin typeface="Consolas" panose="020B0609020204030204" pitchFamily="49" charset="0"/>
-              </a:rPr>
-              <a:t> effect</a:t>
-            </a:r>
-          </a:p>
-        </p:txBody>
-      </p:sp>
-      <p:sp>
-        <p:nvSpPr>
-          <p:cNvPr id="5" name="Content Placeholder 2"/>
-          <p:cNvSpPr txBox="1">
-            <a:spLocks/>
-          </p:cNvSpPr>
+              <a:rPr lang="en-US" sz="1600" dirty="0">
+                <a:latin typeface="Consolas" panose="020B0609020204030204" pitchFamily="49" charset="0"/>
+              </a:rPr>
+              <a:t> </a:t>
+            </a:r>
+            <a:r>
+              <a:rPr lang="en-US" sz="1600" dirty="0" err="1">
+                <a:latin typeface="Consolas" panose="020B0609020204030204" pitchFamily="49" charset="0"/>
+              </a:rPr>
+              <a:t>num_spaces</a:t>
+            </a:r>
+            <a:r>
+              <a:rPr lang="en-US" sz="1600" dirty="0">
+                <a:latin typeface="Consolas" panose="020B0609020204030204" pitchFamily="49" charset="0"/>
+              </a:rPr>
+              <a:t>)</a:t>
+            </a:r>
+          </a:p>
+          <a:p>
+            <a:r>
+              <a:rPr lang="en-US" sz="1600" dirty="0">
+                <a:latin typeface="Consolas" panose="020B0609020204030204" pitchFamily="49" charset="0"/>
+              </a:rPr>
+              <a:t>void </a:t>
+            </a:r>
+            <a:r>
+              <a:rPr lang="en-US" sz="1600" dirty="0" err="1">
+                <a:latin typeface="Consolas" panose="020B0609020204030204" pitchFamily="49" charset="0"/>
+              </a:rPr>
+              <a:t>send_property</a:t>
+            </a:r>
+            <a:r>
+              <a:rPr lang="en-US" sz="1600" dirty="0">
+                <a:latin typeface="Consolas" panose="020B0609020204030204" pitchFamily="49" charset="0"/>
+              </a:rPr>
+              <a:t>(Player p, Property property)</a:t>
+            </a:r>
+          </a:p>
+          <a:p>
+            <a:r>
+              <a:rPr lang="en-US" sz="1600" dirty="0">
+                <a:latin typeface="Consolas" panose="020B0609020204030204" pitchFamily="49" charset="0"/>
+              </a:rPr>
+              <a:t>void </a:t>
+            </a:r>
+            <a:r>
+              <a:rPr lang="en-US" sz="1600" dirty="0" err="1">
+                <a:latin typeface="Consolas" panose="020B0609020204030204" pitchFamily="49" charset="0"/>
+              </a:rPr>
+              <a:t>receive_property</a:t>
+            </a:r>
+            <a:r>
+              <a:rPr lang="en-US" sz="1600" dirty="0">
+                <a:latin typeface="Consolas" panose="020B0609020204030204" pitchFamily="49" charset="0"/>
+              </a:rPr>
+              <a:t>(Property property)</a:t>
+            </a:r>
+          </a:p>
+          <a:p>
+            <a:r>
+              <a:rPr lang="en-US" sz="1600" dirty="0">
+                <a:latin typeface="Consolas" panose="020B0609020204030204" pitchFamily="49" charset="0"/>
+              </a:rPr>
+              <a:t>void </a:t>
+            </a:r>
+            <a:r>
+              <a:rPr lang="en-US" sz="1600" dirty="0" err="1">
+                <a:latin typeface="Consolas" panose="020B0609020204030204" pitchFamily="49" charset="0"/>
+              </a:rPr>
+              <a:t>mortgage_property</a:t>
+            </a:r>
+            <a:r>
+              <a:rPr lang="en-US" sz="1600" dirty="0">
+                <a:latin typeface="Consolas" panose="020B0609020204030204" pitchFamily="49" charset="0"/>
+              </a:rPr>
+              <a:t>(Property property)</a:t>
+            </a:r>
+          </a:p>
+          <a:p>
+            <a:r>
+              <a:rPr lang="en-US" sz="1600" dirty="0">
+                <a:latin typeface="Consolas" panose="020B0609020204030204" pitchFamily="49" charset="0"/>
+              </a:rPr>
+              <a:t>void </a:t>
+            </a:r>
+            <a:r>
+              <a:rPr lang="en-US" sz="1600" dirty="0" err="1">
+                <a:latin typeface="Consolas" panose="020B0609020204030204" pitchFamily="49" charset="0"/>
+              </a:rPr>
+              <a:t>unmortgage_property</a:t>
+            </a:r>
+            <a:r>
+              <a:rPr lang="en-US" sz="1600" dirty="0">
+                <a:latin typeface="Consolas" panose="020B0609020204030204" pitchFamily="49" charset="0"/>
+              </a:rPr>
+              <a:t>(Property property)</a:t>
+            </a:r>
+          </a:p>
+          <a:p>
+            <a:r>
+              <a:rPr lang="en-US" sz="1600" dirty="0">
+                <a:latin typeface="Consolas" panose="020B0609020204030204" pitchFamily="49" charset="0"/>
+              </a:rPr>
+              <a:t>void </a:t>
+            </a:r>
+            <a:r>
+              <a:rPr lang="en-US" sz="1600" dirty="0" err="1" smtClean="0">
+                <a:latin typeface="Consolas" panose="020B0609020204030204" pitchFamily="49" charset="0"/>
+              </a:rPr>
+              <a:t>take_card_action</a:t>
+            </a:r>
+            <a:r>
+              <a:rPr lang="en-US" sz="1600" dirty="0" smtClean="0">
+                <a:latin typeface="Consolas" panose="020B0609020204030204" pitchFamily="49" charset="0"/>
+              </a:rPr>
+              <a:t>(Card </a:t>
+            </a:r>
+            <a:r>
+              <a:rPr lang="en-US" sz="1600" dirty="0" err="1" smtClean="0">
+                <a:latin typeface="Consolas" panose="020B0609020204030204" pitchFamily="49" charset="0"/>
+              </a:rPr>
+              <a:t>card</a:t>
+            </a:r>
+            <a:r>
+              <a:rPr lang="en-US" sz="1600" dirty="0" smtClean="0">
+                <a:latin typeface="Consolas" panose="020B0609020204030204" pitchFamily="49" charset="0"/>
+              </a:rPr>
+              <a:t>, ref List&lt;Player&gt; players, ref bool </a:t>
+            </a:r>
+            <a:r>
+              <a:rPr lang="en-US" sz="1600" dirty="0" err="1" smtClean="0">
+                <a:latin typeface="Consolas" panose="020B0609020204030204" pitchFamily="49" charset="0"/>
+              </a:rPr>
+              <a:t>has_moved</a:t>
+            </a:r>
+            <a:r>
+              <a:rPr lang="en-US" sz="1600" dirty="0" smtClean="0">
+                <a:latin typeface="Consolas" panose="020B0609020204030204" pitchFamily="49" charset="0"/>
+              </a:rPr>
+              <a:t>)</a:t>
+            </a:r>
+          </a:p>
+          <a:p>
+            <a:r>
+              <a:rPr lang="en-US" sz="1600" dirty="0" smtClean="0">
+                <a:latin typeface="Consolas" panose="020B0609020204030204" pitchFamily="49" charset="0"/>
+              </a:rPr>
+              <a:t>void </a:t>
+            </a:r>
+            <a:r>
+              <a:rPr lang="en-US" sz="1600" dirty="0" err="1" smtClean="0">
+                <a:latin typeface="Consolas" panose="020B0609020204030204" pitchFamily="49" charset="0"/>
+              </a:rPr>
+              <a:t>refresh_properties</a:t>
+            </a:r>
+            <a:r>
+              <a:rPr lang="en-US" sz="1600" dirty="0" smtClean="0">
+                <a:latin typeface="Consolas" panose="020B0609020204030204" pitchFamily="49" charset="0"/>
+              </a:rPr>
+              <a:t>()</a:t>
+            </a:r>
+          </a:p>
+          <a:p>
+            <a:r>
+              <a:rPr lang="en-US" sz="1600" dirty="0" smtClean="0">
+                <a:latin typeface="Consolas" panose="020B0609020204030204" pitchFamily="49" charset="0"/>
+              </a:rPr>
+              <a:t>void kill()</a:t>
+            </a:r>
+          </a:p>
+          <a:p>
+            <a:r>
+              <a:rPr lang="en-US" sz="1600" dirty="0" smtClean="0">
+                <a:latin typeface="Consolas" panose="020B0609020204030204" pitchFamily="49" charset="0"/>
+              </a:rPr>
+              <a:t>string override </a:t>
+            </a:r>
+            <a:r>
+              <a:rPr lang="en-US" sz="1600" dirty="0" err="1" smtClean="0">
+                <a:latin typeface="Consolas" panose="020B0609020204030204" pitchFamily="49" charset="0"/>
+              </a:rPr>
+              <a:t>ToString</a:t>
+            </a:r>
+            <a:r>
+              <a:rPr lang="en-US" sz="1600" dirty="0" smtClean="0">
+                <a:latin typeface="Consolas" panose="020B0609020204030204" pitchFamily="49" charset="0"/>
+              </a:rPr>
+              <a:t>()</a:t>
+            </a:r>
+            <a:endParaRPr lang="en-US" sz="1600" dirty="0">
+              <a:latin typeface="Consolas" panose="020B0609020204030204" pitchFamily="49" charset="0"/>
+            </a:endParaRPr>
+          </a:p>
+        </p:txBody>
+      </p:sp>
+      <p:sp>
+        <p:nvSpPr>
+          <p:cNvPr id="6" name="Rectangle 5"/>
+          <p:cNvSpPr/>
           <p:nvPr/>
         </p:nvSpPr>
         <p:spPr>
           <a:xfrm>
-            <a:off x="6496280" y="1825625"/>
-            <a:ext cx="4857520" cy="4351338"/>
+            <a:off x="680156" y="1388125"/>
+            <a:ext cx="9212991" cy="364475"/>
           </a:xfrm>
           <a:prstGeom prst="rect">
             <a:avLst/>
           </a:prstGeom>
-        </p:spPr>
-        <p:txBody>
-          <a:bodyPr vert="horz" lIns="91440" tIns="45720" rIns="91440" bIns="45720" rtlCol="0">
-            <a:normAutofit/>
+          <a:noFill/>
+          <a:ln>
+            <a:solidFill>
+              <a:srgbClr val="008080"/>
+            </a:solidFill>
+          </a:ln>
+        </p:spPr>
+        <p:style>
+          <a:lnRef idx="2">
+            <a:schemeClr val="accent1">
+              <a:shade val="50000"/>
+            </a:schemeClr>
+          </a:lnRef>
+          <a:fillRef idx="1">
+            <a:schemeClr val="accent1"/>
+          </a:fillRef>
+          <a:effectRef idx="0">
+            <a:schemeClr val="accent1"/>
+          </a:effectRef>
+          <a:fontRef idx="minor">
+            <a:schemeClr val="lt1"/>
+          </a:fontRef>
+        </p:style>
+        <p:txBody>
+          <a:bodyPr rtlCol="0" anchor="ctr"/>
+          <a:lstStyle/>
+          <a:p>
+            <a:pPr algn="ctr"/>
+            <a:endParaRPr lang="en-US"/>
+          </a:p>
+        </p:txBody>
+      </p:sp>
+      <p:sp>
+        <p:nvSpPr>
+          <p:cNvPr id="7" name="TextBox 6"/>
+          <p:cNvSpPr txBox="1"/>
+          <p:nvPr/>
+        </p:nvSpPr>
+        <p:spPr>
+          <a:xfrm>
+            <a:off x="9893147" y="1442420"/>
+            <a:ext cx="1264866" cy="276999"/>
+          </a:xfrm>
+          <a:prstGeom prst="rect">
+            <a:avLst/>
+          </a:prstGeom>
+          <a:noFill/>
+        </p:spPr>
+        <p:txBody>
+          <a:bodyPr wrap="square" rtlCol="0">
+            <a:spAutoFit/>
           </a:bodyPr>
-          <a:lstStyle>
-            <a:lvl1pPr marL="228600" indent="-228600" algn="l" defTabSz="914400" rtl="0" eaLnBrk="1" latinLnBrk="0" hangingPunct="1">
-              <a:lnSpc>
-                <a:spcPct val="90000"/>
-              </a:lnSpc>
-              <a:spcBef>
-                <a:spcPts val="1000"/>
-              </a:spcBef>
-              <a:buFont typeface="Arial" panose="020B0604020202020204" pitchFamily="34" charset="0"/>
-              <a:buChar char="•"/>
-              <a:defRPr sz="2800" kern="1200">
+          <a:lstStyle/>
+          <a:p>
+            <a:r>
+              <a:rPr lang="en-US" sz="1200" dirty="0" smtClean="0">
                 <a:solidFill>
-                  <a:schemeClr val="tx1"/>
+                  <a:srgbClr val="008080"/>
                 </a:solidFill>
-                <a:latin typeface="+mn-lt"/>
-                <a:ea typeface="+mn-ea"/>
-                <a:cs typeface="+mn-cs"/>
-              </a:defRPr>
-            </a:lvl1pPr>
-            <a:lvl2pPr marL="685800" indent="-228600" algn="l" defTabSz="914400" rtl="0" eaLnBrk="1" latinLnBrk="0" hangingPunct="1">
-              <a:lnSpc>
-                <a:spcPct val="90000"/>
-              </a:lnSpc>
-              <a:spcBef>
-                <a:spcPts val="500"/>
-              </a:spcBef>
-              <a:buFont typeface="Arial" panose="020B0604020202020204" pitchFamily="34" charset="0"/>
-              <a:buChar char="•"/>
-              <a:defRPr sz="2400" kern="1200">
+              </a:rPr>
+              <a:t>Game Dynamics</a:t>
+            </a:r>
+            <a:endParaRPr lang="en-US" sz="1200" dirty="0">
+              <a:solidFill>
+                <a:srgbClr val="008080"/>
+              </a:solidFill>
+            </a:endParaRPr>
+          </a:p>
+        </p:txBody>
+      </p:sp>
+      <p:sp>
+        <p:nvSpPr>
+          <p:cNvPr id="9" name="Rectangle 8"/>
+          <p:cNvSpPr/>
+          <p:nvPr/>
+        </p:nvSpPr>
+        <p:spPr>
+          <a:xfrm>
+            <a:off x="680156" y="1757575"/>
+            <a:ext cx="9212991" cy="680825"/>
+          </a:xfrm>
+          <a:prstGeom prst="rect">
+            <a:avLst/>
+          </a:prstGeom>
+          <a:noFill/>
+          <a:ln>
+            <a:solidFill>
+              <a:srgbClr val="92D050"/>
+            </a:solidFill>
+          </a:ln>
+        </p:spPr>
+        <p:style>
+          <a:lnRef idx="2">
+            <a:schemeClr val="accent1">
+              <a:shade val="50000"/>
+            </a:schemeClr>
+          </a:lnRef>
+          <a:fillRef idx="1">
+            <a:schemeClr val="accent1"/>
+          </a:fillRef>
+          <a:effectRef idx="0">
+            <a:schemeClr val="accent1"/>
+          </a:effectRef>
+          <a:fontRef idx="minor">
+            <a:schemeClr val="lt1"/>
+          </a:fontRef>
+        </p:style>
+        <p:txBody>
+          <a:bodyPr rtlCol="0" anchor="ctr"/>
+          <a:lstStyle/>
+          <a:p>
+            <a:pPr algn="ctr"/>
+            <a:endParaRPr lang="en-US">
+              <a:solidFill>
+                <a:srgbClr val="92D050"/>
+              </a:solidFill>
+            </a:endParaRPr>
+          </a:p>
+        </p:txBody>
+      </p:sp>
+      <p:sp>
+        <p:nvSpPr>
+          <p:cNvPr id="11" name="Rectangle 10"/>
+          <p:cNvSpPr/>
+          <p:nvPr/>
+        </p:nvSpPr>
+        <p:spPr>
+          <a:xfrm>
+            <a:off x="680156" y="2446020"/>
+            <a:ext cx="9212991" cy="680825"/>
+          </a:xfrm>
+          <a:prstGeom prst="rect">
+            <a:avLst/>
+          </a:prstGeom>
+          <a:noFill/>
+          <a:ln>
+            <a:solidFill>
+              <a:srgbClr val="008080"/>
+            </a:solidFill>
+          </a:ln>
+        </p:spPr>
+        <p:style>
+          <a:lnRef idx="2">
+            <a:schemeClr val="accent1">
+              <a:shade val="50000"/>
+            </a:schemeClr>
+          </a:lnRef>
+          <a:fillRef idx="1">
+            <a:schemeClr val="accent1"/>
+          </a:fillRef>
+          <a:effectRef idx="0">
+            <a:schemeClr val="accent1"/>
+          </a:effectRef>
+          <a:fontRef idx="minor">
+            <a:schemeClr val="lt1"/>
+          </a:fontRef>
+        </p:style>
+        <p:txBody>
+          <a:bodyPr rtlCol="0" anchor="ctr"/>
+          <a:lstStyle/>
+          <a:p>
+            <a:pPr algn="ctr"/>
+            <a:endParaRPr lang="en-US"/>
+          </a:p>
+        </p:txBody>
+      </p:sp>
+      <p:sp>
+        <p:nvSpPr>
+          <p:cNvPr id="12" name="Rectangle 11"/>
+          <p:cNvSpPr/>
+          <p:nvPr/>
+        </p:nvSpPr>
+        <p:spPr>
+          <a:xfrm>
+            <a:off x="680156" y="3139227"/>
+            <a:ext cx="9212991" cy="378355"/>
+          </a:xfrm>
+          <a:prstGeom prst="rect">
+            <a:avLst/>
+          </a:prstGeom>
+          <a:noFill/>
+          <a:ln>
+            <a:solidFill>
+              <a:srgbClr val="92D050"/>
+            </a:solidFill>
+          </a:ln>
+        </p:spPr>
+        <p:style>
+          <a:lnRef idx="2">
+            <a:schemeClr val="accent1">
+              <a:shade val="50000"/>
+            </a:schemeClr>
+          </a:lnRef>
+          <a:fillRef idx="1">
+            <a:schemeClr val="accent1"/>
+          </a:fillRef>
+          <a:effectRef idx="0">
+            <a:schemeClr val="accent1"/>
+          </a:effectRef>
+          <a:fontRef idx="minor">
+            <a:schemeClr val="lt1"/>
+          </a:fontRef>
+        </p:style>
+        <p:txBody>
+          <a:bodyPr rtlCol="0" anchor="ctr"/>
+          <a:lstStyle/>
+          <a:p>
+            <a:pPr algn="ctr"/>
+            <a:endParaRPr lang="en-US"/>
+          </a:p>
+        </p:txBody>
+      </p:sp>
+      <p:sp>
+        <p:nvSpPr>
+          <p:cNvPr id="13" name="Rectangle 12"/>
+          <p:cNvSpPr/>
+          <p:nvPr/>
+        </p:nvSpPr>
+        <p:spPr>
+          <a:xfrm>
+            <a:off x="680155" y="3528516"/>
+            <a:ext cx="9212991" cy="990144"/>
+          </a:xfrm>
+          <a:prstGeom prst="rect">
+            <a:avLst/>
+          </a:prstGeom>
+          <a:noFill/>
+          <a:ln>
+            <a:solidFill>
+              <a:srgbClr val="008080"/>
+            </a:solidFill>
+          </a:ln>
+        </p:spPr>
+        <p:style>
+          <a:lnRef idx="2">
+            <a:schemeClr val="accent1">
+              <a:shade val="50000"/>
+            </a:schemeClr>
+          </a:lnRef>
+          <a:fillRef idx="1">
+            <a:schemeClr val="accent1"/>
+          </a:fillRef>
+          <a:effectRef idx="0">
+            <a:schemeClr val="accent1"/>
+          </a:effectRef>
+          <a:fontRef idx="minor">
+            <a:schemeClr val="lt1"/>
+          </a:fontRef>
+        </p:style>
+        <p:txBody>
+          <a:bodyPr rtlCol="0" anchor="ctr"/>
+          <a:lstStyle/>
+          <a:p>
+            <a:pPr algn="ctr"/>
+            <a:endParaRPr lang="en-US"/>
+          </a:p>
+        </p:txBody>
+      </p:sp>
+      <p:sp>
+        <p:nvSpPr>
+          <p:cNvPr id="14" name="TextBox 13"/>
+          <p:cNvSpPr txBox="1"/>
+          <p:nvPr/>
+        </p:nvSpPr>
+        <p:spPr>
+          <a:xfrm>
+            <a:off x="9893147" y="1933226"/>
+            <a:ext cx="1264866" cy="276999"/>
+          </a:xfrm>
+          <a:prstGeom prst="rect">
+            <a:avLst/>
+          </a:prstGeom>
+          <a:noFill/>
+          <a:ln>
+            <a:noFill/>
+          </a:ln>
+        </p:spPr>
+        <p:txBody>
+          <a:bodyPr wrap="square" rtlCol="0">
+            <a:spAutoFit/>
+          </a:bodyPr>
+          <a:lstStyle/>
+          <a:p>
+            <a:r>
+              <a:rPr lang="en-US" sz="1200" dirty="0" smtClean="0">
                 <a:solidFill>
-                  <a:schemeClr val="tx1"/>
+                  <a:srgbClr val="92D050"/>
                 </a:solidFill>
-                <a:latin typeface="+mn-lt"/>
-                <a:ea typeface="+mn-ea"/>
-                <a:cs typeface="+mn-cs"/>
-              </a:defRPr>
-            </a:lvl2pPr>
-            <a:lvl3pPr marL="1143000" indent="-228600" algn="l" defTabSz="914400" rtl="0" eaLnBrk="1" latinLnBrk="0" hangingPunct="1">
-              <a:lnSpc>
-                <a:spcPct val="90000"/>
-              </a:lnSpc>
-              <a:spcBef>
-                <a:spcPts val="500"/>
-              </a:spcBef>
-              <a:buFont typeface="Arial" panose="020B0604020202020204" pitchFamily="34" charset="0"/>
-              <a:buChar char="•"/>
-              <a:defRPr sz="2000" kern="1200">
+              </a:rPr>
+              <a:t>Trading</a:t>
+            </a:r>
+            <a:endParaRPr lang="en-US" sz="1200" dirty="0">
+              <a:solidFill>
+                <a:srgbClr val="92D050"/>
+              </a:solidFill>
+            </a:endParaRPr>
+          </a:p>
+        </p:txBody>
+      </p:sp>
+      <p:sp>
+        <p:nvSpPr>
+          <p:cNvPr id="15" name="TextBox 14"/>
+          <p:cNvSpPr txBox="1"/>
+          <p:nvPr/>
+        </p:nvSpPr>
+        <p:spPr>
+          <a:xfrm>
+            <a:off x="9893147" y="2628279"/>
+            <a:ext cx="1264866" cy="276999"/>
+          </a:xfrm>
+          <a:prstGeom prst="rect">
+            <a:avLst/>
+          </a:prstGeom>
+          <a:noFill/>
+        </p:spPr>
+        <p:txBody>
+          <a:bodyPr wrap="square" rtlCol="0">
+            <a:spAutoFit/>
+          </a:bodyPr>
+          <a:lstStyle/>
+          <a:p>
+            <a:r>
+              <a:rPr lang="en-US" sz="1200" dirty="0" smtClean="0">
                 <a:solidFill>
-                  <a:schemeClr val="tx1"/>
+                  <a:srgbClr val="008080"/>
                 </a:solidFill>
-                <a:latin typeface="+mn-lt"/>
-                <a:ea typeface="+mn-ea"/>
-                <a:cs typeface="+mn-cs"/>
-              </a:defRPr>
-            </a:lvl3pPr>
-            <a:lvl4pPr marL="1600200" indent="-228600" algn="l" defTabSz="914400" rtl="0" eaLnBrk="1" latinLnBrk="0" hangingPunct="1">
-              <a:lnSpc>
-                <a:spcPct val="90000"/>
-              </a:lnSpc>
-              <a:spcBef>
-                <a:spcPts val="500"/>
-              </a:spcBef>
-              <a:buFont typeface="Arial" panose="020B0604020202020204" pitchFamily="34" charset="0"/>
-              <a:buChar char="•"/>
-              <a:defRPr sz="1800" kern="1200">
+              </a:rPr>
+              <a:t>Mortgaging</a:t>
+            </a:r>
+            <a:endParaRPr lang="en-US" sz="1200" dirty="0">
+              <a:solidFill>
+                <a:srgbClr val="008080"/>
+              </a:solidFill>
+            </a:endParaRPr>
+          </a:p>
+        </p:txBody>
+      </p:sp>
+      <p:sp>
+        <p:nvSpPr>
+          <p:cNvPr id="16" name="TextBox 15"/>
+          <p:cNvSpPr txBox="1"/>
+          <p:nvPr/>
+        </p:nvSpPr>
+        <p:spPr>
+          <a:xfrm>
+            <a:off x="9893147" y="3182896"/>
+            <a:ext cx="1264866" cy="276999"/>
+          </a:xfrm>
+          <a:prstGeom prst="rect">
+            <a:avLst/>
+          </a:prstGeom>
+          <a:noFill/>
+        </p:spPr>
+        <p:txBody>
+          <a:bodyPr wrap="square" rtlCol="0">
+            <a:spAutoFit/>
+          </a:bodyPr>
+          <a:lstStyle/>
+          <a:p>
+            <a:r>
+              <a:rPr lang="en-US" sz="1200" dirty="0" smtClean="0">
                 <a:solidFill>
-                  <a:schemeClr val="tx1"/>
+                  <a:srgbClr val="92D050"/>
                 </a:solidFill>
-                <a:latin typeface="+mn-lt"/>
-                <a:ea typeface="+mn-ea"/>
-                <a:cs typeface="+mn-cs"/>
-              </a:defRPr>
-            </a:lvl4pPr>
-            <a:lvl5pPr marL="2057400" indent="-228600" algn="l" defTabSz="914400" rtl="0" eaLnBrk="1" latinLnBrk="0" hangingPunct="1">
-              <a:lnSpc>
-                <a:spcPct val="90000"/>
-              </a:lnSpc>
-              <a:spcBef>
-                <a:spcPts val="500"/>
-              </a:spcBef>
-              <a:buFont typeface="Arial" panose="020B0604020202020204" pitchFamily="34" charset="0"/>
-              <a:buChar char="•"/>
-              <a:defRPr sz="1800" kern="1200">
+              </a:rPr>
+              <a:t>Chance/Chest</a:t>
+            </a:r>
+            <a:endParaRPr lang="en-US" sz="1200" dirty="0">
+              <a:solidFill>
+                <a:srgbClr val="92D050"/>
+              </a:solidFill>
+            </a:endParaRPr>
+          </a:p>
+        </p:txBody>
+      </p:sp>
+      <p:sp>
+        <p:nvSpPr>
+          <p:cNvPr id="17" name="TextBox 16"/>
+          <p:cNvSpPr txBox="1"/>
+          <p:nvPr/>
+        </p:nvSpPr>
+        <p:spPr>
+          <a:xfrm>
+            <a:off x="9893147" y="3831322"/>
+            <a:ext cx="1264866" cy="276999"/>
+          </a:xfrm>
+          <a:prstGeom prst="rect">
+            <a:avLst/>
+          </a:prstGeom>
+          <a:noFill/>
+        </p:spPr>
+        <p:txBody>
+          <a:bodyPr wrap="square" rtlCol="0">
+            <a:spAutoFit/>
+          </a:bodyPr>
+          <a:lstStyle/>
+          <a:p>
+            <a:r>
+              <a:rPr lang="en-US" sz="1200" dirty="0" smtClean="0">
                 <a:solidFill>
-                  <a:schemeClr val="tx1"/>
+                  <a:srgbClr val="008080"/>
                 </a:solidFill>
-                <a:latin typeface="+mn-lt"/>
-                <a:ea typeface="+mn-ea"/>
-                <a:cs typeface="+mn-cs"/>
-              </a:defRPr>
-            </a:lvl5pPr>
-            <a:lvl6pPr marL="2514600" indent="-228600" algn="l" defTabSz="914400" rtl="0" eaLnBrk="1" latinLnBrk="0" hangingPunct="1">
-              <a:lnSpc>
-                <a:spcPct val="90000"/>
-              </a:lnSpc>
-              <a:spcBef>
-                <a:spcPts val="500"/>
-              </a:spcBef>
-              <a:buFont typeface="Arial" panose="020B0604020202020204" pitchFamily="34" charset="0"/>
-              <a:buChar char="•"/>
-              <a:defRPr sz="1800" kern="1200">
-                <a:solidFill>
-                  <a:schemeClr val="tx1"/>
-                </a:solidFill>
-                <a:latin typeface="+mn-lt"/>
-                <a:ea typeface="+mn-ea"/>
-                <a:cs typeface="+mn-cs"/>
-              </a:defRPr>
-            </a:lvl6pPr>
-            <a:lvl7pPr marL="2971800" indent="-228600" algn="l" defTabSz="914400" rtl="0" eaLnBrk="1" latinLnBrk="0" hangingPunct="1">
-              <a:lnSpc>
-                <a:spcPct val="90000"/>
-              </a:lnSpc>
-              <a:spcBef>
-                <a:spcPts val="500"/>
-              </a:spcBef>
-              <a:buFont typeface="Arial" panose="020B0604020202020204" pitchFamily="34" charset="0"/>
-              <a:buChar char="•"/>
-              <a:defRPr sz="1800" kern="1200">
-                <a:solidFill>
-                  <a:schemeClr val="tx1"/>
-                </a:solidFill>
-                <a:latin typeface="+mn-lt"/>
-                <a:ea typeface="+mn-ea"/>
-                <a:cs typeface="+mn-cs"/>
-              </a:defRPr>
-            </a:lvl7pPr>
-            <a:lvl8pPr marL="3429000" indent="-228600" algn="l" defTabSz="914400" rtl="0" eaLnBrk="1" latinLnBrk="0" hangingPunct="1">
-              <a:lnSpc>
-                <a:spcPct val="90000"/>
-              </a:lnSpc>
-              <a:spcBef>
-                <a:spcPts val="500"/>
-              </a:spcBef>
-              <a:buFont typeface="Arial" panose="020B0604020202020204" pitchFamily="34" charset="0"/>
-              <a:buChar char="•"/>
-              <a:defRPr sz="1800" kern="1200">
-                <a:solidFill>
-                  <a:schemeClr val="tx1"/>
-                </a:solidFill>
-                <a:latin typeface="+mn-lt"/>
-                <a:ea typeface="+mn-ea"/>
-                <a:cs typeface="+mn-cs"/>
-              </a:defRPr>
-            </a:lvl8pPr>
-            <a:lvl9pPr marL="3886200" indent="-228600" algn="l" defTabSz="914400" rtl="0" eaLnBrk="1" latinLnBrk="0" hangingPunct="1">
-              <a:lnSpc>
-                <a:spcPct val="90000"/>
-              </a:lnSpc>
-              <a:spcBef>
-                <a:spcPts val="500"/>
-              </a:spcBef>
-              <a:buFont typeface="Arial" panose="020B0604020202020204" pitchFamily="34" charset="0"/>
-              <a:buChar char="•"/>
-              <a:defRPr sz="1800" kern="1200">
-                <a:solidFill>
-                  <a:schemeClr val="tx1"/>
-                </a:solidFill>
-                <a:latin typeface="+mn-lt"/>
-                <a:ea typeface="+mn-ea"/>
-                <a:cs typeface="+mn-cs"/>
-              </a:defRPr>
-            </a:lvl9pPr>
-          </a:lstStyle>
-          <a:p>
-            <a:pPr marL="0" indent="0">
-              <a:buNone/>
-            </a:pPr>
-            <a:endParaRPr lang="en-US" sz="1800" dirty="0" smtClean="0"/>
-          </a:p>
-          <a:p>
-            <a:pPr marL="0" indent="0">
-              <a:buNone/>
-            </a:pPr>
-            <a:endParaRPr lang="en-US" sz="1800" dirty="0" smtClean="0"/>
-          </a:p>
-          <a:p>
-            <a:pPr marL="0" indent="0">
-              <a:buNone/>
-            </a:pPr>
-            <a:r>
-              <a:rPr lang="en-US" sz="1800" i="1" dirty="0" smtClean="0"/>
-              <a:t>Methods</a:t>
-            </a:r>
-          </a:p>
-          <a:p>
-            <a:r>
-              <a:rPr lang="en-US" sz="1200" dirty="0">
-                <a:latin typeface="Consolas" panose="020B0609020204030204" pitchFamily="49" charset="0"/>
-              </a:rPr>
-              <a:t>s</a:t>
-            </a:r>
-            <a:r>
-              <a:rPr lang="en-US" sz="1200" dirty="0" smtClean="0">
-                <a:latin typeface="Consolas" panose="020B0609020204030204" pitchFamily="49" charset="0"/>
-              </a:rPr>
-              <a:t>ets()</a:t>
-            </a:r>
-          </a:p>
-          <a:p>
-            <a:r>
-              <a:rPr lang="en-US" sz="1200" dirty="0">
-                <a:latin typeface="Consolas" panose="020B0609020204030204" pitchFamily="49" charset="0"/>
-              </a:rPr>
-              <a:t>g</a:t>
-            </a:r>
-            <a:r>
-              <a:rPr lang="en-US" sz="1200" dirty="0" smtClean="0">
-                <a:latin typeface="Consolas" panose="020B0609020204030204" pitchFamily="49" charset="0"/>
-              </a:rPr>
-              <a:t>ets()</a:t>
+              </a:rPr>
+              <a:t>Helpers</a:t>
             </a:r>
             <a:endParaRPr lang="en-US" sz="1200" dirty="0">
-              <a:latin typeface="Consolas" panose="020B0609020204030204" pitchFamily="49" charset="0"/>
+              <a:solidFill>
+                <a:srgbClr val="008080"/>
+              </a:solidFill>
             </a:endParaRPr>
           </a:p>
         </p:txBody>
@@ -6291,7 +9928,7 @@
     </p:spTree>
     <p:extLst>
       <p:ext uri="{BB962C8B-B14F-4D97-AF65-F5344CB8AC3E}">
-        <p14:creationId xmlns:p14="http://schemas.microsoft.com/office/powerpoint/2010/main" val="551379827"/>
+        <p14:creationId xmlns:p14="http://schemas.microsoft.com/office/powerpoint/2010/main" val="1691973482"/>
       </p:ext>
     </p:extLst>
   </p:cSld>
@@ -6344,7 +9981,7 @@
               <a:rPr lang="en-US" dirty="0" err="1" smtClean="0">
                 <a:latin typeface="Consolas" panose="020B0609020204030204" pitchFamily="49" charset="0"/>
               </a:rPr>
-              <a:t>Program.cs</a:t>
+              <a:t>Card.cs</a:t>
             </a:r>
             <a:endParaRPr lang="en-US" dirty="0">
               <a:latin typeface="Consolas" panose="020B0609020204030204" pitchFamily="49" charset="0"/>
@@ -6354,7 +9991,7 @@
       </p:sp>
       <p:sp>
         <p:nvSpPr>
-          <p:cNvPr id="3" name="Content Placeholder 2"/>
+          <p:cNvPr id="4" name="Content Placeholder 2"/>
           <p:cNvSpPr>
             <a:spLocks noGrp="1"/>
           </p:cNvSpPr>
@@ -6362,405 +9999,285 @@
             <p:ph idx="1"/>
           </p:nvPr>
         </p:nvSpPr>
-        <p:spPr/>
+        <p:spPr>
+          <a:xfrm>
+            <a:off x="838201" y="821933"/>
+            <a:ext cx="4857520" cy="5843272"/>
+          </a:xfrm>
+        </p:spPr>
         <p:txBody>
           <a:bodyPr>
-            <a:normAutofit lnSpcReduction="10000"/>
+            <a:normAutofit/>
           </a:bodyPr>
           <a:lstStyle/>
           <a:p>
             <a:r>
-              <a:rPr lang="en-US" sz="1800" dirty="0" smtClean="0"/>
-              <a:t>Serves as main game manager class</a:t>
-            </a:r>
-          </a:p>
-          <a:p>
-            <a:pPr marL="342900" indent="-342900">
-              <a:buAutoNum type="arabicPeriod"/>
-            </a:pPr>
-            <a:r>
-              <a:rPr lang="en-US" sz="1800" dirty="0" smtClean="0"/>
-              <a:t>Declare static global level variables and constants</a:t>
-            </a:r>
-            <a:endParaRPr lang="en-US" sz="1800" dirty="0"/>
-          </a:p>
-          <a:p>
-            <a:pPr marL="342900" indent="-342900">
-              <a:buAutoNum type="arabicPeriod"/>
-            </a:pPr>
-            <a:r>
-              <a:rPr lang="en-US" sz="1800" dirty="0" smtClean="0"/>
-              <a:t>Parse board </a:t>
-            </a:r>
-            <a:r>
-              <a:rPr lang="en-US" sz="1800" dirty="0" smtClean="0">
-                <a:latin typeface="Consolas" panose="020B0609020204030204" pitchFamily="49" charset="0"/>
-              </a:rPr>
-              <a:t>(List&lt;Property&gt; board</a:t>
-            </a:r>
-            <a:r>
-              <a:rPr lang="en-US" sz="1800" dirty="0" smtClean="0"/>
-              <a:t>), cards</a:t>
-            </a:r>
-            <a:r>
-              <a:rPr lang="en-US" sz="1800" dirty="0" smtClean="0">
-                <a:latin typeface="+mj-lt"/>
-              </a:rPr>
-              <a:t> </a:t>
-            </a:r>
-            <a:r>
-              <a:rPr lang="en-US" sz="1800" dirty="0" smtClean="0">
-                <a:latin typeface="Consolas" panose="020B0609020204030204" pitchFamily="49" charset="0"/>
-              </a:rPr>
-              <a:t>(List&lt;Card&gt; chance, List&lt;Card&gt; chest)</a:t>
-            </a:r>
-            <a:r>
-              <a:rPr lang="en-US" sz="1800" dirty="0" smtClean="0"/>
-              <a:t>, graphics (string[] </a:t>
-            </a:r>
-            <a:r>
-              <a:rPr lang="en-US" sz="1800" dirty="0" err="1" smtClean="0"/>
-              <a:t>board_art</a:t>
-            </a:r>
-            <a:r>
-              <a:rPr lang="en-US" sz="1800" dirty="0"/>
-              <a:t>)</a:t>
-            </a:r>
-            <a:r>
-              <a:rPr lang="en-US" sz="1800" dirty="0" smtClean="0"/>
-              <a:t> and graphics indices </a:t>
-            </a:r>
-            <a:r>
-              <a:rPr lang="en-US" sz="1800" dirty="0" smtClean="0">
-                <a:latin typeface="Consolas" panose="020B0609020204030204" pitchFamily="49" charset="0"/>
-              </a:rPr>
-              <a:t>(List&lt;</a:t>
-            </a:r>
-            <a:r>
-              <a:rPr lang="en-US" sz="1800" dirty="0" err="1" smtClean="0">
-                <a:latin typeface="Consolas" panose="020B0609020204030204" pitchFamily="49" charset="0"/>
-              </a:rPr>
-              <a:t>int</a:t>
-            </a:r>
-            <a:r>
-              <a:rPr lang="en-US" sz="1800" dirty="0" smtClean="0">
-                <a:latin typeface="Consolas" panose="020B0609020204030204" pitchFamily="49" charset="0"/>
-              </a:rPr>
-              <a:t>[]&gt; </a:t>
-            </a:r>
-            <a:r>
-              <a:rPr lang="en-US" sz="1800" dirty="0" err="1" smtClean="0">
-                <a:latin typeface="Consolas" panose="020B0609020204030204" pitchFamily="49" charset="0"/>
-              </a:rPr>
-              <a:t>spaces_player</a:t>
-            </a:r>
-            <a:r>
-              <a:rPr lang="en-US" sz="1800" dirty="0" smtClean="0">
-                <a:latin typeface="Consolas" panose="020B0609020204030204" pitchFamily="49" charset="0"/>
-              </a:rPr>
-              <a:t>, </a:t>
-            </a:r>
-            <a:r>
-              <a:rPr lang="en-US" sz="1800" dirty="0" smtClean="0">
-                <a:latin typeface="Consolas" panose="020B0609020204030204" pitchFamily="49" charset="0"/>
-              </a:rPr>
-              <a:t>List&lt;</a:t>
-            </a:r>
-            <a:r>
-              <a:rPr lang="en-US" sz="1800" dirty="0" err="1" smtClean="0">
-                <a:latin typeface="Consolas" panose="020B0609020204030204" pitchFamily="49" charset="0"/>
-              </a:rPr>
-              <a:t>int</a:t>
-            </a:r>
-            <a:r>
-              <a:rPr lang="en-US" sz="1800" dirty="0" smtClean="0">
-                <a:latin typeface="Consolas" panose="020B0609020204030204" pitchFamily="49" charset="0"/>
-              </a:rPr>
-              <a:t>[]&gt; </a:t>
-            </a:r>
-            <a:r>
-              <a:rPr lang="en-US" sz="1800" dirty="0" err="1" smtClean="0">
-                <a:latin typeface="Consolas" panose="020B0609020204030204" pitchFamily="49" charset="0"/>
-              </a:rPr>
-              <a:t>spaces_houses</a:t>
-            </a:r>
-            <a:r>
-              <a:rPr lang="en-US" sz="1800" dirty="0" smtClean="0">
-                <a:latin typeface="Consolas" panose="020B0609020204030204" pitchFamily="49" charset="0"/>
-              </a:rPr>
-              <a:t>)</a:t>
-            </a:r>
-            <a:r>
-              <a:rPr lang="en-US" sz="1800" dirty="0" smtClean="0"/>
-              <a:t> into memory</a:t>
-            </a:r>
-          </a:p>
-          <a:p>
-            <a:pPr marL="342900" indent="-342900">
-              <a:buAutoNum type="arabicPeriod"/>
-            </a:pPr>
-            <a:r>
-              <a:rPr lang="en-US" sz="1800" dirty="0" smtClean="0"/>
-              <a:t>Configure basic game settings, create players &amp; determine starting order</a:t>
-            </a:r>
-          </a:p>
-          <a:p>
-            <a:pPr marL="342900" indent="-342900">
-              <a:buAutoNum type="arabicPeriod"/>
-            </a:pPr>
-            <a:r>
-              <a:rPr lang="en-US" sz="1800" dirty="0" smtClean="0"/>
-              <a:t>Run game until one player remains</a:t>
+              <a:rPr lang="en-US" sz="1900" dirty="0" smtClean="0"/>
+              <a:t>Fully encapsulated OOP approach</a:t>
             </a:r>
           </a:p>
           <a:p>
             <a:pPr marL="0" indent="0">
               <a:buNone/>
             </a:pPr>
-            <a:endParaRPr lang="en-US" sz="1800" dirty="0" smtClean="0"/>
-          </a:p>
-          <a:p>
-            <a:pPr marL="457200" lvl="1" indent="0">
+            <a:endParaRPr lang="en-US" sz="1900" i="1" dirty="0" smtClean="0"/>
+          </a:p>
+          <a:p>
+            <a:pPr marL="0" indent="0">
+              <a:lnSpc>
+                <a:spcPct val="120000"/>
+              </a:lnSpc>
               <a:buNone/>
             </a:pPr>
             <a:r>
-              <a:rPr lang="en-US" sz="1400" dirty="0"/>
-              <a:t>	</a:t>
-            </a:r>
-            <a:r>
-              <a:rPr lang="en-US" sz="1600" dirty="0" smtClean="0">
-                <a:latin typeface="Consolas" panose="020B0609020204030204" pitchFamily="49" charset="0"/>
-              </a:rPr>
-              <a:t>while (</a:t>
-            </a:r>
-            <a:r>
-              <a:rPr lang="en-US" sz="1600" dirty="0" err="1" smtClean="0">
-                <a:latin typeface="Consolas" panose="020B0609020204030204" pitchFamily="49" charset="0"/>
-              </a:rPr>
-              <a:t>players.Count</a:t>
-            </a:r>
-            <a:r>
-              <a:rPr lang="en-US" sz="1600" dirty="0" smtClean="0">
-                <a:latin typeface="Consolas" panose="020B0609020204030204" pitchFamily="49" charset="0"/>
-              </a:rPr>
-              <a:t> &gt; 1)</a:t>
-            </a:r>
-          </a:p>
-          <a:p>
-            <a:pPr marL="457200" lvl="1" indent="0">
-              <a:buNone/>
-            </a:pPr>
-            <a:r>
-              <a:rPr lang="en-US" sz="1600" dirty="0">
-                <a:latin typeface="Consolas" panose="020B0609020204030204" pitchFamily="49" charset="0"/>
-              </a:rPr>
-              <a:t>	</a:t>
-            </a:r>
-            <a:r>
-              <a:rPr lang="en-US" sz="1600" dirty="0" smtClean="0">
-                <a:latin typeface="Consolas" panose="020B0609020204030204" pitchFamily="49" charset="0"/>
-              </a:rPr>
-              <a:t>	</a:t>
-            </a:r>
-            <a:r>
-              <a:rPr lang="en-US" sz="1600" dirty="0" err="1" smtClean="0">
-                <a:latin typeface="Consolas" panose="020B0609020204030204" pitchFamily="49" charset="0"/>
-              </a:rPr>
-              <a:t>foreach</a:t>
-            </a:r>
-            <a:r>
-              <a:rPr lang="en-US" sz="1600" dirty="0" smtClean="0">
-                <a:latin typeface="Consolas" panose="020B0609020204030204" pitchFamily="49" charset="0"/>
-              </a:rPr>
-              <a:t> (Player p in players)</a:t>
-            </a:r>
-          </a:p>
-          <a:p>
-            <a:pPr marL="457200" lvl="1" indent="0">
-              <a:buNone/>
-            </a:pPr>
-            <a:r>
-              <a:rPr lang="en-US" sz="1600" dirty="0">
-                <a:latin typeface="Consolas" panose="020B0609020204030204" pitchFamily="49" charset="0"/>
-              </a:rPr>
-              <a:t>	</a:t>
-            </a:r>
-            <a:r>
-              <a:rPr lang="en-US" sz="1600" dirty="0" smtClean="0">
-                <a:latin typeface="Consolas" panose="020B0609020204030204" pitchFamily="49" charset="0"/>
-              </a:rPr>
-              <a:t>		while (!</a:t>
-            </a:r>
-            <a:r>
-              <a:rPr lang="en-US" sz="1600" dirty="0" err="1" smtClean="0">
-                <a:latin typeface="Consolas" panose="020B0609020204030204" pitchFamily="49" charset="0"/>
-              </a:rPr>
-              <a:t>turn_is_over</a:t>
-            </a:r>
-            <a:r>
-              <a:rPr lang="en-US" sz="1600" dirty="0" smtClean="0">
-                <a:latin typeface="Consolas" panose="020B0609020204030204" pitchFamily="49" charset="0"/>
-              </a:rPr>
-              <a:t>)</a:t>
-            </a:r>
-          </a:p>
-          <a:p>
-            <a:pPr marL="457200" lvl="1" indent="0">
-              <a:buNone/>
-            </a:pPr>
-            <a:r>
-              <a:rPr lang="en-US" sz="1600" dirty="0">
-                <a:latin typeface="Consolas" panose="020B0609020204030204" pitchFamily="49" charset="0"/>
-              </a:rPr>
-              <a:t>	</a:t>
-            </a:r>
-            <a:r>
-              <a:rPr lang="en-US" sz="1600" dirty="0" smtClean="0">
-                <a:latin typeface="Consolas" panose="020B0609020204030204" pitchFamily="49" charset="0"/>
-              </a:rPr>
-              <a:t>			</a:t>
-            </a:r>
-            <a:r>
-              <a:rPr lang="en-US" sz="1600" dirty="0" err="1" smtClean="0">
+              <a:rPr lang="en-US" sz="1900" i="1" dirty="0" smtClean="0">
                 <a:solidFill>
                   <a:srgbClr val="92D050"/>
                 </a:solidFill>
-                <a:latin typeface="Consolas" panose="020B0609020204030204" pitchFamily="49" charset="0"/>
-              </a:rPr>
-              <a:t>generate_options</a:t>
-            </a:r>
+              </a:rPr>
+              <a:t>Attributes</a:t>
+            </a:r>
+          </a:p>
+          <a:p>
             <a:r>
               <a:rPr lang="en-US" sz="1600" dirty="0" smtClean="0">
+                <a:latin typeface="Consolas" panose="020B0609020204030204" pitchFamily="49" charset="0"/>
+              </a:rPr>
+              <a:t>string </a:t>
+            </a:r>
+            <a:r>
+              <a:rPr lang="en-US" sz="1600" dirty="0" smtClean="0">
+                <a:latin typeface="Consolas" panose="020B0609020204030204" pitchFamily="49" charset="0"/>
+              </a:rPr>
+              <a:t>tag</a:t>
+            </a:r>
+          </a:p>
+          <a:p>
+            <a:r>
+              <a:rPr lang="en-US" sz="1600" dirty="0" smtClean="0">
+                <a:latin typeface="Consolas" panose="020B0609020204030204" pitchFamily="49" charset="0"/>
+              </a:rPr>
+              <a:t>string </a:t>
+            </a:r>
+            <a:r>
+              <a:rPr lang="en-US" sz="1600" dirty="0" smtClean="0">
+                <a:latin typeface="Consolas" panose="020B0609020204030204" pitchFamily="49" charset="0"/>
+              </a:rPr>
+              <a:t>type</a:t>
+            </a:r>
+          </a:p>
+          <a:p>
+            <a:r>
+              <a:rPr lang="en-US" sz="1600" dirty="0" smtClean="0">
+                <a:latin typeface="Consolas" panose="020B0609020204030204" pitchFamily="49" charset="0"/>
+              </a:rPr>
+              <a:t>string </a:t>
+            </a:r>
+            <a:r>
+              <a:rPr lang="en-US" sz="1600" dirty="0" smtClean="0">
+                <a:latin typeface="Consolas" panose="020B0609020204030204" pitchFamily="49" charset="0"/>
+              </a:rPr>
+              <a:t>category</a:t>
+            </a:r>
+          </a:p>
+          <a:p>
+            <a:r>
+              <a:rPr lang="en-US" sz="1600" dirty="0" smtClean="0">
+                <a:latin typeface="Consolas" panose="020B0609020204030204" pitchFamily="49" charset="0"/>
+              </a:rPr>
+              <a:t>string </a:t>
+            </a:r>
+            <a:r>
+              <a:rPr lang="en-US" sz="1600" dirty="0" smtClean="0">
+                <a:latin typeface="Consolas" panose="020B0609020204030204" pitchFamily="49" charset="0"/>
+              </a:rPr>
+              <a:t>name</a:t>
+            </a:r>
+          </a:p>
+          <a:p>
+            <a:r>
+              <a:rPr lang="en-US" sz="1600" dirty="0" smtClean="0">
+                <a:latin typeface="Consolas" panose="020B0609020204030204" pitchFamily="49" charset="0"/>
+              </a:rPr>
+              <a:t>string </a:t>
+            </a:r>
+            <a:r>
+              <a:rPr lang="en-US" sz="1600" dirty="0" smtClean="0">
+                <a:latin typeface="Consolas" panose="020B0609020204030204" pitchFamily="49" charset="0"/>
+              </a:rPr>
+              <a:t>description</a:t>
+            </a:r>
+          </a:p>
+          <a:p>
+            <a:r>
+              <a:rPr lang="en-US" sz="1600" dirty="0" err="1" smtClean="0">
+                <a:latin typeface="Consolas" panose="020B0609020204030204" pitchFamily="49" charset="0"/>
+              </a:rPr>
+              <a:t>int</a:t>
+            </a:r>
+            <a:r>
+              <a:rPr lang="en-US" sz="1600" dirty="0" smtClean="0">
+                <a:latin typeface="Consolas" panose="020B0609020204030204" pitchFamily="49" charset="0"/>
+              </a:rPr>
+              <a:t> effect</a:t>
+            </a:r>
+          </a:p>
+          <a:p>
+            <a:endParaRPr lang="en-US" sz="1200" dirty="0">
+              <a:latin typeface="Consolas" panose="020B0609020204030204" pitchFamily="49" charset="0"/>
+            </a:endParaRPr>
+          </a:p>
+          <a:p>
+            <a:pPr marL="0" indent="0">
+              <a:buNone/>
+            </a:pPr>
+            <a:r>
+              <a:rPr lang="en-US" sz="1800" i="1" dirty="0">
                 <a:solidFill>
                   <a:srgbClr val="92D050"/>
                 </a:solidFill>
+              </a:rPr>
+              <a:t>Methods</a:t>
+            </a:r>
+          </a:p>
+          <a:p>
+            <a:r>
+              <a:rPr lang="en-US" sz="1600" dirty="0">
+                <a:latin typeface="Consolas" panose="020B0609020204030204" pitchFamily="49" charset="0"/>
+              </a:rPr>
+              <a:t>sets()</a:t>
+            </a:r>
+          </a:p>
+          <a:p>
+            <a:r>
+              <a:rPr lang="en-US" sz="1600" dirty="0">
+                <a:latin typeface="Consolas" panose="020B0609020204030204" pitchFamily="49" charset="0"/>
+              </a:rPr>
+              <a:t>gets</a:t>
+            </a:r>
+            <a:r>
+              <a:rPr lang="en-US" sz="1600" dirty="0" smtClean="0">
                 <a:latin typeface="Consolas" panose="020B0609020204030204" pitchFamily="49" charset="0"/>
               </a:rPr>
               <a:t>()</a:t>
             </a:r>
           </a:p>
           <a:p>
-            <a:pPr marL="457200" lvl="1" indent="0">
-              <a:buNone/>
-            </a:pPr>
-            <a:r>
-              <a:rPr lang="en-US" sz="1600" dirty="0">
+            <a:r>
+              <a:rPr lang="en-US" sz="1600" dirty="0" smtClean="0">
+                <a:latin typeface="Consolas" panose="020B0609020204030204" pitchFamily="49" charset="0"/>
+              </a:rPr>
+              <a:t>string override </a:t>
+            </a:r>
+            <a:r>
+              <a:rPr lang="en-US" sz="1600" dirty="0" err="1" smtClean="0">
+                <a:latin typeface="Consolas" panose="020B0609020204030204" pitchFamily="49" charset="0"/>
+              </a:rPr>
+              <a:t>ToString</a:t>
+            </a:r>
+            <a:r>
+              <a:rPr lang="en-US" sz="1600" dirty="0" smtClean="0">
+                <a:latin typeface="Consolas" panose="020B0609020204030204" pitchFamily="49" charset="0"/>
+              </a:rPr>
+              <a:t>()</a:t>
+            </a:r>
+            <a:endParaRPr lang="en-US" sz="1600" dirty="0">
+              <a:latin typeface="Consolas" panose="020B0609020204030204" pitchFamily="49" charset="0"/>
+            </a:endParaRPr>
+          </a:p>
+          <a:p>
+            <a:endParaRPr lang="en-US" sz="1200" dirty="0" smtClean="0">
+              <a:latin typeface="Consolas" panose="020B0609020204030204" pitchFamily="49" charset="0"/>
+            </a:endParaRPr>
+          </a:p>
+        </p:txBody>
+      </p:sp>
+      <p:pic>
+        <p:nvPicPr>
+          <p:cNvPr id="1030" name="Picture 6" descr="Image result for community chest card monopoly"/>
+          <p:cNvPicPr>
+            <a:picLocks noChangeAspect="1" noChangeArrowheads="1"/>
+          </p:cNvPicPr>
+          <p:nvPr/>
+        </p:nvPicPr>
+        <p:blipFill>
+          <a:blip r:embed="rId2">
+            <a:extLst>
+              <a:ext uri="{28A0092B-C50C-407E-A947-70E740481C1C}">
+                <a14:useLocalDpi xmlns:a14="http://schemas.microsoft.com/office/drawing/2010/main" val="0"/>
+              </a:ext>
+            </a:extLst>
+          </a:blip>
+          <a:srcRect/>
+          <a:stretch>
+            <a:fillRect/>
+          </a:stretch>
+        </p:blipFill>
+        <p:spPr bwMode="auto">
+          <a:xfrm>
+            <a:off x="8987785" y="3268213"/>
+            <a:ext cx="2093205" cy="2930487"/>
+          </a:xfrm>
+          <a:prstGeom prst="rect">
+            <a:avLst/>
+          </a:prstGeom>
+          <a:noFill/>
+          <a:extLst>
+            <a:ext uri="{909E8E84-426E-40DD-AFC4-6F175D3DCCD1}">
+              <a14:hiddenFill xmlns:a14="http://schemas.microsoft.com/office/drawing/2010/main">
                 <a:solidFill>
-                  <a:srgbClr val="92D050"/>
+                  <a:srgbClr val="FFFFFF"/>
                 </a:solidFill>
-                <a:latin typeface="Consolas" panose="020B0609020204030204" pitchFamily="49" charset="0"/>
-              </a:rPr>
-              <a:t>	</a:t>
-            </a:r>
-            <a:r>
-              <a:rPr lang="en-US" sz="1600" dirty="0" smtClean="0">
+              </a14:hiddenFill>
+            </a:ext>
+          </a:extLst>
+        </p:spPr>
+      </p:pic>
+      <p:pic>
+        <p:nvPicPr>
+          <p:cNvPr id="1032" name="Picture 8" descr="Image result for chance card monopoly"/>
+          <p:cNvPicPr>
+            <a:picLocks noChangeAspect="1" noChangeArrowheads="1"/>
+          </p:cNvPicPr>
+          <p:nvPr/>
+        </p:nvPicPr>
+        <p:blipFill>
+          <a:blip r:embed="rId3" cstate="print">
+            <a:extLst>
+              <a:ext uri="{28A0092B-C50C-407E-A947-70E740481C1C}">
+                <a14:useLocalDpi xmlns:a14="http://schemas.microsoft.com/office/drawing/2010/main" val="0"/>
+              </a:ext>
+            </a:extLst>
+          </a:blip>
+          <a:srcRect/>
+          <a:stretch>
+            <a:fillRect/>
+          </a:stretch>
+        </p:blipFill>
+        <p:spPr bwMode="auto">
+          <a:xfrm>
+            <a:off x="6106628" y="804083"/>
+            <a:ext cx="2099633" cy="2939486"/>
+          </a:xfrm>
+          <a:prstGeom prst="rect">
+            <a:avLst/>
+          </a:prstGeom>
+          <a:noFill/>
+          <a:extLst>
+            <a:ext uri="{909E8E84-426E-40DD-AFC4-6F175D3DCCD1}">
+              <a14:hiddenFill xmlns:a14="http://schemas.microsoft.com/office/drawing/2010/main">
                 <a:solidFill>
-                  <a:srgbClr val="92D050"/>
+                  <a:srgbClr val="FFFFFF"/>
                 </a:solidFill>
-                <a:latin typeface="Consolas" panose="020B0609020204030204" pitchFamily="49" charset="0"/>
-              </a:rPr>
-              <a:t>			</a:t>
-            </a:r>
-            <a:r>
-              <a:rPr lang="en-US" sz="1600" dirty="0" err="1" smtClean="0">
-                <a:solidFill>
-                  <a:srgbClr val="92D050"/>
-                </a:solidFill>
-                <a:latin typeface="Consolas" panose="020B0609020204030204" pitchFamily="49" charset="0"/>
-              </a:rPr>
-              <a:t>take_action</a:t>
-            </a:r>
-            <a:r>
-              <a:rPr lang="en-US" sz="1600" dirty="0" smtClean="0">
-                <a:solidFill>
-                  <a:srgbClr val="92D050"/>
-                </a:solidFill>
-                <a:latin typeface="Consolas" panose="020B0609020204030204" pitchFamily="49" charset="0"/>
-              </a:rPr>
-              <a:t>()</a:t>
-            </a:r>
-          </a:p>
-          <a:p>
-            <a:pPr marL="457200" lvl="1" indent="0">
-              <a:buNone/>
-            </a:pPr>
-            <a:r>
-              <a:rPr lang="en-US" sz="1600" dirty="0">
-                <a:solidFill>
-                  <a:srgbClr val="92D050"/>
-                </a:solidFill>
-                <a:latin typeface="Consolas" panose="020B0609020204030204" pitchFamily="49" charset="0"/>
-              </a:rPr>
-              <a:t>	</a:t>
-            </a:r>
-            <a:r>
-              <a:rPr lang="en-US" sz="1600" dirty="0" smtClean="0">
-                <a:solidFill>
-                  <a:srgbClr val="92D050"/>
-                </a:solidFill>
-                <a:latin typeface="Consolas" panose="020B0609020204030204" pitchFamily="49" charset="0"/>
-              </a:rPr>
-              <a:t>			…</a:t>
-            </a:r>
-          </a:p>
-          <a:p>
-            <a:pPr marL="457200" lvl="1" indent="0">
-              <a:buNone/>
-            </a:pPr>
-            <a:r>
-              <a:rPr lang="en-US" sz="1600" dirty="0">
-                <a:solidFill>
-                  <a:srgbClr val="92D050"/>
-                </a:solidFill>
-                <a:latin typeface="Consolas" panose="020B0609020204030204" pitchFamily="49" charset="0"/>
-              </a:rPr>
-              <a:t>	</a:t>
-            </a:r>
-            <a:r>
-              <a:rPr lang="en-US" sz="1600" dirty="0" smtClean="0">
-                <a:solidFill>
-                  <a:srgbClr val="92D050"/>
-                </a:solidFill>
-                <a:latin typeface="Consolas" panose="020B0609020204030204" pitchFamily="49" charset="0"/>
-              </a:rPr>
-              <a:t>			</a:t>
-            </a:r>
-            <a:r>
-              <a:rPr lang="en-US" sz="1600" dirty="0" err="1" smtClean="0">
-                <a:solidFill>
-                  <a:srgbClr val="92D050"/>
-                </a:solidFill>
-                <a:latin typeface="Consolas" panose="020B0609020204030204" pitchFamily="49" charset="0"/>
-              </a:rPr>
-              <a:t>helper_methods</a:t>
-            </a:r>
-            <a:r>
-              <a:rPr lang="en-US" sz="1600" dirty="0" smtClean="0">
-                <a:solidFill>
-                  <a:srgbClr val="92D050"/>
-                </a:solidFill>
-                <a:latin typeface="Consolas" panose="020B0609020204030204" pitchFamily="49" charset="0"/>
-              </a:rPr>
-              <a:t>()</a:t>
-            </a:r>
-            <a:endParaRPr lang="en-US" sz="1600" dirty="0" smtClean="0">
-              <a:solidFill>
-                <a:srgbClr val="92D050"/>
-              </a:solidFill>
-            </a:endParaRPr>
-          </a:p>
-          <a:p>
-            <a:pPr marL="342900" indent="-342900">
-              <a:buAutoNum type="arabicPeriod"/>
-            </a:pPr>
-            <a:endParaRPr lang="en-US" sz="1800" dirty="0" smtClean="0"/>
-          </a:p>
-        </p:txBody>
-      </p:sp>
+              </a14:hiddenFill>
+            </a:ext>
+          </a:extLst>
+        </p:spPr>
+      </p:pic>
     </p:spTree>
     <p:extLst>
       <p:ext uri="{BB962C8B-B14F-4D97-AF65-F5344CB8AC3E}">
-        <p14:creationId xmlns:p14="http://schemas.microsoft.com/office/powerpoint/2010/main" val="3934986817"/>
+        <p14:creationId xmlns:p14="http://schemas.microsoft.com/office/powerpoint/2010/main" val="551379827"/>
       </p:ext>
     </p:extLst>
   </p:cSld>
@@ -6815,23 +10332,9 @@
               </a:rPr>
               <a:t>Program.cs</a:t>
             </a:r>
-            <a:r>
-              <a:rPr lang="en-US" dirty="0" smtClean="0">
-                <a:latin typeface="Consolas" panose="020B0609020204030204" pitchFamily="49" charset="0"/>
-              </a:rPr>
-              <a:t>: </a:t>
-            </a:r>
-            <a:r>
-              <a:rPr lang="en-US" dirty="0" err="1" smtClean="0">
-                <a:latin typeface="Consolas" panose="020B0609020204030204" pitchFamily="49" charset="0"/>
-              </a:rPr>
-              <a:t>generate_options</a:t>
-            </a:r>
-            <a:r>
-              <a:rPr lang="en-US" dirty="0" smtClean="0"/>
-              <a:t>()</a:t>
-            </a:r>
-            <a:endParaRPr lang="en-US" dirty="0"/>
+            <a:endParaRPr lang="en-US" dirty="0">
+              <a:latin typeface="Consolas" panose="020B0609020204030204" pitchFamily="49" charset="0"/>
+            </a:endParaRPr>
           </a:p>
         </p:txBody>
       </p:sp>
@@ -6845,138 +10348,497 @@
             <p:ph idx="1"/>
           </p:nvPr>
         </p:nvSpPr>
-        <p:spPr/>
+        <p:spPr>
+          <a:xfrm>
+            <a:off x="551762" y="1065460"/>
+            <a:ext cx="10515600" cy="5467542"/>
+          </a:xfrm>
+        </p:spPr>
         <p:txBody>
           <a:bodyPr>
-            <a:normAutofit/>
+            <a:normAutofit fontScale="92500" lnSpcReduction="20000"/>
           </a:bodyPr>
           <a:lstStyle/>
           <a:p>
             <a:r>
               <a:rPr lang="en-US" sz="1800" dirty="0" smtClean="0"/>
-              <a:t>Given player and associated contextual attributes, determines what actions a player may take</a:t>
-            </a:r>
-          </a:p>
-          <a:p>
-            <a:r>
-              <a:rPr lang="en-US" sz="1800" dirty="0" smtClean="0"/>
-              <a:t>Returns potential actions as a string array of constant literals</a:t>
-            </a:r>
-          </a:p>
-          <a:p>
-            <a:r>
-              <a:rPr lang="en-US" sz="1800" dirty="0" smtClean="0"/>
-              <a:t>User selects action from list; then, </a:t>
-            </a:r>
-            <a:r>
-              <a:rPr lang="en-US" sz="1800" dirty="0" err="1" smtClean="0">
+              <a:t>Serves as main game manager class</a:t>
+            </a:r>
+          </a:p>
+          <a:p>
+            <a:pPr marL="342900" indent="-342900">
+              <a:buAutoNum type="arabicPeriod"/>
+            </a:pPr>
+            <a:r>
+              <a:rPr lang="en-US" sz="1900" dirty="0" smtClean="0"/>
+              <a:t>Declare static global level variables and constants</a:t>
+            </a:r>
+            <a:endParaRPr lang="en-US" sz="1900" dirty="0"/>
+          </a:p>
+          <a:p>
+            <a:pPr marL="342900" indent="-342900">
+              <a:buAutoNum type="arabicPeriod"/>
+            </a:pPr>
+            <a:r>
+              <a:rPr lang="en-US" sz="1900" dirty="0" smtClean="0"/>
+              <a:t>Parse objects into memory from CSVs</a:t>
+            </a:r>
+          </a:p>
+          <a:p>
+            <a:pPr lvl="1"/>
+            <a:r>
+              <a:rPr lang="en-US" sz="1900" dirty="0" smtClean="0"/>
+              <a:t>board </a:t>
+            </a:r>
+            <a:r>
+              <a:rPr lang="en-US" sz="1900" dirty="0" smtClean="0">
+                <a:latin typeface="Consolas" panose="020B0609020204030204" pitchFamily="49" charset="0"/>
+              </a:rPr>
+              <a:t>(List&lt;Property&gt; board</a:t>
+            </a:r>
+            <a:r>
+              <a:rPr lang="en-US" sz="1900" dirty="0" smtClean="0"/>
+              <a:t>), </a:t>
+            </a:r>
+            <a:endParaRPr lang="en-US" sz="1900" dirty="0" smtClean="0"/>
+          </a:p>
+          <a:p>
+            <a:pPr lvl="1"/>
+            <a:r>
+              <a:rPr lang="en-US" sz="1900" dirty="0" smtClean="0"/>
+              <a:t>cards</a:t>
+            </a:r>
+            <a:r>
+              <a:rPr lang="en-US" sz="1900" dirty="0" smtClean="0">
+                <a:latin typeface="+mj-lt"/>
+              </a:rPr>
+              <a:t> </a:t>
+            </a:r>
+            <a:r>
+              <a:rPr lang="en-US" sz="1900" dirty="0" smtClean="0">
+                <a:latin typeface="Consolas" panose="020B0609020204030204" pitchFamily="49" charset="0"/>
+              </a:rPr>
+              <a:t>(List&lt;Card&gt; chance, List&lt;Card&gt; chest)</a:t>
+            </a:r>
+            <a:r>
+              <a:rPr lang="en-US" sz="1900" dirty="0" smtClean="0"/>
+              <a:t>, </a:t>
+            </a:r>
+            <a:endParaRPr lang="en-US" sz="1900" dirty="0" smtClean="0"/>
+          </a:p>
+          <a:p>
+            <a:pPr lvl="1"/>
+            <a:r>
+              <a:rPr lang="en-US" sz="1900" dirty="0" smtClean="0"/>
+              <a:t>graphics </a:t>
+            </a:r>
+            <a:r>
+              <a:rPr lang="en-US" sz="1900" dirty="0" smtClean="0"/>
+              <a:t>(string[] </a:t>
+            </a:r>
+            <a:r>
+              <a:rPr lang="en-US" sz="1900" dirty="0" err="1" smtClean="0"/>
+              <a:t>board_art</a:t>
+            </a:r>
+            <a:r>
+              <a:rPr lang="en-US" sz="1900" dirty="0" smtClean="0"/>
+              <a:t>), </a:t>
+            </a:r>
+            <a:r>
+              <a:rPr lang="en-US" sz="1900" dirty="0" smtClean="0"/>
+              <a:t>and </a:t>
+            </a:r>
+            <a:endParaRPr lang="en-US" sz="1900" dirty="0" smtClean="0"/>
+          </a:p>
+          <a:p>
+            <a:pPr lvl="1"/>
+            <a:r>
+              <a:rPr lang="en-US" sz="1900" dirty="0" smtClean="0"/>
+              <a:t>graphics </a:t>
+            </a:r>
+            <a:r>
+              <a:rPr lang="en-US" sz="1900" dirty="0" smtClean="0"/>
+              <a:t>indices </a:t>
+            </a:r>
+            <a:r>
+              <a:rPr lang="en-US" sz="1900" dirty="0" smtClean="0">
+                <a:latin typeface="Consolas" panose="020B0609020204030204" pitchFamily="49" charset="0"/>
+              </a:rPr>
+              <a:t>(List&lt;</a:t>
+            </a:r>
+            <a:r>
+              <a:rPr lang="en-US" sz="1900" dirty="0" err="1" smtClean="0">
+                <a:latin typeface="Consolas" panose="020B0609020204030204" pitchFamily="49" charset="0"/>
+              </a:rPr>
+              <a:t>int</a:t>
+            </a:r>
+            <a:r>
+              <a:rPr lang="en-US" sz="1900" dirty="0" smtClean="0">
+                <a:latin typeface="Consolas" panose="020B0609020204030204" pitchFamily="49" charset="0"/>
+              </a:rPr>
+              <a:t>[]&gt; </a:t>
+            </a:r>
+            <a:r>
+              <a:rPr lang="en-US" sz="1900" dirty="0" err="1" smtClean="0">
+                <a:latin typeface="Consolas" panose="020B0609020204030204" pitchFamily="49" charset="0"/>
+              </a:rPr>
+              <a:t>spaces_player</a:t>
+            </a:r>
+            <a:r>
+              <a:rPr lang="en-US" sz="1900" dirty="0" smtClean="0">
+                <a:latin typeface="Consolas" panose="020B0609020204030204" pitchFamily="49" charset="0"/>
+              </a:rPr>
+              <a:t>, List&lt;</a:t>
+            </a:r>
+            <a:r>
+              <a:rPr lang="en-US" sz="1900" dirty="0" err="1" smtClean="0">
+                <a:latin typeface="Consolas" panose="020B0609020204030204" pitchFamily="49" charset="0"/>
+              </a:rPr>
+              <a:t>int</a:t>
+            </a:r>
+            <a:r>
+              <a:rPr lang="en-US" sz="1900" dirty="0" smtClean="0">
+                <a:latin typeface="Consolas" panose="020B0609020204030204" pitchFamily="49" charset="0"/>
+              </a:rPr>
+              <a:t>[]&gt; </a:t>
+            </a:r>
+            <a:r>
+              <a:rPr lang="en-US" sz="1900" dirty="0" err="1" smtClean="0">
+                <a:latin typeface="Consolas" panose="020B0609020204030204" pitchFamily="49" charset="0"/>
+              </a:rPr>
+              <a:t>spaces_houses</a:t>
+            </a:r>
+            <a:r>
+              <a:rPr lang="en-US" sz="1900" dirty="0" smtClean="0">
+                <a:latin typeface="Consolas" panose="020B0609020204030204" pitchFamily="49" charset="0"/>
+              </a:rPr>
+              <a:t>)</a:t>
+            </a:r>
+            <a:endParaRPr lang="en-US" sz="1900" dirty="0" smtClean="0"/>
+          </a:p>
+          <a:p>
+            <a:pPr marL="342900" indent="-342900">
+              <a:buAutoNum type="arabicPeriod"/>
+            </a:pPr>
+            <a:r>
+              <a:rPr lang="en-US" sz="1900" dirty="0" smtClean="0"/>
+              <a:t>Configure basic game settings, create players &amp; determine starting order</a:t>
+            </a:r>
+          </a:p>
+          <a:p>
+            <a:pPr marL="342900" indent="-342900">
+              <a:buAutoNum type="arabicPeriod"/>
+            </a:pPr>
+            <a:r>
+              <a:rPr lang="en-US" sz="1900" dirty="0" smtClean="0"/>
+              <a:t>Run game until one player remains</a:t>
+            </a:r>
+          </a:p>
+          <a:p>
+            <a:pPr marL="0" indent="0">
+              <a:buNone/>
+            </a:pPr>
+            <a:endParaRPr lang="en-US" sz="1800" dirty="0" smtClean="0"/>
+          </a:p>
+          <a:p>
+            <a:pPr marL="457200" lvl="1" indent="0">
+              <a:buNone/>
+            </a:pPr>
+            <a:r>
+              <a:rPr lang="en-US" sz="1700" dirty="0" smtClean="0">
+                <a:solidFill>
+                  <a:srgbClr val="92D050"/>
+                </a:solidFill>
+                <a:latin typeface="Consolas" panose="020B0609020204030204" pitchFamily="49" charset="0"/>
+              </a:rPr>
+              <a:t>declare()</a:t>
+            </a:r>
+          </a:p>
+          <a:p>
+            <a:pPr marL="457200" lvl="1" indent="0">
+              <a:buNone/>
+            </a:pPr>
+            <a:r>
+              <a:rPr lang="en-US" sz="1700" dirty="0" smtClean="0">
+                <a:solidFill>
+                  <a:srgbClr val="92D050"/>
+                </a:solidFill>
+                <a:latin typeface="Consolas" panose="020B0609020204030204" pitchFamily="49" charset="0"/>
+              </a:rPr>
+              <a:t>parse()</a:t>
+            </a:r>
+          </a:p>
+          <a:p>
+            <a:pPr marL="457200" lvl="1" indent="0">
+              <a:buNone/>
+            </a:pPr>
+            <a:r>
+              <a:rPr lang="en-US" sz="1700" dirty="0" smtClean="0">
+                <a:solidFill>
+                  <a:srgbClr val="92D050"/>
+                </a:solidFill>
+                <a:latin typeface="Consolas" panose="020B0609020204030204" pitchFamily="49" charset="0"/>
+              </a:rPr>
+              <a:t>setup()</a:t>
+            </a:r>
+            <a:r>
+              <a:rPr lang="en-US" sz="1700" dirty="0">
+                <a:solidFill>
+                  <a:srgbClr val="92D050"/>
+                </a:solidFill>
+              </a:rPr>
+              <a:t>	</a:t>
+            </a:r>
+            <a:endParaRPr lang="en-US" sz="1700" dirty="0" smtClean="0">
+              <a:solidFill>
+                <a:srgbClr val="92D050"/>
+              </a:solidFill>
+            </a:endParaRPr>
+          </a:p>
+          <a:p>
+            <a:pPr marL="457200" lvl="1" indent="0">
+              <a:buNone/>
+            </a:pPr>
+            <a:r>
+              <a:rPr lang="en-US" sz="1700" dirty="0" smtClean="0">
+                <a:latin typeface="Consolas" panose="020B0609020204030204" pitchFamily="49" charset="0"/>
+              </a:rPr>
+              <a:t>while </a:t>
+            </a:r>
+            <a:r>
+              <a:rPr lang="en-US" sz="1700" dirty="0" smtClean="0">
+                <a:latin typeface="Consolas" panose="020B0609020204030204" pitchFamily="49" charset="0"/>
+              </a:rPr>
+              <a:t>(</a:t>
+            </a:r>
+            <a:r>
+              <a:rPr lang="en-US" sz="1700" dirty="0" err="1" smtClean="0">
+                <a:latin typeface="Consolas" panose="020B0609020204030204" pitchFamily="49" charset="0"/>
+              </a:rPr>
+              <a:t>players.Count</a:t>
+            </a:r>
+            <a:r>
+              <a:rPr lang="en-US" sz="1700" dirty="0" smtClean="0">
+                <a:latin typeface="Consolas" panose="020B0609020204030204" pitchFamily="49" charset="0"/>
+              </a:rPr>
+              <a:t> &gt; 1)</a:t>
+            </a:r>
+          </a:p>
+          <a:p>
+            <a:pPr marL="457200" lvl="1" indent="0">
+              <a:buNone/>
+            </a:pPr>
+            <a:r>
+              <a:rPr lang="en-US" sz="1700" dirty="0">
+                <a:latin typeface="Consolas" panose="020B0609020204030204" pitchFamily="49" charset="0"/>
+              </a:rPr>
+              <a:t>	</a:t>
+            </a:r>
+            <a:r>
+              <a:rPr lang="en-US" sz="1700" dirty="0" smtClean="0">
+                <a:latin typeface="Consolas" panose="020B0609020204030204" pitchFamily="49" charset="0"/>
+              </a:rPr>
+              <a:t>	</a:t>
+            </a:r>
+            <a:r>
+              <a:rPr lang="en-US" sz="1700" dirty="0" err="1" smtClean="0">
+                <a:latin typeface="Consolas" panose="020B0609020204030204" pitchFamily="49" charset="0"/>
+              </a:rPr>
+              <a:t>foreach</a:t>
+            </a:r>
+            <a:r>
+              <a:rPr lang="en-US" sz="1700" dirty="0" smtClean="0">
+                <a:latin typeface="Consolas" panose="020B0609020204030204" pitchFamily="49" charset="0"/>
+              </a:rPr>
+              <a:t> (Player p in players)</a:t>
+            </a:r>
+          </a:p>
+          <a:p>
+            <a:pPr marL="457200" lvl="1" indent="0">
+              <a:buNone/>
+            </a:pPr>
+            <a:r>
+              <a:rPr lang="en-US" sz="1700" dirty="0">
+                <a:latin typeface="Consolas" panose="020B0609020204030204" pitchFamily="49" charset="0"/>
+              </a:rPr>
+              <a:t>	</a:t>
+            </a:r>
+            <a:r>
+              <a:rPr lang="en-US" sz="1700" dirty="0" smtClean="0">
+                <a:latin typeface="Consolas" panose="020B0609020204030204" pitchFamily="49" charset="0"/>
+              </a:rPr>
+              <a:t>		while (!</a:t>
+            </a:r>
+            <a:r>
+              <a:rPr lang="en-US" sz="1700" dirty="0" err="1" smtClean="0">
+                <a:latin typeface="Consolas" panose="020B0609020204030204" pitchFamily="49" charset="0"/>
+              </a:rPr>
+              <a:t>turn_is_over</a:t>
+            </a:r>
+            <a:r>
+              <a:rPr lang="en-US" sz="1700" dirty="0" smtClean="0">
+                <a:latin typeface="Consolas" panose="020B0609020204030204" pitchFamily="49" charset="0"/>
+              </a:rPr>
+              <a:t>)</a:t>
+            </a:r>
+          </a:p>
+          <a:p>
+            <a:pPr marL="457200" lvl="1" indent="0">
+              <a:buNone/>
+            </a:pPr>
+            <a:r>
+              <a:rPr lang="en-US" sz="1700" dirty="0">
+                <a:latin typeface="Consolas" panose="020B0609020204030204" pitchFamily="49" charset="0"/>
+              </a:rPr>
+              <a:t>	</a:t>
+            </a:r>
+            <a:r>
+              <a:rPr lang="en-US" sz="1700" dirty="0" smtClean="0">
+                <a:latin typeface="Consolas" panose="020B0609020204030204" pitchFamily="49" charset="0"/>
+              </a:rPr>
+              <a:t>			</a:t>
+            </a:r>
+            <a:r>
+              <a:rPr lang="en-US" sz="1700" dirty="0" err="1" smtClean="0">
+                <a:solidFill>
+                  <a:srgbClr val="92D050"/>
+                </a:solidFill>
+                <a:latin typeface="Consolas" panose="020B0609020204030204" pitchFamily="49" charset="0"/>
+              </a:rPr>
+              <a:t>generate_options</a:t>
+            </a:r>
+            <a:r>
+              <a:rPr lang="en-US" sz="1700" dirty="0" smtClean="0">
+                <a:solidFill>
+                  <a:srgbClr val="92D050"/>
+                </a:solidFill>
+                <a:latin typeface="Consolas" panose="020B0609020204030204" pitchFamily="49" charset="0"/>
+              </a:rPr>
+              <a:t>()</a:t>
+            </a:r>
+          </a:p>
+          <a:p>
+            <a:pPr marL="457200" lvl="1" indent="0">
+              <a:buNone/>
+            </a:pPr>
+            <a:r>
+              <a:rPr lang="en-US" sz="1700" dirty="0">
+                <a:solidFill>
+                  <a:srgbClr val="92D050"/>
+                </a:solidFill>
+                <a:latin typeface="Consolas" panose="020B0609020204030204" pitchFamily="49" charset="0"/>
+              </a:rPr>
+              <a:t>	</a:t>
+            </a:r>
+            <a:r>
+              <a:rPr lang="en-US" sz="1700" dirty="0" smtClean="0">
+                <a:solidFill>
+                  <a:srgbClr val="92D050"/>
+                </a:solidFill>
+                <a:latin typeface="Consolas" panose="020B0609020204030204" pitchFamily="49" charset="0"/>
+              </a:rPr>
+              <a:t>			</a:t>
+            </a:r>
+            <a:r>
+              <a:rPr lang="en-US" sz="1700" dirty="0" err="1" smtClean="0">
+                <a:solidFill>
+                  <a:srgbClr val="92D050"/>
+                </a:solidFill>
                 <a:latin typeface="Consolas" panose="020B0609020204030204" pitchFamily="49" charset="0"/>
               </a:rPr>
               <a:t>take_action</a:t>
             </a:r>
             <a:r>
-              <a:rPr lang="en-US" sz="1800" dirty="0" smtClean="0">
-                <a:latin typeface="Consolas" panose="020B0609020204030204" pitchFamily="49" charset="0"/>
-              </a:rPr>
-              <a:t>() </a:t>
-            </a:r>
-            <a:r>
-              <a:rPr lang="en-US" sz="1800" dirty="0" smtClean="0"/>
-              <a:t>is called</a:t>
-            </a:r>
-          </a:p>
-          <a:p>
-            <a:r>
-              <a:rPr lang="en-US" sz="1800" dirty="0" smtClean="0"/>
-              <a:t>Input parameters:</a:t>
-            </a:r>
-          </a:p>
-          <a:p>
-            <a:pPr lvl="1"/>
-            <a:r>
-              <a:rPr lang="en-US" sz="1400" dirty="0" smtClean="0">
-                <a:latin typeface="Consolas" panose="020B0609020204030204" pitchFamily="49" charset="0"/>
-              </a:rPr>
-              <a:t>Player p</a:t>
-            </a:r>
-          </a:p>
-          <a:p>
-            <a:pPr lvl="1"/>
-            <a:r>
-              <a:rPr lang="en-US" sz="1400" dirty="0" smtClean="0">
-                <a:latin typeface="Consolas" panose="020B0609020204030204" pitchFamily="49" charset="0"/>
-              </a:rPr>
-              <a:t>bool </a:t>
-            </a:r>
-            <a:r>
-              <a:rPr lang="en-US" sz="1400" dirty="0" err="1" smtClean="0">
-                <a:latin typeface="Consolas" panose="020B0609020204030204" pitchFamily="49" charset="0"/>
-              </a:rPr>
-              <a:t>turn_is_over</a:t>
-            </a:r>
-            <a:endParaRPr lang="en-US" sz="1400" dirty="0" smtClean="0">
-              <a:latin typeface="Consolas" panose="020B0609020204030204" pitchFamily="49" charset="0"/>
+              <a:rPr lang="en-US" sz="1700" dirty="0" smtClean="0">
+                <a:solidFill>
+                  <a:srgbClr val="92D050"/>
+                </a:solidFill>
+                <a:latin typeface="Consolas" panose="020B0609020204030204" pitchFamily="49" charset="0"/>
+              </a:rPr>
+              <a:t>()</a:t>
+            </a:r>
+          </a:p>
+          <a:p>
+            <a:pPr marL="457200" lvl="1" indent="0">
+              <a:buNone/>
+            </a:pPr>
+            <a:r>
+              <a:rPr lang="en-US" sz="1700" dirty="0">
+                <a:solidFill>
+                  <a:srgbClr val="92D050"/>
+                </a:solidFill>
+                <a:latin typeface="Consolas" panose="020B0609020204030204" pitchFamily="49" charset="0"/>
+              </a:rPr>
+              <a:t>	</a:t>
+            </a:r>
+            <a:r>
+              <a:rPr lang="en-US" sz="1700" dirty="0" smtClean="0">
+                <a:solidFill>
+                  <a:srgbClr val="92D050"/>
+                </a:solidFill>
+                <a:latin typeface="Consolas" panose="020B0609020204030204" pitchFamily="49" charset="0"/>
+              </a:rPr>
+              <a:t>			…</a:t>
+            </a:r>
+          </a:p>
+          <a:p>
+            <a:pPr marL="457200" lvl="1" indent="0">
+              <a:buNone/>
+            </a:pPr>
+            <a:r>
+              <a:rPr lang="en-US" sz="1700" dirty="0">
+                <a:solidFill>
+                  <a:srgbClr val="92D050"/>
+                </a:solidFill>
+                <a:latin typeface="Consolas" panose="020B0609020204030204" pitchFamily="49" charset="0"/>
+              </a:rPr>
+              <a:t>	</a:t>
+            </a:r>
+            <a:r>
+              <a:rPr lang="en-US" sz="1700" dirty="0" smtClean="0">
+                <a:solidFill>
+                  <a:srgbClr val="92D050"/>
+                </a:solidFill>
+                <a:latin typeface="Consolas" panose="020B0609020204030204" pitchFamily="49" charset="0"/>
+              </a:rPr>
+              <a:t>			</a:t>
+            </a:r>
+            <a:r>
+              <a:rPr lang="en-US" sz="1700" dirty="0" err="1" smtClean="0">
+                <a:solidFill>
+                  <a:srgbClr val="92D050"/>
+                </a:solidFill>
+                <a:latin typeface="Consolas" panose="020B0609020204030204" pitchFamily="49" charset="0"/>
+              </a:rPr>
+              <a:t>helper_methods</a:t>
+            </a:r>
+            <a:r>
+              <a:rPr lang="en-US" sz="1700" dirty="0" smtClean="0">
+                <a:solidFill>
+                  <a:srgbClr val="92D050"/>
+                </a:solidFill>
+                <a:latin typeface="Consolas" panose="020B0609020204030204" pitchFamily="49" charset="0"/>
+              </a:rPr>
+              <a:t>()</a:t>
+            </a:r>
+            <a:endParaRPr lang="en-US" sz="1700" dirty="0" smtClean="0">
+              <a:solidFill>
+                <a:srgbClr val="92D050"/>
+              </a:solidFill>
             </a:endParaRPr>
           </a:p>
           <a:p>
-            <a:pPr lvl="1"/>
-            <a:r>
-              <a:rPr lang="en-US" sz="1400" dirty="0" smtClean="0">
-                <a:latin typeface="Consolas" panose="020B0609020204030204" pitchFamily="49" charset="0"/>
-              </a:rPr>
-              <a:t>bool </a:t>
-            </a:r>
-            <a:r>
-              <a:rPr lang="en-US" sz="1400" dirty="0" err="1" smtClean="0">
-                <a:latin typeface="Consolas" panose="020B0609020204030204" pitchFamily="49" charset="0"/>
-              </a:rPr>
-              <a:t>has_rolled</a:t>
-            </a:r>
-            <a:endParaRPr lang="en-US" sz="1400" dirty="0" smtClean="0">
-              <a:latin typeface="Consolas" panose="020B0609020204030204" pitchFamily="49" charset="0"/>
-            </a:endParaRPr>
-          </a:p>
-          <a:p>
-            <a:pPr lvl="1"/>
-            <a:r>
-              <a:rPr lang="en-US" sz="1400" dirty="0" smtClean="0">
-                <a:latin typeface="Consolas" panose="020B0609020204030204" pitchFamily="49" charset="0"/>
-              </a:rPr>
-              <a:t>bool </a:t>
-            </a:r>
-            <a:r>
-              <a:rPr lang="en-US" sz="1400" dirty="0" err="1" smtClean="0">
-                <a:latin typeface="Consolas" panose="020B0609020204030204" pitchFamily="49" charset="0"/>
-              </a:rPr>
-              <a:t>rent_paid</a:t>
-            </a:r>
-            <a:endParaRPr lang="en-US" sz="1400" dirty="0" smtClean="0">
-              <a:latin typeface="Consolas" panose="020B0609020204030204" pitchFamily="49" charset="0"/>
-            </a:endParaRPr>
-          </a:p>
-          <a:p>
-            <a:r>
-              <a:rPr lang="en-US" sz="1800" dirty="0" smtClean="0">
-                <a:latin typeface="+mj-lt"/>
-              </a:rPr>
-              <a:t>Output</a:t>
-            </a:r>
-          </a:p>
-          <a:p>
-            <a:pPr lvl="1"/>
-            <a:r>
-              <a:rPr lang="en-US" sz="1400" dirty="0" smtClean="0">
-                <a:latin typeface="Consolas" panose="020B0609020204030204" pitchFamily="49" charset="0"/>
-              </a:rPr>
-              <a:t>List&lt;string&gt; options</a:t>
-            </a:r>
+            <a:pPr marL="342900" indent="-342900">
+              <a:buAutoNum type="arabicPeriod"/>
+            </a:pPr>
+            <a:endParaRPr lang="en-US" sz="1800" dirty="0" smtClean="0"/>
           </a:p>
         </p:txBody>
       </p:sp>
     </p:spTree>
     <p:extLst>
       <p:ext uri="{BB962C8B-B14F-4D97-AF65-F5344CB8AC3E}">
-        <p14:creationId xmlns:p14="http://schemas.microsoft.com/office/powerpoint/2010/main" val="188299604"/>
+        <p14:creationId xmlns:p14="http://schemas.microsoft.com/office/powerpoint/2010/main" val="3934986817"/>
       </p:ext>
     </p:extLst>
   </p:cSld>
@@ -7012,6 +10874,240 @@
       </p:grpSpPr>
       <p:sp>
         <p:nvSpPr>
+          <p:cNvPr id="19" name="TextBox 18"/>
+          <p:cNvSpPr txBox="1"/>
+          <p:nvPr/>
+        </p:nvSpPr>
+        <p:spPr>
+          <a:xfrm>
+            <a:off x="7096864" y="4285869"/>
+            <a:ext cx="2958917" cy="369332"/>
+          </a:xfrm>
+          <a:prstGeom prst="rect">
+            <a:avLst/>
+          </a:prstGeom>
+          <a:solidFill>
+            <a:srgbClr val="92D050"/>
+          </a:solidFill>
+          <a:ln>
+            <a:solidFill>
+              <a:schemeClr val="bg1">
+                <a:lumMod val="50000"/>
+                <a:lumOff val="50000"/>
+              </a:schemeClr>
+            </a:solidFill>
+          </a:ln>
+        </p:spPr>
+        <p:txBody>
+          <a:bodyPr wrap="square" rtlCol="0">
+            <a:spAutoFit/>
+          </a:bodyPr>
+          <a:lstStyle/>
+          <a:p>
+            <a:pPr algn="ctr"/>
+            <a:endParaRPr lang="en-US" dirty="0">
+              <a:latin typeface="Consolas" panose="020B0609020204030204" pitchFamily="49" charset="0"/>
+            </a:endParaRPr>
+          </a:p>
+        </p:txBody>
+      </p:sp>
+      <p:sp>
+        <p:nvSpPr>
+          <p:cNvPr id="20" name="TextBox 19"/>
+          <p:cNvSpPr txBox="1"/>
+          <p:nvPr/>
+        </p:nvSpPr>
+        <p:spPr>
+          <a:xfrm>
+            <a:off x="6944464" y="4133469"/>
+            <a:ext cx="2958917" cy="369332"/>
+          </a:xfrm>
+          <a:prstGeom prst="rect">
+            <a:avLst/>
+          </a:prstGeom>
+          <a:solidFill>
+            <a:srgbClr val="92D050"/>
+          </a:solidFill>
+          <a:ln>
+            <a:solidFill>
+              <a:schemeClr val="bg1">
+                <a:lumMod val="50000"/>
+                <a:lumOff val="50000"/>
+              </a:schemeClr>
+            </a:solidFill>
+          </a:ln>
+        </p:spPr>
+        <p:txBody>
+          <a:bodyPr wrap="square" rtlCol="0">
+            <a:spAutoFit/>
+          </a:bodyPr>
+          <a:lstStyle/>
+          <a:p>
+            <a:pPr algn="ctr"/>
+            <a:endParaRPr lang="en-US" dirty="0">
+              <a:latin typeface="Consolas" panose="020B0609020204030204" pitchFamily="49" charset="0"/>
+            </a:endParaRPr>
+          </a:p>
+        </p:txBody>
+      </p:sp>
+      <p:sp>
+        <p:nvSpPr>
+          <p:cNvPr id="17" name="TextBox 16"/>
+          <p:cNvSpPr txBox="1"/>
+          <p:nvPr/>
+        </p:nvSpPr>
+        <p:spPr>
+          <a:xfrm>
+            <a:off x="7096864" y="2766293"/>
+            <a:ext cx="2958917" cy="369332"/>
+          </a:xfrm>
+          <a:prstGeom prst="rect">
+            <a:avLst/>
+          </a:prstGeom>
+          <a:solidFill>
+            <a:srgbClr val="92D050"/>
+          </a:solidFill>
+          <a:ln>
+            <a:solidFill>
+              <a:schemeClr val="bg1">
+                <a:lumMod val="50000"/>
+                <a:lumOff val="50000"/>
+              </a:schemeClr>
+            </a:solidFill>
+          </a:ln>
+        </p:spPr>
+        <p:txBody>
+          <a:bodyPr wrap="square" rtlCol="0">
+            <a:spAutoFit/>
+          </a:bodyPr>
+          <a:lstStyle/>
+          <a:p>
+            <a:pPr algn="ctr"/>
+            <a:endParaRPr lang="en-US" dirty="0">
+              <a:latin typeface="Consolas" panose="020B0609020204030204" pitchFamily="49" charset="0"/>
+            </a:endParaRPr>
+          </a:p>
+        </p:txBody>
+      </p:sp>
+      <p:sp>
+        <p:nvSpPr>
+          <p:cNvPr id="18" name="TextBox 17"/>
+          <p:cNvSpPr txBox="1"/>
+          <p:nvPr/>
+        </p:nvSpPr>
+        <p:spPr>
+          <a:xfrm>
+            <a:off x="6944464" y="2613893"/>
+            <a:ext cx="2958917" cy="369332"/>
+          </a:xfrm>
+          <a:prstGeom prst="rect">
+            <a:avLst/>
+          </a:prstGeom>
+          <a:solidFill>
+            <a:srgbClr val="92D050"/>
+          </a:solidFill>
+          <a:ln>
+            <a:solidFill>
+              <a:schemeClr val="bg1">
+                <a:lumMod val="50000"/>
+                <a:lumOff val="50000"/>
+              </a:schemeClr>
+            </a:solidFill>
+          </a:ln>
+        </p:spPr>
+        <p:txBody>
+          <a:bodyPr wrap="square" rtlCol="0">
+            <a:spAutoFit/>
+          </a:bodyPr>
+          <a:lstStyle/>
+          <a:p>
+            <a:pPr algn="ctr"/>
+            <a:endParaRPr lang="en-US" dirty="0">
+              <a:latin typeface="Consolas" panose="020B0609020204030204" pitchFamily="49" charset="0"/>
+            </a:endParaRPr>
+          </a:p>
+        </p:txBody>
+      </p:sp>
+      <p:sp>
+        <p:nvSpPr>
+          <p:cNvPr id="14" name="TextBox 13"/>
+          <p:cNvSpPr txBox="1"/>
+          <p:nvPr/>
+        </p:nvSpPr>
+        <p:spPr>
+          <a:xfrm>
+            <a:off x="7096864" y="1386667"/>
+            <a:ext cx="2958917" cy="369332"/>
+          </a:xfrm>
+          <a:prstGeom prst="rect">
+            <a:avLst/>
+          </a:prstGeom>
+          <a:solidFill>
+            <a:srgbClr val="92D050"/>
+          </a:solidFill>
+          <a:ln>
+            <a:solidFill>
+              <a:schemeClr val="bg1">
+                <a:lumMod val="50000"/>
+                <a:lumOff val="50000"/>
+              </a:schemeClr>
+            </a:solidFill>
+          </a:ln>
+        </p:spPr>
+        <p:txBody>
+          <a:bodyPr wrap="square" rtlCol="0">
+            <a:spAutoFit/>
+          </a:bodyPr>
+          <a:lstStyle/>
+          <a:p>
+            <a:pPr algn="ctr"/>
+            <a:endParaRPr lang="en-US" dirty="0">
+              <a:latin typeface="Consolas" panose="020B0609020204030204" pitchFamily="49" charset="0"/>
+            </a:endParaRPr>
+          </a:p>
+        </p:txBody>
+      </p:sp>
+      <p:sp>
+        <p:nvSpPr>
+          <p:cNvPr id="12" name="TextBox 11"/>
+          <p:cNvSpPr txBox="1"/>
+          <p:nvPr/>
+        </p:nvSpPr>
+        <p:spPr>
+          <a:xfrm>
+            <a:off x="6944464" y="1234267"/>
+            <a:ext cx="2958917" cy="369332"/>
+          </a:xfrm>
+          <a:prstGeom prst="rect">
+            <a:avLst/>
+          </a:prstGeom>
+          <a:solidFill>
+            <a:srgbClr val="92D050"/>
+          </a:solidFill>
+          <a:ln>
+            <a:solidFill>
+              <a:schemeClr val="bg1">
+                <a:lumMod val="50000"/>
+                <a:lumOff val="50000"/>
+              </a:schemeClr>
+            </a:solidFill>
+          </a:ln>
+        </p:spPr>
+        <p:txBody>
+          <a:bodyPr wrap="square" rtlCol="0">
+            <a:spAutoFit/>
+          </a:bodyPr>
+          <a:lstStyle/>
+          <a:p>
+            <a:pPr algn="ctr"/>
+            <a:endParaRPr lang="en-US" dirty="0">
+              <a:latin typeface="Consolas" panose="020B0609020204030204" pitchFamily="49" charset="0"/>
+            </a:endParaRPr>
+          </a:p>
+        </p:txBody>
+      </p:sp>
+      <p:sp>
+        <p:nvSpPr>
           <p:cNvPr id="2" name="Title 1"/>
           <p:cNvSpPr>
             <a:spLocks noGrp="1"/>
@@ -7038,20 +11134,16 @@
               <a:t>: </a:t>
             </a:r>
             <a:r>
-              <a:rPr lang="en-US" dirty="0" err="1" smtClean="0">
-                <a:latin typeface="Consolas" panose="020B0609020204030204" pitchFamily="49" charset="0"/>
-              </a:rPr>
-              <a:t>take_action</a:t>
-            </a:r>
-            <a:r>
               <a:rPr lang="en-US" dirty="0" smtClean="0">
                 <a:latin typeface="Consolas" panose="020B0609020204030204" pitchFamily="49" charset="0"/>
               </a:rPr>
+              <a:t>declare</a:t>
+            </a:r>
+            <a:r>
+              <a:rPr lang="en-US" dirty="0" smtClean="0"/>
               <a:t>()</a:t>
             </a:r>
-            <a:endParaRPr lang="en-US" dirty="0">
-              <a:latin typeface="Consolas" panose="020B0609020204030204" pitchFamily="49" charset="0"/>
-            </a:endParaRPr>
+            <a:endParaRPr lang="en-US" dirty="0"/>
           </a:p>
         </p:txBody>
       </p:sp>
@@ -7065,7 +11157,12 @@
             <p:ph idx="1"/>
           </p:nvPr>
         </p:nvSpPr>
-        <p:spPr/>
+        <p:spPr>
+          <a:xfrm>
+            <a:off x="509675" y="955291"/>
+            <a:ext cx="10515600" cy="5588727"/>
+          </a:xfrm>
+        </p:spPr>
         <p:txBody>
           <a:bodyPr>
             <a:normAutofit/>
@@ -7074,27 +11171,60 @@
           <a:p>
             <a:r>
               <a:rPr lang="en-US" sz="1800" dirty="0" smtClean="0"/>
-              <a:t>Given constant string literal action chosen from list of possibilities returned by </a:t>
-            </a:r>
-            <a:r>
-              <a:rPr lang="en-US" sz="1800" dirty="0" err="1" smtClean="0"/>
-              <a:t>generate_options</a:t>
+              <a:t>Declare global-level constants</a:t>
+            </a:r>
+          </a:p>
+          <a:p>
+            <a:pPr lvl="1"/>
+            <a:r>
+              <a:rPr lang="en-US" sz="1400" dirty="0" smtClean="0"/>
+              <a:t>Command strings</a:t>
+            </a:r>
+          </a:p>
+          <a:p>
+            <a:pPr lvl="1"/>
+            <a:r>
+              <a:rPr lang="en-US" sz="1400" dirty="0" smtClean="0"/>
+              <a:t>Starting money</a:t>
+            </a:r>
+          </a:p>
+          <a:p>
+            <a:pPr lvl="1"/>
+            <a:r>
+              <a:rPr lang="en-US" sz="1400" dirty="0" smtClean="0"/>
+              <a:t>Passing go money</a:t>
+            </a:r>
+          </a:p>
+          <a:p>
+            <a:pPr lvl="1"/>
+            <a:r>
+              <a:rPr lang="en-US" sz="1400" dirty="0" smtClean="0"/>
+              <a:t>Free parking default</a:t>
+            </a:r>
+          </a:p>
+          <a:p>
+            <a:pPr lvl="1"/>
+            <a:r>
+              <a:rPr lang="en-US" sz="1400" dirty="0" smtClean="0"/>
+              <a:t>Income / Luxury taxes</a:t>
+            </a:r>
+          </a:p>
+          <a:p>
+            <a:pPr lvl="1"/>
+            <a:r>
+              <a:rPr lang="en-US" sz="1400" dirty="0" smtClean="0"/>
+              <a:t>Jail fee</a:t>
+            </a:r>
+            <a:endParaRPr lang="en-US" sz="1400" dirty="0"/>
+          </a:p>
+          <a:p>
+            <a:r>
+              <a:rPr lang="en-US" sz="1800" dirty="0"/>
+              <a:t>Declare global-level </a:t>
             </a:r>
             <a:r>
               <a:rPr lang="en-US" sz="1800" dirty="0" smtClean="0"/>
-              <a:t>, appropriate objects are updated to reflect the action</a:t>
-            </a:r>
-          </a:p>
-          <a:p>
-            <a:r>
-              <a:rPr lang="en-US" sz="1800" dirty="0" smtClean="0"/>
-              <a:t>Cases handled individually, with helper methods called where applicable</a:t>
-            </a:r>
-          </a:p>
-          <a:p>
-            <a:r>
-              <a:rPr lang="en-US" sz="1800" dirty="0" smtClean="0"/>
-              <a:t>Input parameters</a:t>
+              <a:t>variables</a:t>
             </a:r>
           </a:p>
           <a:p>
@@ -7103,7 +11233,7 @@
               <a:rPr lang="en-US" sz="1400" dirty="0" smtClean="0">
                 <a:latin typeface="Consolas" panose="020B0609020204030204" pitchFamily="49" charset="0"/>
               </a:rPr>
-              <a:t>Player p</a:t>
+              <a:t>List&lt;Player&gt; players</a:t>
             </a:r>
           </a:p>
           <a:p>
@@ -7112,12 +11242,36 @@
               <a:rPr lang="en-US" sz="1400" dirty="0" smtClean="0">
                 <a:latin typeface="Consolas" panose="020B0609020204030204" pitchFamily="49" charset="0"/>
               </a:rPr>
-              <a:t>List&lt;string&gt; options</a:t>
+              <a:t>List&lt;Property&gt; board</a:t>
             </a:r>
           </a:p>
           <a:p>
             <a:pPr lvl="1"/>
             <a:r>
+              <a:rPr lang="en-US" sz="1400" dirty="0" smtClean="0">
+                <a:latin typeface="Consolas" panose="020B0609020204030204" pitchFamily="49" charset="0"/>
+              </a:rPr>
+              <a:t>List&lt;Card&gt; chance</a:t>
+            </a:r>
+          </a:p>
+          <a:p>
+            <a:pPr lvl="1"/>
+            <a:r>
+              <a:rPr lang="en-US" sz="1400" dirty="0" smtClean="0">
+                <a:latin typeface="Consolas" panose="020B0609020204030204" pitchFamily="49" charset="0"/>
+              </a:rPr>
+              <a:t>List&lt;Card&gt; chest</a:t>
+            </a:r>
+          </a:p>
+          <a:p>
+            <a:pPr lvl="1"/>
+            <a:r>
+              <a:rPr lang="en-US" sz="1400" dirty="0" smtClean="0">
+                <a:latin typeface="Consolas" panose="020B0609020204030204" pitchFamily="49" charset="0"/>
+              </a:rPr>
+              <a:t>List&lt;</a:t>
+            </a:r>
+            <a:r>
               <a:rPr lang="en-US" sz="1400" dirty="0" err="1" smtClean="0">
                 <a:latin typeface="Consolas" panose="020B0609020204030204" pitchFamily="49" charset="0"/>
               </a:rPr>
@@ -7127,22 +11281,13 @@
               <a:rPr lang="en-US" sz="1400" dirty="0" smtClean="0">
                 <a:latin typeface="Consolas" panose="020B0609020204030204" pitchFamily="49" charset="0"/>
               </a:rPr>
-              <a:t> choice</a:t>
-            </a:r>
-          </a:p>
-          <a:p>
-            <a:pPr lvl="1"/>
-            <a:r>
-              <a:rPr lang="en-US" sz="1400" dirty="0" smtClean="0">
-                <a:latin typeface="Consolas" panose="020B0609020204030204" pitchFamily="49" charset="0"/>
-              </a:rPr>
-              <a:t>ref bool </a:t>
+              <a:t>[]&gt; </a:t>
             </a:r>
             <a:r>
               <a:rPr lang="en-US" sz="1400" dirty="0" err="1" smtClean="0">
                 <a:latin typeface="Consolas" panose="020B0609020204030204" pitchFamily="49" charset="0"/>
               </a:rPr>
-              <a:t>turn_is_over</a:t>
+              <a:t>spaces_player</a:t>
             </a:r>
             <a:endParaRPr lang="en-US" sz="1400" dirty="0" smtClean="0">
               <a:latin typeface="Consolas" panose="020B0609020204030204" pitchFamily="49" charset="0"/>
@@ -7154,13 +11299,25 @@
               <a:rPr lang="en-US" sz="1400" dirty="0" smtClean="0">
                 <a:latin typeface="Consolas" panose="020B0609020204030204" pitchFamily="49" charset="0"/>
               </a:rPr>
-              <a:t>ref bool </a:t>
+              <a:t>List&lt;</a:t>
             </a:r>
             <a:r>
               <a:rPr lang="en-US" sz="1400" dirty="0" err="1" smtClean="0">
                 <a:latin typeface="Consolas" panose="020B0609020204030204" pitchFamily="49" charset="0"/>
               </a:rPr>
-              <a:t>has_rolled</a:t>
+              <a:t>int</a:t>
+            </a:r>
+            <a:r>
+              <a:rPr lang="en-US" sz="1400" dirty="0" smtClean="0">
+                <a:latin typeface="Consolas" panose="020B0609020204030204" pitchFamily="49" charset="0"/>
+              </a:rPr>
+              <a:t>[]&gt; </a:t>
+            </a:r>
+            <a:r>
+              <a:rPr lang="en-US" sz="1400" dirty="0" err="1" smtClean="0">
+                <a:latin typeface="Consolas" panose="020B0609020204030204" pitchFamily="49" charset="0"/>
+              </a:rPr>
+              <a:t>spaces_houses</a:t>
             </a:r>
             <a:endParaRPr lang="en-US" sz="1400" dirty="0" smtClean="0">
               <a:latin typeface="Consolas" panose="020B0609020204030204" pitchFamily="49" charset="0"/>
@@ -7172,13 +11329,13 @@
               <a:rPr lang="en-US" sz="1400" dirty="0" smtClean="0">
                 <a:latin typeface="Consolas" panose="020B0609020204030204" pitchFamily="49" charset="0"/>
               </a:rPr>
-              <a:t>ref bool  </a:t>
+              <a:t>string[] </a:t>
             </a:r>
             <a:r>
               <a:rPr lang="en-US" sz="1400" dirty="0" err="1" smtClean="0">
                 <a:latin typeface="Consolas" panose="020B0609020204030204" pitchFamily="49" charset="0"/>
               </a:rPr>
-              <a:t>turn_ended</a:t>
+              <a:t>board_art</a:t>
             </a:r>
             <a:endParaRPr lang="en-US" sz="1400" dirty="0" smtClean="0">
               <a:latin typeface="Consolas" panose="020B0609020204030204" pitchFamily="49" charset="0"/>
@@ -7190,13 +11347,28 @@
               <a:rPr lang="en-US" sz="1400" dirty="0" smtClean="0">
                 <a:latin typeface="Consolas" panose="020B0609020204030204" pitchFamily="49" charset="0"/>
               </a:rPr>
-              <a:t>ref bool </a:t>
-            </a:r>
+              <a:t>Random dice</a:t>
+            </a:r>
+          </a:p>
+          <a:p>
+            <a:pPr lvl="1"/>
             <a:r>
               <a:rPr lang="en-US" sz="1400" dirty="0" err="1" smtClean="0">
                 <a:latin typeface="Consolas" panose="020B0609020204030204" pitchFamily="49" charset="0"/>
               </a:rPr>
-              <a:t>rent_paid</a:t>
+              <a:t>int</a:t>
+            </a:r>
+            <a:r>
+              <a:rPr lang="en-US" sz="1400" dirty="0" smtClean="0">
+                <a:latin typeface="Consolas" panose="020B0609020204030204" pitchFamily="49" charset="0"/>
+              </a:rPr>
+              <a:t> </a:t>
+            </a:r>
+            <a:r>
+              <a:rPr lang="en-US" sz="1400" dirty="0" err="1" smtClean="0">
+                <a:latin typeface="Consolas" panose="020B0609020204030204" pitchFamily="49" charset="0"/>
+              </a:rPr>
+              <a:t>free_parking</a:t>
             </a:r>
             <a:endParaRPr lang="en-US" sz="1400" dirty="0" smtClean="0">
               <a:latin typeface="Consolas" panose="020B0609020204030204" pitchFamily="49" charset="0"/>
@@ -7205,46 +11377,473 @@
           <a:p>
             <a:pPr lvl="1"/>
             <a:r>
+              <a:rPr lang="en-US" sz="1400" dirty="0" err="1" smtClean="0">
+                <a:latin typeface="Consolas" panose="020B0609020204030204" pitchFamily="49" charset="0"/>
+              </a:rPr>
+              <a:t>int</a:t>
+            </a:r>
+            <a:r>
               <a:rPr lang="en-US" sz="1400" dirty="0" smtClean="0">
                 <a:latin typeface="Consolas" panose="020B0609020204030204" pitchFamily="49" charset="0"/>
               </a:rPr>
-              <a:t>ref </a:t>
+              <a:t> </a:t>
             </a:r>
             <a:r>
               <a:rPr lang="en-US" sz="1400" dirty="0" err="1" smtClean="0">
                 <a:latin typeface="Consolas" panose="020B0609020204030204" pitchFamily="49" charset="0"/>
               </a:rPr>
-              <a:t>int</a:t>
-            </a:r>
-            <a:r>
-              <a:rPr lang="en-US" sz="1400" dirty="0" smtClean="0">
-                <a:latin typeface="Consolas" panose="020B0609020204030204" pitchFamily="49" charset="0"/>
-              </a:rPr>
-              <a:t> </a:t>
-            </a:r>
-            <a:r>
-              <a:rPr lang="en-US" sz="1400" dirty="0" err="1" smtClean="0">
-                <a:latin typeface="Consolas" panose="020B0609020204030204" pitchFamily="49" charset="0"/>
-              </a:rPr>
-              <a:t>dice_roll</a:t>
+              <a:t>bank_houses</a:t>
             </a:r>
             <a:endParaRPr lang="en-US" sz="1400" dirty="0" smtClean="0">
               <a:latin typeface="Consolas" panose="020B0609020204030204" pitchFamily="49" charset="0"/>
             </a:endParaRPr>
           </a:p>
           <a:p>
-            <a:r>
-              <a:rPr lang="en-US" sz="1800" dirty="0" smtClean="0"/>
-              <a:t>Output: void (but note reference variables and objects may change)</a:t>
-            </a:r>
-            <a:endParaRPr lang="en-US" sz="1800" dirty="0"/>
+            <a:pPr lvl="1"/>
+            <a:r>
+              <a:rPr lang="en-US" sz="1400" dirty="0" err="1" smtClean="0">
+                <a:latin typeface="Consolas" panose="020B0609020204030204" pitchFamily="49" charset="0"/>
+              </a:rPr>
+              <a:t>int</a:t>
+            </a:r>
+            <a:r>
+              <a:rPr lang="en-US" sz="1400" dirty="0">
+                <a:latin typeface="Consolas" panose="020B0609020204030204" pitchFamily="49" charset="0"/>
+              </a:rPr>
+              <a:t> </a:t>
+            </a:r>
+            <a:r>
+              <a:rPr lang="en-US" sz="1400" dirty="0" err="1" smtClean="0">
+                <a:latin typeface="Consolas" panose="020B0609020204030204" pitchFamily="49" charset="0"/>
+              </a:rPr>
+              <a:t>bank_hotels</a:t>
+            </a:r>
+            <a:endParaRPr lang="en-US" sz="1400" dirty="0">
+              <a:latin typeface="Consolas" panose="020B0609020204030204" pitchFamily="49" charset="0"/>
+            </a:endParaRPr>
+          </a:p>
+          <a:p>
+            <a:pPr lvl="1"/>
+            <a:endParaRPr lang="en-US" sz="1400" dirty="0" smtClean="0"/>
+          </a:p>
+        </p:txBody>
+      </p:sp>
+      <p:sp>
+        <p:nvSpPr>
+          <p:cNvPr id="4" name="TextBox 3"/>
+          <p:cNvSpPr txBox="1"/>
+          <p:nvPr/>
+        </p:nvSpPr>
+        <p:spPr>
+          <a:xfrm>
+            <a:off x="6792064" y="637267"/>
+            <a:ext cx="2958917" cy="369332"/>
+          </a:xfrm>
+          <a:prstGeom prst="rect">
+            <a:avLst/>
+          </a:prstGeom>
+          <a:solidFill>
+            <a:srgbClr val="008080"/>
+          </a:solidFill>
+        </p:spPr>
+        <p:txBody>
+          <a:bodyPr wrap="square" rtlCol="0">
+            <a:spAutoFit/>
+          </a:bodyPr>
+          <a:lstStyle/>
+          <a:p>
+            <a:pPr algn="ctr"/>
+            <a:r>
+              <a:rPr lang="en-US" dirty="0" smtClean="0">
+                <a:latin typeface="Consolas" panose="020B0609020204030204" pitchFamily="49" charset="0"/>
+              </a:rPr>
+              <a:t>List&lt;Property&gt; </a:t>
+            </a:r>
+            <a:r>
+              <a:rPr lang="en-US" dirty="0" smtClean="0">
+                <a:latin typeface="Consolas" panose="020B0609020204030204" pitchFamily="49" charset="0"/>
+              </a:rPr>
+              <a:t>board</a:t>
+            </a:r>
+            <a:endParaRPr lang="en-US" dirty="0">
+              <a:latin typeface="Consolas" panose="020B0609020204030204" pitchFamily="49" charset="0"/>
+            </a:endParaRPr>
+          </a:p>
+        </p:txBody>
+      </p:sp>
+      <p:sp>
+        <p:nvSpPr>
+          <p:cNvPr id="5" name="TextBox 4"/>
+          <p:cNvSpPr txBox="1"/>
+          <p:nvPr/>
+        </p:nvSpPr>
+        <p:spPr>
+          <a:xfrm>
+            <a:off x="6792064" y="2046544"/>
+            <a:ext cx="2958917" cy="369332"/>
+          </a:xfrm>
+          <a:prstGeom prst="rect">
+            <a:avLst/>
+          </a:prstGeom>
+          <a:solidFill>
+            <a:srgbClr val="008080"/>
+          </a:solidFill>
+        </p:spPr>
+        <p:txBody>
+          <a:bodyPr wrap="square" rtlCol="0">
+            <a:spAutoFit/>
+          </a:bodyPr>
+          <a:lstStyle/>
+          <a:p>
+            <a:pPr algn="ctr"/>
+            <a:r>
+              <a:rPr lang="en-US" dirty="0" smtClean="0">
+                <a:latin typeface="Consolas" panose="020B0609020204030204" pitchFamily="49" charset="0"/>
+              </a:rPr>
+              <a:t>List&lt;Player&gt; players</a:t>
+            </a:r>
+            <a:endParaRPr lang="en-US" dirty="0">
+              <a:latin typeface="Consolas" panose="020B0609020204030204" pitchFamily="49" charset="0"/>
+            </a:endParaRPr>
+          </a:p>
+        </p:txBody>
+      </p:sp>
+      <p:sp>
+        <p:nvSpPr>
+          <p:cNvPr id="6" name="TextBox 5"/>
+          <p:cNvSpPr txBox="1"/>
+          <p:nvPr/>
+        </p:nvSpPr>
+        <p:spPr>
+          <a:xfrm>
+            <a:off x="6792063" y="3529949"/>
+            <a:ext cx="2958917" cy="369332"/>
+          </a:xfrm>
+          <a:prstGeom prst="rect">
+            <a:avLst/>
+          </a:prstGeom>
+          <a:solidFill>
+            <a:srgbClr val="008080"/>
+          </a:solidFill>
+        </p:spPr>
+        <p:txBody>
+          <a:bodyPr wrap="square" rtlCol="0">
+            <a:spAutoFit/>
+          </a:bodyPr>
+          <a:lstStyle/>
+          <a:p>
+            <a:pPr algn="ctr"/>
+            <a:r>
+              <a:rPr lang="en-US" dirty="0" smtClean="0">
+                <a:latin typeface="Consolas" panose="020B0609020204030204" pitchFamily="49" charset="0"/>
+              </a:rPr>
+              <a:t>List&lt;Card&gt; chance</a:t>
+            </a:r>
+            <a:endParaRPr lang="en-US" dirty="0">
+              <a:latin typeface="Consolas" panose="020B0609020204030204" pitchFamily="49" charset="0"/>
+            </a:endParaRPr>
+          </a:p>
+        </p:txBody>
+      </p:sp>
+      <p:sp>
+        <p:nvSpPr>
+          <p:cNvPr id="7" name="TextBox 6"/>
+          <p:cNvSpPr txBox="1"/>
+          <p:nvPr/>
+        </p:nvSpPr>
+        <p:spPr>
+          <a:xfrm>
+            <a:off x="6792063" y="5036983"/>
+            <a:ext cx="2958917" cy="369332"/>
+          </a:xfrm>
+          <a:prstGeom prst="rect">
+            <a:avLst/>
+          </a:prstGeom>
+          <a:solidFill>
+            <a:srgbClr val="008080"/>
+          </a:solidFill>
+        </p:spPr>
+        <p:txBody>
+          <a:bodyPr wrap="square" rtlCol="0">
+            <a:spAutoFit/>
+          </a:bodyPr>
+          <a:lstStyle/>
+          <a:p>
+            <a:pPr algn="ctr"/>
+            <a:r>
+              <a:rPr lang="en-US" dirty="0" smtClean="0">
+                <a:latin typeface="Consolas" panose="020B0609020204030204" pitchFamily="49" charset="0"/>
+              </a:rPr>
+              <a:t>List&lt;Card&gt; chest</a:t>
+            </a:r>
+            <a:endParaRPr lang="en-US" dirty="0">
+              <a:latin typeface="Consolas" panose="020B0609020204030204" pitchFamily="49" charset="0"/>
+            </a:endParaRPr>
+          </a:p>
+        </p:txBody>
+      </p:sp>
+      <p:sp>
+        <p:nvSpPr>
+          <p:cNvPr id="21" name="TextBox 20"/>
+          <p:cNvSpPr txBox="1"/>
+          <p:nvPr/>
+        </p:nvSpPr>
+        <p:spPr>
+          <a:xfrm>
+            <a:off x="7096864" y="5755831"/>
+            <a:ext cx="2958917" cy="369332"/>
+          </a:xfrm>
+          <a:prstGeom prst="rect">
+            <a:avLst/>
+          </a:prstGeom>
+          <a:solidFill>
+            <a:srgbClr val="92D050"/>
+          </a:solidFill>
+          <a:ln>
+            <a:solidFill>
+              <a:schemeClr val="bg1">
+                <a:lumMod val="50000"/>
+                <a:lumOff val="50000"/>
+              </a:schemeClr>
+            </a:solidFill>
+          </a:ln>
+        </p:spPr>
+        <p:txBody>
+          <a:bodyPr wrap="square" rtlCol="0">
+            <a:spAutoFit/>
+          </a:bodyPr>
+          <a:lstStyle/>
+          <a:p>
+            <a:pPr algn="ctr"/>
+            <a:endParaRPr lang="en-US" dirty="0">
+              <a:latin typeface="Consolas" panose="020B0609020204030204" pitchFamily="49" charset="0"/>
+            </a:endParaRPr>
+          </a:p>
+        </p:txBody>
+      </p:sp>
+      <p:sp>
+        <p:nvSpPr>
+          <p:cNvPr id="22" name="TextBox 21"/>
+          <p:cNvSpPr txBox="1"/>
+          <p:nvPr/>
+        </p:nvSpPr>
+        <p:spPr>
+          <a:xfrm>
+            <a:off x="6944464" y="5603431"/>
+            <a:ext cx="2958917" cy="369332"/>
+          </a:xfrm>
+          <a:prstGeom prst="rect">
+            <a:avLst/>
+          </a:prstGeom>
+          <a:solidFill>
+            <a:srgbClr val="92D050"/>
+          </a:solidFill>
+          <a:ln>
+            <a:solidFill>
+              <a:schemeClr val="bg1">
+                <a:lumMod val="50000"/>
+                <a:lumOff val="50000"/>
+              </a:schemeClr>
+            </a:solidFill>
+          </a:ln>
+        </p:spPr>
+        <p:txBody>
+          <a:bodyPr wrap="square" rtlCol="0">
+            <a:spAutoFit/>
+          </a:bodyPr>
+          <a:lstStyle/>
+          <a:p>
+            <a:pPr algn="ctr"/>
+            <a:endParaRPr lang="en-US" dirty="0">
+              <a:latin typeface="Consolas" panose="020B0609020204030204" pitchFamily="49" charset="0"/>
+            </a:endParaRPr>
+          </a:p>
+        </p:txBody>
+      </p:sp>
+      <p:sp>
+        <p:nvSpPr>
+          <p:cNvPr id="8" name="TextBox 7"/>
+          <p:cNvSpPr txBox="1"/>
+          <p:nvPr/>
+        </p:nvSpPr>
+        <p:spPr>
+          <a:xfrm>
+            <a:off x="6792064" y="1081867"/>
+            <a:ext cx="2958917" cy="369332"/>
+          </a:xfrm>
+          <a:prstGeom prst="rect">
+            <a:avLst/>
+          </a:prstGeom>
+          <a:solidFill>
+            <a:srgbClr val="92D050"/>
+          </a:solidFill>
+          <a:ln>
+            <a:solidFill>
+              <a:schemeClr val="bg1">
+                <a:lumMod val="50000"/>
+                <a:lumOff val="50000"/>
+              </a:schemeClr>
+            </a:solidFill>
+          </a:ln>
+        </p:spPr>
+        <p:txBody>
+          <a:bodyPr wrap="square" rtlCol="0">
+            <a:spAutoFit/>
+          </a:bodyPr>
+          <a:lstStyle/>
+          <a:p>
+            <a:pPr algn="ctr"/>
+            <a:r>
+              <a:rPr lang="en-US" dirty="0" err="1" smtClean="0">
+                <a:latin typeface="Consolas" panose="020B0609020204030204" pitchFamily="49" charset="0"/>
+              </a:rPr>
+              <a:t>Property.cs</a:t>
+            </a:r>
+            <a:endParaRPr lang="en-US" dirty="0">
+              <a:latin typeface="Consolas" panose="020B0609020204030204" pitchFamily="49" charset="0"/>
+            </a:endParaRPr>
+          </a:p>
+        </p:txBody>
+      </p:sp>
+      <p:sp>
+        <p:nvSpPr>
+          <p:cNvPr id="9" name="TextBox 8"/>
+          <p:cNvSpPr txBox="1"/>
+          <p:nvPr/>
+        </p:nvSpPr>
+        <p:spPr>
+          <a:xfrm>
+            <a:off x="6792064" y="2491144"/>
+            <a:ext cx="2958917" cy="369332"/>
+          </a:xfrm>
+          <a:prstGeom prst="rect">
+            <a:avLst/>
+          </a:prstGeom>
+          <a:solidFill>
+            <a:srgbClr val="92D050"/>
+          </a:solidFill>
+          <a:ln>
+            <a:solidFill>
+              <a:schemeClr val="bg1">
+                <a:lumMod val="50000"/>
+                <a:lumOff val="50000"/>
+              </a:schemeClr>
+            </a:solidFill>
+          </a:ln>
+        </p:spPr>
+        <p:txBody>
+          <a:bodyPr wrap="square" rtlCol="0">
+            <a:spAutoFit/>
+          </a:bodyPr>
+          <a:lstStyle/>
+          <a:p>
+            <a:pPr algn="ctr"/>
+            <a:r>
+              <a:rPr lang="en-US" dirty="0" err="1" smtClean="0">
+                <a:latin typeface="Consolas" panose="020B0609020204030204" pitchFamily="49" charset="0"/>
+              </a:rPr>
+              <a:t>Player.cs</a:t>
+            </a:r>
+            <a:endParaRPr lang="en-US" dirty="0">
+              <a:latin typeface="Consolas" panose="020B0609020204030204" pitchFamily="49" charset="0"/>
+            </a:endParaRPr>
+          </a:p>
+        </p:txBody>
+      </p:sp>
+      <p:sp>
+        <p:nvSpPr>
+          <p:cNvPr id="10" name="TextBox 9"/>
+          <p:cNvSpPr txBox="1"/>
+          <p:nvPr/>
+        </p:nvSpPr>
+        <p:spPr>
+          <a:xfrm>
+            <a:off x="6792063" y="3974549"/>
+            <a:ext cx="2958917" cy="369332"/>
+          </a:xfrm>
+          <a:prstGeom prst="rect">
+            <a:avLst/>
+          </a:prstGeom>
+          <a:solidFill>
+            <a:srgbClr val="92D050"/>
+          </a:solidFill>
+          <a:ln>
+            <a:solidFill>
+              <a:schemeClr val="bg1">
+                <a:lumMod val="50000"/>
+                <a:lumOff val="50000"/>
+              </a:schemeClr>
+            </a:solidFill>
+          </a:ln>
+        </p:spPr>
+        <p:txBody>
+          <a:bodyPr wrap="square" rtlCol="0">
+            <a:spAutoFit/>
+          </a:bodyPr>
+          <a:lstStyle/>
+          <a:p>
+            <a:pPr algn="ctr"/>
+            <a:r>
+              <a:rPr lang="en-US" smtClean="0">
+                <a:latin typeface="Consolas" panose="020B0609020204030204" pitchFamily="49" charset="0"/>
+              </a:rPr>
+              <a:t>Card.cs</a:t>
+            </a:r>
+            <a:endParaRPr lang="en-US" dirty="0">
+              <a:latin typeface="Consolas" panose="020B0609020204030204" pitchFamily="49" charset="0"/>
+            </a:endParaRPr>
+          </a:p>
+        </p:txBody>
+      </p:sp>
+      <p:sp>
+        <p:nvSpPr>
+          <p:cNvPr id="11" name="TextBox 10"/>
+          <p:cNvSpPr txBox="1"/>
+          <p:nvPr/>
+        </p:nvSpPr>
+        <p:spPr>
+          <a:xfrm>
+            <a:off x="6792063" y="5478694"/>
+            <a:ext cx="2958917" cy="369332"/>
+          </a:xfrm>
+          <a:prstGeom prst="rect">
+            <a:avLst/>
+          </a:prstGeom>
+          <a:solidFill>
+            <a:srgbClr val="92D050"/>
+          </a:solidFill>
+          <a:ln>
+            <a:solidFill>
+              <a:schemeClr val="bg1">
+                <a:lumMod val="50000"/>
+                <a:lumOff val="50000"/>
+              </a:schemeClr>
+            </a:solidFill>
+          </a:ln>
+        </p:spPr>
+        <p:txBody>
+          <a:bodyPr wrap="square" rtlCol="0">
+            <a:spAutoFit/>
+          </a:bodyPr>
+          <a:lstStyle/>
+          <a:p>
+            <a:pPr algn="ctr"/>
+            <a:r>
+              <a:rPr lang="en-US" dirty="0" err="1" smtClean="0">
+                <a:latin typeface="Consolas" panose="020B0609020204030204" pitchFamily="49" charset="0"/>
+              </a:rPr>
+              <a:t>Card.cs</a:t>
+            </a:r>
+            <a:endParaRPr lang="en-US" dirty="0">
+              <a:latin typeface="Consolas" panose="020B0609020204030204" pitchFamily="49" charset="0"/>
+            </a:endParaRPr>
           </a:p>
         </p:txBody>
       </p:sp>
     </p:spTree>
     <p:extLst>
       <p:ext uri="{BB962C8B-B14F-4D97-AF65-F5344CB8AC3E}">
-        <p14:creationId xmlns:p14="http://schemas.microsoft.com/office/powerpoint/2010/main" val="2724638532"/>
+        <p14:creationId xmlns:p14="http://schemas.microsoft.com/office/powerpoint/2010/main" val="3816326670"/>
       </p:ext>
     </p:extLst>
   </p:cSld>
@@ -7303,7 +11902,17 @@
               <a:rPr lang="en-US" dirty="0" smtClean="0">
                 <a:latin typeface="Consolas" panose="020B0609020204030204" pitchFamily="49" charset="0"/>
               </a:rPr>
-              <a:t>: Helper Methods</a:t>
+              <a:t>: </a:t>
+            </a:r>
+            <a:r>
+              <a:rPr lang="en-US" dirty="0" smtClean="0">
+                <a:latin typeface="Consolas" panose="020B0609020204030204" pitchFamily="49" charset="0"/>
+              </a:rPr>
+              <a:t>parse</a:t>
+            </a:r>
+            <a:r>
+              <a:rPr lang="en-US" dirty="0" smtClean="0"/>
+              <a:t>() &amp; setup()</a:t>
             </a:r>
             <a:endParaRPr lang="en-US" dirty="0"/>
           </a:p>
@@ -7319,19 +11928,372 @@
             <p:ph idx="1"/>
           </p:nvPr>
         </p:nvSpPr>
-        <p:spPr/>
-        <p:txBody>
-          <a:bodyPr/>
-          <a:lstStyle/>
-          <a:p>
-            <a:endParaRPr lang="en-US"/>
+        <p:spPr>
+          <a:xfrm>
+            <a:off x="509675" y="955291"/>
+            <a:ext cx="10515600" cy="5588727"/>
+          </a:xfrm>
+        </p:spPr>
+        <p:txBody>
+          <a:bodyPr>
+            <a:normAutofit/>
+          </a:bodyPr>
+          <a:lstStyle/>
+          <a:p>
+            <a:r>
+              <a:rPr lang="en-US" sz="1800" dirty="0" smtClean="0"/>
+              <a:t>Parse objects into memory from CSVs</a:t>
+            </a:r>
+          </a:p>
+          <a:p>
+            <a:pPr lvl="1"/>
+            <a:r>
+              <a:rPr lang="en-US" sz="1600" dirty="0" smtClean="0"/>
+              <a:t>board.csv </a:t>
+            </a:r>
+            <a:r>
+              <a:rPr lang="en-US" sz="1600" dirty="0" smtClean="0">
+                <a:sym typeface="Wingdings" panose="05000000000000000000" pitchFamily="2" charset="2"/>
+              </a:rPr>
+              <a:t> </a:t>
+            </a:r>
+            <a:r>
+              <a:rPr lang="en-US" sz="1600" dirty="0" smtClean="0">
+                <a:latin typeface="Consolas" panose="020B0609020204030204" pitchFamily="49" charset="0"/>
+                <a:sym typeface="Wingdings" panose="05000000000000000000" pitchFamily="2" charset="2"/>
+              </a:rPr>
+              <a:t>List&lt;Property&gt; board</a:t>
+            </a:r>
+          </a:p>
+          <a:p>
+            <a:pPr lvl="1"/>
+            <a:r>
+              <a:rPr lang="en-US" sz="1600" dirty="0" smtClean="0">
+                <a:sym typeface="Wingdings" panose="05000000000000000000" pitchFamily="2" charset="2"/>
+              </a:rPr>
+              <a:t>cards.csv  </a:t>
+            </a:r>
+            <a:r>
+              <a:rPr lang="en-US" sz="1600" dirty="0" smtClean="0">
+                <a:latin typeface="Consolas" panose="020B0609020204030204" pitchFamily="49" charset="0"/>
+                <a:sym typeface="Wingdings" panose="05000000000000000000" pitchFamily="2" charset="2"/>
+              </a:rPr>
+              <a:t>List&lt;Card&gt; chance, List&lt;Card&gt; chest</a:t>
+            </a:r>
+          </a:p>
+          <a:p>
+            <a:pPr lvl="1"/>
+            <a:r>
+              <a:rPr lang="en-US" sz="1600" dirty="0" smtClean="0">
+                <a:sym typeface="Wingdings" panose="05000000000000000000" pitchFamily="2" charset="2"/>
+              </a:rPr>
+              <a:t>spaces_player.csv  </a:t>
+            </a:r>
+            <a:r>
+              <a:rPr lang="en-US" sz="1600" dirty="0" smtClean="0">
+                <a:latin typeface="Consolas" panose="020B0609020204030204" pitchFamily="49" charset="0"/>
+                <a:sym typeface="Wingdings" panose="05000000000000000000" pitchFamily="2" charset="2"/>
+              </a:rPr>
+              <a:t>List&lt;</a:t>
+            </a:r>
+            <a:r>
+              <a:rPr lang="en-US" sz="1600" dirty="0" err="1" smtClean="0">
+                <a:latin typeface="Consolas" panose="020B0609020204030204" pitchFamily="49" charset="0"/>
+                <a:sym typeface="Wingdings" panose="05000000000000000000" pitchFamily="2" charset="2"/>
+              </a:rPr>
+              <a:t>int</a:t>
+            </a:r>
+            <a:r>
+              <a:rPr lang="en-US" sz="1600" dirty="0" smtClean="0">
+                <a:latin typeface="Consolas" panose="020B0609020204030204" pitchFamily="49" charset="0"/>
+                <a:sym typeface="Wingdings" panose="05000000000000000000" pitchFamily="2" charset="2"/>
+              </a:rPr>
+              <a:t>[]&gt; </a:t>
+            </a:r>
+            <a:r>
+              <a:rPr lang="en-US" sz="1600" dirty="0" err="1" smtClean="0">
+                <a:latin typeface="Consolas" panose="020B0609020204030204" pitchFamily="49" charset="0"/>
+                <a:sym typeface="Wingdings" panose="05000000000000000000" pitchFamily="2" charset="2"/>
+              </a:rPr>
+              <a:t>spaces_player</a:t>
+            </a:r>
+            <a:endParaRPr lang="en-US" sz="1600" dirty="0" smtClean="0">
+              <a:latin typeface="Consolas" panose="020B0609020204030204" pitchFamily="49" charset="0"/>
+              <a:sym typeface="Wingdings" panose="05000000000000000000" pitchFamily="2" charset="2"/>
+            </a:endParaRPr>
+          </a:p>
+          <a:p>
+            <a:pPr lvl="1"/>
+            <a:r>
+              <a:rPr lang="en-US" sz="1600" dirty="0" smtClean="0">
+                <a:sym typeface="Wingdings" panose="05000000000000000000" pitchFamily="2" charset="2"/>
+              </a:rPr>
+              <a:t>spaces_houses.csv  </a:t>
+            </a:r>
+            <a:r>
+              <a:rPr lang="en-US" sz="1600" dirty="0" smtClean="0">
+                <a:latin typeface="Consolas" panose="020B0609020204030204" pitchFamily="49" charset="0"/>
+                <a:sym typeface="Wingdings" panose="05000000000000000000" pitchFamily="2" charset="2"/>
+              </a:rPr>
+              <a:t>List&lt;</a:t>
+            </a:r>
+            <a:r>
+              <a:rPr lang="en-US" sz="1600" dirty="0" err="1" smtClean="0">
+                <a:latin typeface="Consolas" panose="020B0609020204030204" pitchFamily="49" charset="0"/>
+                <a:sym typeface="Wingdings" panose="05000000000000000000" pitchFamily="2" charset="2"/>
+              </a:rPr>
+              <a:t>int</a:t>
+            </a:r>
+            <a:r>
+              <a:rPr lang="en-US" sz="1600" dirty="0" smtClean="0">
+                <a:latin typeface="Consolas" panose="020B0609020204030204" pitchFamily="49" charset="0"/>
+                <a:sym typeface="Wingdings" panose="05000000000000000000" pitchFamily="2" charset="2"/>
+              </a:rPr>
+              <a:t>[]&gt; </a:t>
+            </a:r>
+            <a:r>
+              <a:rPr lang="en-US" sz="1600" dirty="0" err="1" smtClean="0">
+                <a:latin typeface="Consolas" panose="020B0609020204030204" pitchFamily="49" charset="0"/>
+                <a:sym typeface="Wingdings" panose="05000000000000000000" pitchFamily="2" charset="2"/>
+              </a:rPr>
+              <a:t>spaces_houses</a:t>
+            </a:r>
+            <a:endParaRPr lang="en-US" sz="1600" dirty="0" smtClean="0">
+              <a:latin typeface="Consolas" panose="020B0609020204030204" pitchFamily="49" charset="0"/>
+              <a:sym typeface="Wingdings" panose="05000000000000000000" pitchFamily="2" charset="2"/>
+            </a:endParaRPr>
+          </a:p>
+          <a:p>
+            <a:pPr lvl="1"/>
+            <a:r>
+              <a:rPr lang="en-US" sz="1600" dirty="0" smtClean="0">
+                <a:sym typeface="Wingdings" panose="05000000000000000000" pitchFamily="2" charset="2"/>
+              </a:rPr>
+              <a:t>board_art.txt  </a:t>
+            </a:r>
+            <a:r>
+              <a:rPr lang="en-US" sz="1600" dirty="0" smtClean="0">
+                <a:latin typeface="Consolas" panose="020B0609020204030204" pitchFamily="49" charset="0"/>
+                <a:sym typeface="Wingdings" panose="05000000000000000000" pitchFamily="2" charset="2"/>
+              </a:rPr>
+              <a:t>string[] </a:t>
+            </a:r>
+            <a:r>
+              <a:rPr lang="en-US" sz="1600" dirty="0" err="1" smtClean="0">
+                <a:latin typeface="Consolas" panose="020B0609020204030204" pitchFamily="49" charset="0"/>
+                <a:sym typeface="Wingdings" panose="05000000000000000000" pitchFamily="2" charset="2"/>
+              </a:rPr>
+              <a:t>board_art</a:t>
+            </a:r>
+            <a:endParaRPr lang="en-US" sz="1600" dirty="0" smtClean="0">
+              <a:latin typeface="Consolas" panose="020B0609020204030204" pitchFamily="49" charset="0"/>
+              <a:sym typeface="Wingdings" panose="05000000000000000000" pitchFamily="2" charset="2"/>
+            </a:endParaRPr>
+          </a:p>
+          <a:p>
+            <a:r>
+              <a:rPr lang="en-US" sz="1800" dirty="0" smtClean="0">
+                <a:sym typeface="Wingdings" panose="05000000000000000000" pitchFamily="2" charset="2"/>
+              </a:rPr>
+              <a:t>Setup game following user input</a:t>
+            </a:r>
+          </a:p>
+          <a:p>
+            <a:pPr lvl="1"/>
+            <a:r>
+              <a:rPr lang="en-US" sz="1600" dirty="0" smtClean="0">
+                <a:sym typeface="Wingdings" panose="05000000000000000000" pitchFamily="2" charset="2"/>
+              </a:rPr>
+              <a:t>Set starting money</a:t>
+            </a:r>
+          </a:p>
+          <a:p>
+            <a:pPr lvl="1"/>
+            <a:r>
+              <a:rPr lang="en-US" sz="1600" dirty="0" smtClean="0">
+                <a:sym typeface="Wingdings" panose="05000000000000000000" pitchFamily="2" charset="2"/>
+              </a:rPr>
+              <a:t>Set passing go money</a:t>
+            </a:r>
+          </a:p>
+          <a:p>
+            <a:pPr lvl="1"/>
+            <a:r>
+              <a:rPr lang="en-US" sz="1600" dirty="0" smtClean="0">
+                <a:sym typeface="Wingdings" panose="05000000000000000000" pitchFamily="2" charset="2"/>
+              </a:rPr>
+              <a:t>Set landing go bonus</a:t>
+            </a:r>
+          </a:p>
+          <a:p>
+            <a:pPr lvl="1"/>
+            <a:r>
+              <a:rPr lang="en-US" sz="1600" dirty="0" smtClean="0">
+                <a:sym typeface="Wingdings" panose="05000000000000000000" pitchFamily="2" charset="2"/>
+              </a:rPr>
+              <a:t>Set free parking bonus</a:t>
+            </a:r>
+          </a:p>
+          <a:p>
+            <a:pPr lvl="1"/>
+            <a:r>
+              <a:rPr lang="en-US" sz="1600" dirty="0" smtClean="0">
+                <a:sym typeface="Wingdings" panose="05000000000000000000" pitchFamily="2" charset="2"/>
+              </a:rPr>
+              <a:t>Set number of players</a:t>
+            </a:r>
+          </a:p>
+          <a:p>
+            <a:pPr lvl="2"/>
+            <a:r>
+              <a:rPr lang="en-US" sz="1400" dirty="0" smtClean="0">
+                <a:sym typeface="Wingdings" panose="05000000000000000000" pitchFamily="2" charset="2"/>
+              </a:rPr>
+              <a:t>Take player name</a:t>
+            </a:r>
+          </a:p>
+          <a:p>
+            <a:pPr lvl="2"/>
+            <a:r>
+              <a:rPr lang="en-US" sz="1400" dirty="0" smtClean="0">
+                <a:sym typeface="Wingdings" panose="05000000000000000000" pitchFamily="2" charset="2"/>
+              </a:rPr>
+              <a:t>Select player character</a:t>
+            </a:r>
+          </a:p>
+          <a:p>
+            <a:pPr lvl="1"/>
+            <a:r>
+              <a:rPr lang="en-US" sz="1600" dirty="0" smtClean="0">
+                <a:sym typeface="Wingdings" panose="05000000000000000000" pitchFamily="2" charset="2"/>
+              </a:rPr>
+              <a:t>Roll dice to determine starting order</a:t>
+            </a:r>
+          </a:p>
+          <a:p>
+            <a:r>
+              <a:rPr lang="en-US" sz="1800" dirty="0" smtClean="0">
+                <a:sym typeface="Wingdings" panose="05000000000000000000" pitchFamily="2" charset="2"/>
+              </a:rPr>
+              <a:t>Begin game!</a:t>
+            </a:r>
+          </a:p>
+        </p:txBody>
+      </p:sp>
+      <p:pic>
+        <p:nvPicPr>
+          <p:cNvPr id="4" name="Picture 3"/>
+          <p:cNvPicPr>
+            <a:picLocks noChangeAspect="1"/>
+          </p:cNvPicPr>
+          <p:nvPr/>
+        </p:nvPicPr>
+        <p:blipFill>
+          <a:blip r:embed="rId2"/>
+          <a:stretch>
+            <a:fillRect/>
+          </a:stretch>
+        </p:blipFill>
+        <p:spPr>
+          <a:xfrm>
+            <a:off x="6873393" y="4040628"/>
+            <a:ext cx="5177726" cy="1577974"/>
+          </a:xfrm>
+          <a:prstGeom prst="rect">
+            <a:avLst/>
+          </a:prstGeom>
+        </p:spPr>
+      </p:pic>
+      <p:pic>
+        <p:nvPicPr>
+          <p:cNvPr id="5" name="Picture 4"/>
+          <p:cNvPicPr>
+            <a:picLocks noChangeAspect="1"/>
+          </p:cNvPicPr>
+          <p:nvPr/>
+        </p:nvPicPr>
+        <p:blipFill>
+          <a:blip r:embed="rId3"/>
+          <a:stretch>
+            <a:fillRect/>
+          </a:stretch>
+        </p:blipFill>
+        <p:spPr>
+          <a:xfrm>
+            <a:off x="6873393" y="1068636"/>
+            <a:ext cx="5151174" cy="1715266"/>
+          </a:xfrm>
+          <a:prstGeom prst="rect">
+            <a:avLst/>
+          </a:prstGeom>
+        </p:spPr>
+      </p:pic>
+      <p:sp>
+        <p:nvSpPr>
+          <p:cNvPr id="6" name="TextBox 5"/>
+          <p:cNvSpPr txBox="1"/>
+          <p:nvPr/>
+        </p:nvSpPr>
+        <p:spPr>
+          <a:xfrm>
+            <a:off x="10108292" y="2807435"/>
+            <a:ext cx="1833965" cy="307777"/>
+          </a:xfrm>
+          <a:prstGeom prst="rect">
+            <a:avLst/>
+          </a:prstGeom>
+          <a:noFill/>
+        </p:spPr>
+        <p:txBody>
+          <a:bodyPr wrap="square" rtlCol="0">
+            <a:spAutoFit/>
+          </a:bodyPr>
+          <a:lstStyle/>
+          <a:p>
+            <a:pPr algn="r"/>
+            <a:r>
+              <a:rPr lang="en-US" sz="1400" dirty="0" smtClean="0"/>
+              <a:t>board.csv</a:t>
+            </a:r>
+            <a:endParaRPr lang="en-US" sz="1400" dirty="0"/>
+          </a:p>
+        </p:txBody>
+      </p:sp>
+      <p:sp>
+        <p:nvSpPr>
+          <p:cNvPr id="7" name="TextBox 6"/>
+          <p:cNvSpPr txBox="1"/>
+          <p:nvPr/>
+        </p:nvSpPr>
+        <p:spPr>
+          <a:xfrm>
+            <a:off x="10108292" y="5627642"/>
+            <a:ext cx="1833965" cy="307777"/>
+          </a:xfrm>
+          <a:prstGeom prst="rect">
+            <a:avLst/>
+          </a:prstGeom>
+          <a:noFill/>
+        </p:spPr>
+        <p:txBody>
+          <a:bodyPr wrap="square" rtlCol="0">
+            <a:spAutoFit/>
+          </a:bodyPr>
+          <a:lstStyle/>
+          <a:p>
+            <a:pPr algn="r"/>
+            <a:r>
+              <a:rPr lang="en-US" sz="1400" dirty="0" smtClean="0"/>
+              <a:t>cards.csv</a:t>
+            </a:r>
+            <a:endParaRPr lang="en-US" sz="1400" dirty="0"/>
           </a:p>
         </p:txBody>
       </p:sp>
     </p:spTree>
     <p:extLst>
       <p:ext uri="{BB962C8B-B14F-4D97-AF65-F5344CB8AC3E}">
-        <p14:creationId xmlns:p14="http://schemas.microsoft.com/office/powerpoint/2010/main" val="873525041"/>
+        <p14:creationId xmlns:p14="http://schemas.microsoft.com/office/powerpoint/2010/main" val="435902048"/>
       </p:ext>
     </p:extLst>
   </p:cSld>

--- a/model.pptx
+++ b/model.pptx
@@ -19,6 +19,7 @@
     <p:sldId id="264" r:id="rId13"/>
     <p:sldId id="268" r:id="rId14"/>
     <p:sldId id="269" r:id="rId15"/>
+    <p:sldId id="270" r:id="rId16"/>
   </p:sldIdLst>
   <p:sldSz cx="12192000" cy="6858000"/>
   <p:notesSz cx="6858000" cy="9144000"/>
@@ -5130,6 +5131,198 @@
 </p:sld>
 </file>
 
+<file path=ppt/slides/slide15.xml><?xml version="1.0" encoding="utf-8"?>
+<p:sld xmlns:a="http://schemas.openxmlformats.org/drawingml/2006/main" xmlns:r="http://schemas.openxmlformats.org/officeDocument/2006/relationships" xmlns:p="http://schemas.openxmlformats.org/presentationml/2006/main">
+  <p:cSld>
+    <p:spTree>
+      <p:nvGrpSpPr>
+        <p:cNvPr id="1" name=""/>
+        <p:cNvGrpSpPr/>
+        <p:nvPr/>
+      </p:nvGrpSpPr>
+      <p:grpSpPr>
+        <a:xfrm>
+          <a:off x="0" y="0"/>
+          <a:ext cx="0" cy="0"/>
+          <a:chOff x="0" y="0"/>
+          <a:chExt cx="0" cy="0"/>
+        </a:xfrm>
+      </p:grpSpPr>
+      <p:sp>
+        <p:nvSpPr>
+          <p:cNvPr id="2" name="Title 1"/>
+          <p:cNvSpPr>
+            <a:spLocks noGrp="1"/>
+          </p:cNvSpPr>
+          <p:nvPr>
+            <p:ph type="title"/>
+          </p:nvPr>
+        </p:nvSpPr>
+        <p:spPr/>
+        <p:txBody>
+          <a:bodyPr/>
+          <a:lstStyle/>
+          <a:p>
+            <a:r>
+              <a:rPr lang="en-US" dirty="0" smtClean="0"/>
+              <a:t>Reflections</a:t>
+            </a:r>
+            <a:endParaRPr lang="en-US" dirty="0"/>
+          </a:p>
+        </p:txBody>
+      </p:sp>
+      <p:sp>
+        <p:nvSpPr>
+          <p:cNvPr id="3" name="Content Placeholder 2"/>
+          <p:cNvSpPr>
+            <a:spLocks noGrp="1"/>
+          </p:cNvSpPr>
+          <p:nvPr>
+            <p:ph idx="1"/>
+          </p:nvPr>
+        </p:nvSpPr>
+        <p:spPr>
+          <a:xfrm>
+            <a:off x="374573" y="1046601"/>
+            <a:ext cx="10979227" cy="5673688"/>
+          </a:xfrm>
+        </p:spPr>
+        <p:txBody>
+          <a:bodyPr>
+            <a:normAutofit/>
+          </a:bodyPr>
+          <a:lstStyle/>
+          <a:p>
+            <a:pPr marL="0" indent="0">
+              <a:buNone/>
+            </a:pPr>
+            <a:r>
+              <a:rPr lang="en-US" sz="1800" i="1" dirty="0" smtClean="0">
+                <a:solidFill>
+                  <a:srgbClr val="92D050"/>
+                </a:solidFill>
+              </a:rPr>
+              <a:t>Strengths</a:t>
+            </a:r>
+          </a:p>
+          <a:p>
+            <a:r>
+              <a:rPr lang="en-US" sz="1800" dirty="0" smtClean="0"/>
+              <a:t>Depth of functionality</a:t>
+            </a:r>
+          </a:p>
+          <a:p>
+            <a:r>
+              <a:rPr lang="en-US" sz="1800" dirty="0" smtClean="0"/>
+              <a:t>Robust</a:t>
+            </a:r>
+          </a:p>
+          <a:p>
+            <a:r>
+              <a:rPr lang="en-US" sz="1800" dirty="0" smtClean="0"/>
+              <a:t>Object-oriented approach makes for easy scaling</a:t>
+            </a:r>
+          </a:p>
+          <a:p>
+            <a:r>
+              <a:rPr lang="en-US" sz="1800" dirty="0" smtClean="0"/>
+              <a:t>Graphics!</a:t>
+            </a:r>
+          </a:p>
+          <a:p>
+            <a:pPr marL="0" indent="0">
+              <a:buNone/>
+            </a:pPr>
+            <a:r>
+              <a:rPr lang="en-US" sz="1800" i="1" dirty="0" smtClean="0">
+                <a:solidFill>
+                  <a:srgbClr val="92D050"/>
+                </a:solidFill>
+              </a:rPr>
+              <a:t>Weaknesses</a:t>
+            </a:r>
+          </a:p>
+          <a:p>
+            <a:r>
+              <a:rPr lang="en-US" sz="1800" dirty="0" smtClean="0"/>
+              <a:t>Scaling artifacts &amp; retrofits</a:t>
+            </a:r>
+          </a:p>
+          <a:p>
+            <a:r>
+              <a:rPr lang="en-US" sz="1800" dirty="0" smtClean="0"/>
+              <a:t>Class organization</a:t>
+            </a:r>
+          </a:p>
+          <a:p>
+            <a:r>
+              <a:rPr lang="en-US" sz="1800" dirty="0" smtClean="0"/>
+              <a:t>Resistance to misuse</a:t>
+            </a:r>
+          </a:p>
+          <a:p>
+            <a:r>
+              <a:rPr lang="en-US" sz="1800" dirty="0" smtClean="0"/>
+              <a:t>Single author architecture</a:t>
+            </a:r>
+          </a:p>
+          <a:p>
+            <a:pPr marL="0" indent="0">
+              <a:buNone/>
+            </a:pPr>
+            <a:r>
+              <a:rPr lang="en-US" sz="1800" i="1" dirty="0" smtClean="0">
+                <a:solidFill>
+                  <a:srgbClr val="92D050"/>
+                </a:solidFill>
+              </a:rPr>
+              <a:t>Lessons</a:t>
+            </a:r>
+          </a:p>
+          <a:p>
+            <a:r>
+              <a:rPr lang="en-US" sz="1800" dirty="0" smtClean="0"/>
+              <a:t>Importance of planning for scalability, flexibility, agility, and </a:t>
+            </a:r>
+            <a:r>
+              <a:rPr lang="en-US" sz="1800" dirty="0" err="1" smtClean="0"/>
+              <a:t>integrability</a:t>
+            </a:r>
+            <a:endParaRPr lang="en-US" sz="1800" dirty="0" smtClean="0"/>
+          </a:p>
+          <a:p>
+            <a:r>
+              <a:rPr lang="en-US" sz="1800" dirty="0" smtClean="0"/>
+              <a:t>Importance of regular, rigorous, systematic testing</a:t>
+            </a:r>
+          </a:p>
+          <a:p>
+            <a:r>
+              <a:rPr lang="en-US" sz="1800" dirty="0" smtClean="0"/>
+              <a:t>Importance of regular reflection, review, and revision</a:t>
+            </a:r>
+          </a:p>
+          <a:p>
+            <a:r>
+              <a:rPr lang="en-US" sz="1800" dirty="0" smtClean="0"/>
+              <a:t>Importance of collaboration, creativity, and approach diversity</a:t>
+            </a:r>
+          </a:p>
+        </p:txBody>
+      </p:sp>
+    </p:spTree>
+    <p:extLst>
+      <p:ext uri="{BB962C8B-B14F-4D97-AF65-F5344CB8AC3E}">
+        <p14:creationId xmlns:p14="http://schemas.microsoft.com/office/powerpoint/2010/main" val="1751032671"/>
+      </p:ext>
+    </p:extLst>
+  </p:cSld>
+  <p:clrMapOvr>
+    <a:masterClrMapping/>
+  </p:clrMapOvr>
+</p:sld>
+</file>
+
 <file path=ppt/slides/slide2.xml><?xml version="1.0" encoding="utf-8"?>
 <p:sld xmlns:a="http://schemas.openxmlformats.org/drawingml/2006/main" xmlns:r="http://schemas.openxmlformats.org/officeDocument/2006/relationships" xmlns:p="http://schemas.openxmlformats.org/presentationml/2006/main">
   <p:cSld>
@@ -6767,13 +6960,7 @@
               <a:rPr lang="en-US" sz="1700" dirty="0" smtClean="0">
                 <a:latin typeface="Consolas" panose="020B0609020204030204" pitchFamily="49" charset="0"/>
               </a:rPr>
-              <a:t>string </a:t>
-            </a:r>
-            <a:r>
-              <a:rPr lang="en-US" sz="1700" dirty="0" smtClean="0">
-                <a:latin typeface="Consolas" panose="020B0609020204030204" pitchFamily="49" charset="0"/>
-              </a:rPr>
-              <a:t>name</a:t>
+              <a:t>string name</a:t>
             </a:r>
           </a:p>
           <a:p>
@@ -6798,13 +6985,21 @@
               <a:rPr lang="en-US" sz="1700" dirty="0" smtClean="0">
                 <a:latin typeface="Consolas" panose="020B0609020204030204" pitchFamily="49" charset="0"/>
               </a:rPr>
-              <a:t>string </a:t>
+              <a:t>string color</a:t>
+            </a:r>
+          </a:p>
+          <a:p>
+            <a:r>
+              <a:rPr lang="en-US" sz="1700" dirty="0" err="1" smtClean="0">
+                <a:latin typeface="Consolas" panose="020B0609020204030204" pitchFamily="49" charset="0"/>
+              </a:rPr>
+              <a:t>int</a:t>
             </a:r>
             <a:r>
               <a:rPr lang="en-US" sz="1700" dirty="0" smtClean="0">
                 <a:latin typeface="Consolas" panose="020B0609020204030204" pitchFamily="49" charset="0"/>
               </a:rPr>
-              <a:t>color</a:t>
+              <a:t> position</a:t>
             </a:r>
           </a:p>
           <a:p>
@@ -6818,33 +7013,7 @@
               <a:rPr lang="en-US" sz="1700" dirty="0" smtClean="0">
                 <a:latin typeface="Consolas" panose="020B0609020204030204" pitchFamily="49" charset="0"/>
               </a:rPr>
-              <a:t> </a:t>
-            </a:r>
-            <a:r>
-              <a:rPr lang="en-US" sz="1700" dirty="0" smtClean="0">
-                <a:latin typeface="Consolas" panose="020B0609020204030204" pitchFamily="49" charset="0"/>
-              </a:rPr>
-              <a:t>position</a:t>
-            </a:r>
-          </a:p>
-          <a:p>
-            <a:r>
-              <a:rPr lang="en-US" sz="1700" dirty="0" err="1" smtClean="0">
-                <a:latin typeface="Consolas" panose="020B0609020204030204" pitchFamily="49" charset="0"/>
-              </a:rPr>
-              <a:t>int</a:t>
-            </a:r>
-            <a:r>
-              <a:rPr lang="en-US" sz="1700" dirty="0" smtClean="0">
-                <a:latin typeface="Consolas" panose="020B0609020204030204" pitchFamily="49" charset="0"/>
-              </a:rPr>
-              <a:t> </a:t>
-            </a:r>
-            <a:r>
-              <a:rPr lang="en-US" sz="1700" dirty="0" smtClean="0">
-                <a:latin typeface="Consolas" panose="020B0609020204030204" pitchFamily="49" charset="0"/>
-              </a:rPr>
-              <a:t>price</a:t>
+              <a:t> price</a:t>
             </a:r>
           </a:p>
           <a:p>
@@ -6904,13 +7073,7 @@
               <a:rPr lang="en-US" sz="1700" dirty="0" smtClean="0">
                 <a:latin typeface="Consolas" panose="020B0609020204030204" pitchFamily="49" charset="0"/>
               </a:rPr>
-              <a:t>[6</a:t>
-            </a:r>
-            <a:r>
-              <a:rPr lang="en-US" sz="1700" dirty="0" smtClean="0">
-                <a:latin typeface="Consolas" panose="020B0609020204030204" pitchFamily="49" charset="0"/>
-              </a:rPr>
-              <a:t>] rent</a:t>
+              <a:t>[6] rent</a:t>
             </a:r>
           </a:p>
           <a:p>
@@ -6975,13 +7138,7 @@
               <a:rPr lang="en-US" sz="1700" dirty="0" smtClean="0">
                 <a:latin typeface="Consolas" panose="020B0609020204030204" pitchFamily="49" charset="0"/>
               </a:rPr>
-              <a:t>Player </a:t>
-            </a:r>
-            <a:r>
-              <a:rPr lang="en-US" sz="1700" dirty="0" smtClean="0">
-                <a:latin typeface="Consolas" panose="020B0609020204030204" pitchFamily="49" charset="0"/>
-              </a:rPr>
-              <a:t>owner</a:t>
+              <a:t>Player owner</a:t>
             </a:r>
           </a:p>
         </p:txBody>
@@ -7221,27 +7378,15 @@
               <a:rPr lang="en-US" sz="1600" dirty="0" smtClean="0">
                 <a:latin typeface="Consolas" panose="020B0609020204030204" pitchFamily="49" charset="0"/>
               </a:rPr>
-              <a:t>sets</a:t>
-            </a:r>
+              <a:t>sets()</a:t>
+            </a:r>
+          </a:p>
+          <a:p>
             <a:r>
               <a:rPr lang="en-US" sz="1600" dirty="0" smtClean="0">
                 <a:latin typeface="Consolas" panose="020B0609020204030204" pitchFamily="49" charset="0"/>
               </a:rPr>
-              <a:t>()</a:t>
-            </a:r>
-          </a:p>
-          <a:p>
-            <a:r>
-              <a:rPr lang="en-US" sz="1600" dirty="0" smtClean="0">
-                <a:latin typeface="Consolas" panose="020B0609020204030204" pitchFamily="49" charset="0"/>
-              </a:rPr>
-              <a:t>gets</a:t>
-            </a:r>
-            <a:r>
-              <a:rPr lang="en-US" sz="1600" dirty="0" smtClean="0">
-                <a:latin typeface="Consolas" panose="020B0609020204030204" pitchFamily="49" charset="0"/>
-              </a:rPr>
-              <a:t>()</a:t>
+              <a:t>gets()</a:t>
             </a:r>
           </a:p>
           <a:p>
@@ -9283,11 +9428,6 @@
               </a:rPr>
               <a:t>Methods (continued)</a:t>
             </a:r>
-            <a:endParaRPr lang="en-US" sz="1900" i="1" dirty="0" smtClean="0">
-              <a:solidFill>
-                <a:srgbClr val="92D050"/>
-              </a:solidFill>
-            </a:endParaRPr>
           </a:p>
           <a:p>
             <a:r>
@@ -10043,13 +10183,15 @@
               <a:rPr lang="en-US" sz="1600" dirty="0" smtClean="0">
                 <a:latin typeface="Consolas" panose="020B0609020204030204" pitchFamily="49" charset="0"/>
               </a:rPr>
-              <a:t>string </a:t>
-            </a:r>
+              <a:t>string tag</a:t>
+            </a:r>
+          </a:p>
+          <a:p>
             <a:r>
               <a:rPr lang="en-US" sz="1600" dirty="0" smtClean="0">
                 <a:latin typeface="Consolas" panose="020B0609020204030204" pitchFamily="49" charset="0"/>
               </a:rPr>
-              <a:t>tag</a:t>
+              <a:t>string type</a:t>
             </a:r>
           </a:p>
           <a:p>
@@ -10057,13 +10199,15 @@
               <a:rPr lang="en-US" sz="1600" dirty="0" smtClean="0">
                 <a:latin typeface="Consolas" panose="020B0609020204030204" pitchFamily="49" charset="0"/>
               </a:rPr>
-              <a:t>string </a:t>
-            </a:r>
+              <a:t>string category</a:t>
+            </a:r>
+          </a:p>
+          <a:p>
             <a:r>
               <a:rPr lang="en-US" sz="1600" dirty="0" smtClean="0">
                 <a:latin typeface="Consolas" panose="020B0609020204030204" pitchFamily="49" charset="0"/>
               </a:rPr>
-              <a:t>type</a:t>
+              <a:t>string name</a:t>
             </a:r>
           </a:p>
           <a:p>
@@ -10071,41 +10215,7 @@
               <a:rPr lang="en-US" sz="1600" dirty="0" smtClean="0">
                 <a:latin typeface="Consolas" panose="020B0609020204030204" pitchFamily="49" charset="0"/>
               </a:rPr>
-              <a:t>string </a:t>
-            </a:r>
-            <a:r>
-              <a:rPr lang="en-US" sz="1600" dirty="0" smtClean="0">
-                <a:latin typeface="Consolas" panose="020B0609020204030204" pitchFamily="49" charset="0"/>
-              </a:rPr>
-              <a:t>category</a:t>
-            </a:r>
-          </a:p>
-          <a:p>
-            <a:r>
-              <a:rPr lang="en-US" sz="1600" dirty="0" smtClean="0">
-                <a:latin typeface="Consolas" panose="020B0609020204030204" pitchFamily="49" charset="0"/>
-              </a:rPr>
-              <a:t>string </a:t>
-            </a:r>
-            <a:r>
-              <a:rPr lang="en-US" sz="1600" dirty="0" smtClean="0">
-                <a:latin typeface="Consolas" panose="020B0609020204030204" pitchFamily="49" charset="0"/>
-              </a:rPr>
-              <a:t>name</a:t>
-            </a:r>
-          </a:p>
-          <a:p>
-            <a:r>
-              <a:rPr lang="en-US" sz="1600" dirty="0" smtClean="0">
-                <a:latin typeface="Consolas" panose="020B0609020204030204" pitchFamily="49" charset="0"/>
-              </a:rPr>
-              <a:t>string </a:t>
-            </a:r>
-            <a:r>
-              <a:rPr lang="en-US" sz="1600" dirty="0" smtClean="0">
-                <a:latin typeface="Consolas" panose="020B0609020204030204" pitchFamily="49" charset="0"/>
-              </a:rPr>
-              <a:t>description</a:t>
+              <a:t>string description</a:t>
             </a:r>
           </a:p>
           <a:p>
@@ -10400,7 +10510,6 @@
               <a:rPr lang="en-US" sz="1900" dirty="0" smtClean="0"/>
               <a:t>), </a:t>
             </a:r>
-            <a:endParaRPr lang="en-US" sz="1900" dirty="0" smtClean="0"/>
           </a:p>
           <a:p>
             <a:pPr lvl="1"/>
@@ -10424,17 +10533,12 @@
               <a:rPr lang="en-US" sz="1900" dirty="0" smtClean="0"/>
               <a:t>, </a:t>
             </a:r>
-            <a:endParaRPr lang="en-US" sz="1900" dirty="0" smtClean="0"/>
           </a:p>
           <a:p>
             <a:pPr lvl="1"/>
             <a:r>
               <a:rPr lang="en-US" sz="1900" dirty="0" smtClean="0"/>
-              <a:t>graphics </a:t>
-            </a:r>
-            <a:r>
-              <a:rPr lang="en-US" sz="1900" dirty="0" smtClean="0"/>
-              <a:t>(string[] </a:t>
+              <a:t>graphics (string[] </a:t>
             </a:r>
             <a:r>
               <a:rPr lang="en-US" sz="1900" dirty="0" err="1" smtClean="0"/>
@@ -10442,23 +10546,14 @@
             </a:r>
             <a:r>
               <a:rPr lang="en-US" sz="1900" dirty="0" smtClean="0"/>
-              <a:t>), </a:t>
-            </a:r>
+              <a:t>), and </a:t>
+            </a:r>
+          </a:p>
+          <a:p>
+            <a:pPr lvl="1"/>
             <a:r>
               <a:rPr lang="en-US" sz="1900" dirty="0" smtClean="0"/>
-              <a:t>and </a:t>
-            </a:r>
-            <a:endParaRPr lang="en-US" sz="1900" dirty="0" smtClean="0"/>
-          </a:p>
-          <a:p>
-            <a:pPr lvl="1"/>
-            <a:r>
-              <a:rPr lang="en-US" sz="1900" dirty="0" smtClean="0"/>
-              <a:t>graphics </a:t>
-            </a:r>
-            <a:r>
-              <a:rPr lang="en-US" sz="1900" dirty="0" smtClean="0"/>
-              <a:t>indices </a:t>
+              <a:t>graphics indices </a:t>
             </a:r>
             <a:r>
               <a:rPr lang="en-US" sz="1900" dirty="0" smtClean="0">
@@ -10603,13 +10698,7 @@
               <a:rPr lang="en-US" sz="1700" dirty="0" smtClean="0">
                 <a:latin typeface="Consolas" panose="020B0609020204030204" pitchFamily="49" charset="0"/>
               </a:rPr>
-              <a:t>while </a:t>
-            </a:r>
-            <a:r>
-              <a:rPr lang="en-US" sz="1700" dirty="0" smtClean="0">
-                <a:latin typeface="Consolas" panose="020B0609020204030204" pitchFamily="49" charset="0"/>
-              </a:rPr>
-              <a:t>(</a:t>
+              <a:t>while (</a:t>
             </a:r>
             <a:r>
               <a:rPr lang="en-US" sz="1700" dirty="0" err="1" smtClean="0">
@@ -11131,13 +11220,7 @@
               <a:rPr lang="en-US" dirty="0" smtClean="0">
                 <a:latin typeface="Consolas" panose="020B0609020204030204" pitchFamily="49" charset="0"/>
               </a:rPr>
-              <a:t>: </a:t>
-            </a:r>
-            <a:r>
-              <a:rPr lang="en-US" dirty="0" smtClean="0">
-                <a:latin typeface="Consolas" panose="020B0609020204030204" pitchFamily="49" charset="0"/>
-              </a:rPr>
-              <a:t>declare</a:t>
+              <a:t>: declare</a:t>
             </a:r>
             <a:r>
               <a:rPr lang="en-US" dirty="0" smtClean="0"/>
@@ -11457,13 +11540,7 @@
               <a:rPr lang="en-US" dirty="0" smtClean="0">
                 <a:latin typeface="Consolas" panose="020B0609020204030204" pitchFamily="49" charset="0"/>
               </a:rPr>
-              <a:t>List&lt;Property&gt; </a:t>
-            </a:r>
-            <a:r>
-              <a:rPr lang="en-US" dirty="0" smtClean="0">
-                <a:latin typeface="Consolas" panose="020B0609020204030204" pitchFamily="49" charset="0"/>
-              </a:rPr>
-              <a:t>board</a:t>
+              <a:t>List&lt;Property&gt; board</a:t>
             </a:r>
             <a:endParaRPr lang="en-US" dirty="0">
               <a:latin typeface="Consolas" panose="020B0609020204030204" pitchFamily="49" charset="0"/>
@@ -11902,13 +11979,7 @@
               <a:rPr lang="en-US" dirty="0" smtClean="0">
                 <a:latin typeface="Consolas" panose="020B0609020204030204" pitchFamily="49" charset="0"/>
               </a:rPr>
-              <a:t>: </a:t>
-            </a:r>
-            <a:r>
-              <a:rPr lang="en-US" dirty="0" smtClean="0">
-                <a:latin typeface="Consolas" panose="020B0609020204030204" pitchFamily="49" charset="0"/>
-              </a:rPr>
-              <a:t>parse</a:t>
+              <a:t>: parse</a:t>
             </a:r>
             <a:r>
               <a:rPr lang="en-US" dirty="0" smtClean="0"/>
